--- a/docs/Meeting_June_19.pptx
+++ b/docs/Meeting_June_19.pptx
@@ -4,20 +4,24 @@
   <p:sldMasterIdLst>
     <p:sldMasterId id="2147483648" r:id="rId1"/>
   </p:sldMasterIdLst>
+  <p:notesMasterIdLst>
+    <p:notesMasterId r:id="rId16"/>
+  </p:notesMasterIdLst>
   <p:sldIdLst>
     <p:sldId id="256" r:id="rId2"/>
     <p:sldId id="257" r:id="rId3"/>
     <p:sldId id="258" r:id="rId4"/>
-    <p:sldId id="264" r:id="rId5"/>
-    <p:sldId id="265" r:id="rId6"/>
-    <p:sldId id="260" r:id="rId7"/>
-    <p:sldId id="262" r:id="rId8"/>
-    <p:sldId id="267" r:id="rId9"/>
-    <p:sldId id="268" r:id="rId10"/>
-    <p:sldId id="261" r:id="rId11"/>
-    <p:sldId id="263" r:id="rId12"/>
-    <p:sldId id="259" r:id="rId13"/>
-    <p:sldId id="266" r:id="rId14"/>
+    <p:sldId id="269" r:id="rId5"/>
+    <p:sldId id="264" r:id="rId6"/>
+    <p:sldId id="265" r:id="rId7"/>
+    <p:sldId id="260" r:id="rId8"/>
+    <p:sldId id="262" r:id="rId9"/>
+    <p:sldId id="267" r:id="rId10"/>
+    <p:sldId id="268" r:id="rId11"/>
+    <p:sldId id="261" r:id="rId12"/>
+    <p:sldId id="263" r:id="rId13"/>
+    <p:sldId id="259" r:id="rId14"/>
+    <p:sldId id="266" r:id="rId15"/>
   </p:sldIdLst>
   <p:sldSz cx="9144000" cy="6858000" type="screen4x3"/>
   <p:notesSz cx="6858000" cy="9144000"/>
@@ -117,6 +121,440 @@
     </a:lvl9pPr>
   </p:defaultTextStyle>
 </p:presentation>
+</file>
+
+<file path=ppt/notesMasters/notesMaster1.xml><?xml version="1.0" encoding="utf-8"?>
+<p:notesMaster xmlns:a="http://schemas.openxmlformats.org/drawingml/2006/main" xmlns:r="http://schemas.openxmlformats.org/officeDocument/2006/relationships" xmlns:p="http://schemas.openxmlformats.org/presentationml/2006/main">
+  <p:cSld>
+    <p:bg>
+      <p:bgRef idx="1001">
+        <a:schemeClr val="bg1"/>
+      </p:bgRef>
+    </p:bg>
+    <p:spTree>
+      <p:nvGrpSpPr>
+        <p:cNvPr id="1" name=""/>
+        <p:cNvGrpSpPr/>
+        <p:nvPr/>
+      </p:nvGrpSpPr>
+      <p:grpSpPr>
+        <a:xfrm>
+          <a:off x="0" y="0"/>
+          <a:ext cx="0" cy="0"/>
+          <a:chOff x="0" y="0"/>
+          <a:chExt cx="0" cy="0"/>
+        </a:xfrm>
+      </p:grpSpPr>
+      <p:sp>
+        <p:nvSpPr>
+          <p:cNvPr id="2" name="Header Placeholder 1"/>
+          <p:cNvSpPr>
+            <a:spLocks noGrp="1"/>
+          </p:cNvSpPr>
+          <p:nvPr>
+            <p:ph type="hdr" sz="quarter"/>
+          </p:nvPr>
+        </p:nvSpPr>
+        <p:spPr>
+          <a:xfrm>
+            <a:off x="0" y="0"/>
+            <a:ext cx="2971800" cy="457200"/>
+          </a:xfrm>
+          <a:prstGeom prst="rect">
+            <a:avLst/>
+          </a:prstGeom>
+        </p:spPr>
+        <p:txBody>
+          <a:bodyPr vert="horz" lIns="91440" tIns="45720" rIns="91440" bIns="45720" rtlCol="0"/>
+          <a:lstStyle>
+            <a:lvl1pPr algn="l">
+              <a:defRPr sz="1200"/>
+            </a:lvl1pPr>
+          </a:lstStyle>
+          <a:p>
+            <a:endParaRPr lang="en-US"/>
+          </a:p>
+        </p:txBody>
+      </p:sp>
+      <p:sp>
+        <p:nvSpPr>
+          <p:cNvPr id="3" name="Date Placeholder 2"/>
+          <p:cNvSpPr>
+            <a:spLocks noGrp="1"/>
+          </p:cNvSpPr>
+          <p:nvPr>
+            <p:ph type="dt" idx="1"/>
+          </p:nvPr>
+        </p:nvSpPr>
+        <p:spPr>
+          <a:xfrm>
+            <a:off x="3884613" y="0"/>
+            <a:ext cx="2971800" cy="457200"/>
+          </a:xfrm>
+          <a:prstGeom prst="rect">
+            <a:avLst/>
+          </a:prstGeom>
+        </p:spPr>
+        <p:txBody>
+          <a:bodyPr vert="horz" lIns="91440" tIns="45720" rIns="91440" bIns="45720" rtlCol="0"/>
+          <a:lstStyle>
+            <a:lvl1pPr algn="r">
+              <a:defRPr sz="1200"/>
+            </a:lvl1pPr>
+          </a:lstStyle>
+          <a:p>
+            <a:fld id="{15FC3792-9E39-4644-B8E6-783304D6C22A}" type="datetimeFigureOut">
+              <a:rPr lang="en-US" smtClean="0"/>
+              <a:t>6/18/15</a:t>
+            </a:fld>
+            <a:endParaRPr lang="en-US"/>
+          </a:p>
+        </p:txBody>
+      </p:sp>
+      <p:sp>
+        <p:nvSpPr>
+          <p:cNvPr id="4" name="Slide Image Placeholder 3"/>
+          <p:cNvSpPr>
+            <a:spLocks noGrp="1" noRot="1" noChangeAspect="1"/>
+          </p:cNvSpPr>
+          <p:nvPr>
+            <p:ph type="sldImg" idx="2"/>
+          </p:nvPr>
+        </p:nvSpPr>
+        <p:spPr>
+          <a:xfrm>
+            <a:off x="1143000" y="685800"/>
+            <a:ext cx="4572000" cy="3429000"/>
+          </a:xfrm>
+          <a:prstGeom prst="rect">
+            <a:avLst/>
+          </a:prstGeom>
+          <a:noFill/>
+          <a:ln w="12700">
+            <a:solidFill>
+              <a:prstClr val="black"/>
+            </a:solidFill>
+          </a:ln>
+        </p:spPr>
+        <p:txBody>
+          <a:bodyPr vert="horz" lIns="91440" tIns="45720" rIns="91440" bIns="45720" rtlCol="0" anchor="ctr"/>
+          <a:lstStyle/>
+          <a:p>
+            <a:endParaRPr lang="en-US"/>
+          </a:p>
+        </p:txBody>
+      </p:sp>
+      <p:sp>
+        <p:nvSpPr>
+          <p:cNvPr id="5" name="Notes Placeholder 4"/>
+          <p:cNvSpPr>
+            <a:spLocks noGrp="1"/>
+          </p:cNvSpPr>
+          <p:nvPr>
+            <p:ph type="body" sz="quarter" idx="3"/>
+          </p:nvPr>
+        </p:nvSpPr>
+        <p:spPr>
+          <a:xfrm>
+            <a:off x="685800" y="4343400"/>
+            <a:ext cx="5486400" cy="4114800"/>
+          </a:xfrm>
+          <a:prstGeom prst="rect">
+            <a:avLst/>
+          </a:prstGeom>
+        </p:spPr>
+        <p:txBody>
+          <a:bodyPr vert="horz" lIns="91440" tIns="45720" rIns="91440" bIns="45720" rtlCol="0"/>
+          <a:lstStyle/>
+          <a:p>
+            <a:pPr lvl="0"/>
+            <a:r>
+              <a:rPr lang="en-US" smtClean="0"/>
+              <a:t>Click to edit Master text styles</a:t>
+            </a:r>
+          </a:p>
+          <a:p>
+            <a:pPr lvl="1"/>
+            <a:r>
+              <a:rPr lang="en-US" smtClean="0"/>
+              <a:t>Second level</a:t>
+            </a:r>
+          </a:p>
+          <a:p>
+            <a:pPr lvl="2"/>
+            <a:r>
+              <a:rPr lang="en-US" smtClean="0"/>
+              <a:t>Third level</a:t>
+            </a:r>
+          </a:p>
+          <a:p>
+            <a:pPr lvl="3"/>
+            <a:r>
+              <a:rPr lang="en-US" smtClean="0"/>
+              <a:t>Fourth level</a:t>
+            </a:r>
+          </a:p>
+          <a:p>
+            <a:pPr lvl="4"/>
+            <a:r>
+              <a:rPr lang="en-US" smtClean="0"/>
+              <a:t>Fifth level</a:t>
+            </a:r>
+            <a:endParaRPr lang="en-US"/>
+          </a:p>
+        </p:txBody>
+      </p:sp>
+      <p:sp>
+        <p:nvSpPr>
+          <p:cNvPr id="6" name="Footer Placeholder 5"/>
+          <p:cNvSpPr>
+            <a:spLocks noGrp="1"/>
+          </p:cNvSpPr>
+          <p:nvPr>
+            <p:ph type="ftr" sz="quarter" idx="4"/>
+          </p:nvPr>
+        </p:nvSpPr>
+        <p:spPr>
+          <a:xfrm>
+            <a:off x="0" y="8685213"/>
+            <a:ext cx="2971800" cy="457200"/>
+          </a:xfrm>
+          <a:prstGeom prst="rect">
+            <a:avLst/>
+          </a:prstGeom>
+        </p:spPr>
+        <p:txBody>
+          <a:bodyPr vert="horz" lIns="91440" tIns="45720" rIns="91440" bIns="45720" rtlCol="0" anchor="b"/>
+          <a:lstStyle>
+            <a:lvl1pPr algn="l">
+              <a:defRPr sz="1200"/>
+            </a:lvl1pPr>
+          </a:lstStyle>
+          <a:p>
+            <a:endParaRPr lang="en-US"/>
+          </a:p>
+        </p:txBody>
+      </p:sp>
+      <p:sp>
+        <p:nvSpPr>
+          <p:cNvPr id="7" name="Slide Number Placeholder 6"/>
+          <p:cNvSpPr>
+            <a:spLocks noGrp="1"/>
+          </p:cNvSpPr>
+          <p:nvPr>
+            <p:ph type="sldNum" sz="quarter" idx="5"/>
+          </p:nvPr>
+        </p:nvSpPr>
+        <p:spPr>
+          <a:xfrm>
+            <a:off x="3884613" y="8685213"/>
+            <a:ext cx="2971800" cy="457200"/>
+          </a:xfrm>
+          <a:prstGeom prst="rect">
+            <a:avLst/>
+          </a:prstGeom>
+        </p:spPr>
+        <p:txBody>
+          <a:bodyPr vert="horz" lIns="91440" tIns="45720" rIns="91440" bIns="45720" rtlCol="0" anchor="b"/>
+          <a:lstStyle>
+            <a:lvl1pPr algn="r">
+              <a:defRPr sz="1200"/>
+            </a:lvl1pPr>
+          </a:lstStyle>
+          <a:p>
+            <a:fld id="{E9D93DAA-1CD3-0747-9B41-F4764BE9B773}" type="slidenum">
+              <a:rPr lang="en-US" smtClean="0"/>
+              <a:t>‹#›</a:t>
+            </a:fld>
+            <a:endParaRPr lang="en-US"/>
+          </a:p>
+        </p:txBody>
+      </p:sp>
+    </p:spTree>
+    <p:extLst>
+      <p:ext uri="{BB962C8B-B14F-4D97-AF65-F5344CB8AC3E}">
+        <p14:creationId xmlns:p14="http://schemas.microsoft.com/office/powerpoint/2010/main" val="2487102172"/>
+      </p:ext>
+    </p:extLst>
+  </p:cSld>
+  <p:clrMap bg1="lt1" tx1="dk1" bg2="lt2" tx2="dk2" accent1="accent1" accent2="accent2" accent3="accent3" accent4="accent4" accent5="accent5" accent6="accent6" hlink="hlink" folHlink="folHlink"/>
+  <p:notesStyle>
+    <a:lvl1pPr marL="0" algn="l" defTabSz="457200" rtl="0" eaLnBrk="1" latinLnBrk="0" hangingPunct="1">
+      <a:defRPr sz="1200" kern="1200">
+        <a:solidFill>
+          <a:schemeClr val="tx1"/>
+        </a:solidFill>
+        <a:latin typeface="+mn-lt"/>
+        <a:ea typeface="+mn-ea"/>
+        <a:cs typeface="+mn-cs"/>
+      </a:defRPr>
+    </a:lvl1pPr>
+    <a:lvl2pPr marL="457200" algn="l" defTabSz="457200" rtl="0" eaLnBrk="1" latinLnBrk="0" hangingPunct="1">
+      <a:defRPr sz="1200" kern="1200">
+        <a:solidFill>
+          <a:schemeClr val="tx1"/>
+        </a:solidFill>
+        <a:latin typeface="+mn-lt"/>
+        <a:ea typeface="+mn-ea"/>
+        <a:cs typeface="+mn-cs"/>
+      </a:defRPr>
+    </a:lvl2pPr>
+    <a:lvl3pPr marL="914400" algn="l" defTabSz="457200" rtl="0" eaLnBrk="1" latinLnBrk="0" hangingPunct="1">
+      <a:defRPr sz="1200" kern="1200">
+        <a:solidFill>
+          <a:schemeClr val="tx1"/>
+        </a:solidFill>
+        <a:latin typeface="+mn-lt"/>
+        <a:ea typeface="+mn-ea"/>
+        <a:cs typeface="+mn-cs"/>
+      </a:defRPr>
+    </a:lvl3pPr>
+    <a:lvl4pPr marL="1371600" algn="l" defTabSz="457200" rtl="0" eaLnBrk="1" latinLnBrk="0" hangingPunct="1">
+      <a:defRPr sz="1200" kern="1200">
+        <a:solidFill>
+          <a:schemeClr val="tx1"/>
+        </a:solidFill>
+        <a:latin typeface="+mn-lt"/>
+        <a:ea typeface="+mn-ea"/>
+        <a:cs typeface="+mn-cs"/>
+      </a:defRPr>
+    </a:lvl4pPr>
+    <a:lvl5pPr marL="1828800" algn="l" defTabSz="457200" rtl="0" eaLnBrk="1" latinLnBrk="0" hangingPunct="1">
+      <a:defRPr sz="1200" kern="1200">
+        <a:solidFill>
+          <a:schemeClr val="tx1"/>
+        </a:solidFill>
+        <a:latin typeface="+mn-lt"/>
+        <a:ea typeface="+mn-ea"/>
+        <a:cs typeface="+mn-cs"/>
+      </a:defRPr>
+    </a:lvl5pPr>
+    <a:lvl6pPr marL="2286000" algn="l" defTabSz="457200" rtl="0" eaLnBrk="1" latinLnBrk="0" hangingPunct="1">
+      <a:defRPr sz="1200" kern="1200">
+        <a:solidFill>
+          <a:schemeClr val="tx1"/>
+        </a:solidFill>
+        <a:latin typeface="+mn-lt"/>
+        <a:ea typeface="+mn-ea"/>
+        <a:cs typeface="+mn-cs"/>
+      </a:defRPr>
+    </a:lvl6pPr>
+    <a:lvl7pPr marL="2743200" algn="l" defTabSz="457200" rtl="0" eaLnBrk="1" latinLnBrk="0" hangingPunct="1">
+      <a:defRPr sz="1200" kern="1200">
+        <a:solidFill>
+          <a:schemeClr val="tx1"/>
+        </a:solidFill>
+        <a:latin typeface="+mn-lt"/>
+        <a:ea typeface="+mn-ea"/>
+        <a:cs typeface="+mn-cs"/>
+      </a:defRPr>
+    </a:lvl7pPr>
+    <a:lvl8pPr marL="3200400" algn="l" defTabSz="457200" rtl="0" eaLnBrk="1" latinLnBrk="0" hangingPunct="1">
+      <a:defRPr sz="1200" kern="1200">
+        <a:solidFill>
+          <a:schemeClr val="tx1"/>
+        </a:solidFill>
+        <a:latin typeface="+mn-lt"/>
+        <a:ea typeface="+mn-ea"/>
+        <a:cs typeface="+mn-cs"/>
+      </a:defRPr>
+    </a:lvl8pPr>
+    <a:lvl9pPr marL="3657600" algn="l" defTabSz="457200" rtl="0" eaLnBrk="1" latinLnBrk="0" hangingPunct="1">
+      <a:defRPr sz="1200" kern="1200">
+        <a:solidFill>
+          <a:schemeClr val="tx1"/>
+        </a:solidFill>
+        <a:latin typeface="+mn-lt"/>
+        <a:ea typeface="+mn-ea"/>
+        <a:cs typeface="+mn-cs"/>
+      </a:defRPr>
+    </a:lvl9pPr>
+  </p:notesStyle>
+</p:notesMaster>
+</file>
+
+<file path=ppt/notesSlides/notesSlide1.xml><?xml version="1.0" encoding="utf-8"?>
+<p:notes xmlns:a="http://schemas.openxmlformats.org/drawingml/2006/main" xmlns:r="http://schemas.openxmlformats.org/officeDocument/2006/relationships" xmlns:p="http://schemas.openxmlformats.org/presentationml/2006/main">
+  <p:cSld>
+    <p:spTree>
+      <p:nvGrpSpPr>
+        <p:cNvPr id="1" name=""/>
+        <p:cNvGrpSpPr/>
+        <p:nvPr/>
+      </p:nvGrpSpPr>
+      <p:grpSpPr>
+        <a:xfrm>
+          <a:off x="0" y="0"/>
+          <a:ext cx="0" cy="0"/>
+          <a:chOff x="0" y="0"/>
+          <a:chExt cx="0" cy="0"/>
+        </a:xfrm>
+      </p:grpSpPr>
+      <p:sp>
+        <p:nvSpPr>
+          <p:cNvPr id="2" name="Slide Image Placeholder 1"/>
+          <p:cNvSpPr>
+            <a:spLocks noGrp="1" noRot="1" noChangeAspect="1"/>
+          </p:cNvSpPr>
+          <p:nvPr>
+            <p:ph type="sldImg"/>
+          </p:nvPr>
+        </p:nvSpPr>
+        <p:spPr/>
+      </p:sp>
+      <p:sp>
+        <p:nvSpPr>
+          <p:cNvPr id="3" name="Notes Placeholder 2"/>
+          <p:cNvSpPr>
+            <a:spLocks noGrp="1"/>
+          </p:cNvSpPr>
+          <p:nvPr>
+            <p:ph type="body" idx="1"/>
+          </p:nvPr>
+        </p:nvSpPr>
+        <p:spPr/>
+        <p:txBody>
+          <a:bodyPr/>
+          <a:lstStyle/>
+          <a:p>
+            <a:endParaRPr lang="en-US" dirty="0"/>
+          </a:p>
+        </p:txBody>
+      </p:sp>
+      <p:sp>
+        <p:nvSpPr>
+          <p:cNvPr id="4" name="Slide Number Placeholder 3"/>
+          <p:cNvSpPr>
+            <a:spLocks noGrp="1"/>
+          </p:cNvSpPr>
+          <p:nvPr>
+            <p:ph type="sldNum" sz="quarter" idx="10"/>
+          </p:nvPr>
+        </p:nvSpPr>
+        <p:spPr/>
+        <p:txBody>
+          <a:bodyPr/>
+          <a:lstStyle/>
+          <a:p>
+            <a:fld id="{E9D93DAA-1CD3-0747-9B41-F4764BE9B773}" type="slidenum">
+              <a:rPr lang="en-US" smtClean="0"/>
+              <a:t>8</a:t>
+            </a:fld>
+            <a:endParaRPr lang="en-US"/>
+          </a:p>
+        </p:txBody>
+      </p:sp>
+    </p:spTree>
+    <p:extLst>
+      <p:ext uri="{BB962C8B-B14F-4D97-AF65-F5344CB8AC3E}">
+        <p14:creationId xmlns:p14="http://schemas.microsoft.com/office/powerpoint/2010/main" val="3554896540"/>
+      </p:ext>
+    </p:extLst>
+  </p:cSld>
+  <p:clrMapOvr>
+    <a:masterClrMapping/>
+  </p:clrMapOvr>
+</p:notes>
 </file>
 
 <file path=ppt/slideLayouts/slideLayout1.xml><?xml version="1.0" encoding="utf-8"?>
@@ -3219,16 +3657,46 @@
           <a:p>
             <a:r>
               <a:rPr lang="en-US" dirty="0" smtClean="0"/>
-              <a:t>Efficacy of number of paths fed into solvers</a:t>
+              <a:t>Efficacy of message sizes</a:t>
             </a:r>
             <a:endParaRPr lang="en-US" dirty="0"/>
           </a:p>
         </p:txBody>
       </p:sp>
+      <p:pic>
+        <p:nvPicPr>
+          <p:cNvPr id="4" name="Picture 3" descr="messagesize.pdf"/>
+          <p:cNvPicPr>
+            <a:picLocks noChangeAspect="1"/>
+          </p:cNvPicPr>
+          <p:nvPr/>
+        </p:nvPicPr>
+        <p:blipFill>
+          <a:blip r:embed="rId2">
+            <a:extLst>
+              <a:ext uri="{28A0092B-C50C-407E-A947-70E740481C1C}">
+                <a14:useLocalDpi xmlns:a14="http://schemas.microsoft.com/office/drawing/2010/main" val="0"/>
+              </a:ext>
+            </a:extLst>
+          </a:blip>
+          <a:stretch>
+            <a:fillRect/>
+          </a:stretch>
+        </p:blipFill>
+        <p:spPr>
+          <a:xfrm>
+            <a:off x="1583901" y="2144715"/>
+            <a:ext cx="5819954" cy="4497237"/>
+          </a:xfrm>
+          <a:prstGeom prst="rect">
+            <a:avLst/>
+          </a:prstGeom>
+        </p:spPr>
+      </p:pic>
     </p:spTree>
     <p:extLst>
       <p:ext uri="{BB962C8B-B14F-4D97-AF65-F5344CB8AC3E}">
-        <p14:creationId xmlns:p14="http://schemas.microsoft.com/office/powerpoint/2010/main" val="2386857234"/>
+        <p14:creationId xmlns:p14="http://schemas.microsoft.com/office/powerpoint/2010/main" val="3011869994"/>
       </p:ext>
     </p:extLst>
   </p:cSld>
@@ -3295,15 +3763,7 @@
           <a:p>
             <a:r>
               <a:rPr lang="en-US" dirty="0" smtClean="0"/>
-              <a:t>Efficacy of </a:t>
-            </a:r>
-            <a:r>
-              <a:rPr lang="en-US" dirty="0" err="1" smtClean="0"/>
-              <a:t>maxload</a:t>
-            </a:r>
-            <a:r>
-              <a:rPr lang="en-US" dirty="0" smtClean="0"/>
-              <a:t> value</a:t>
+              <a:t>Efficacy of number of paths fed into solvers</a:t>
             </a:r>
             <a:endParaRPr lang="en-US" dirty="0"/>
           </a:p>
@@ -3379,12 +3839,126 @@
           <a:p>
             <a:r>
               <a:rPr lang="en-US" dirty="0" smtClean="0"/>
+              <a:t>Efficacy of </a:t>
+            </a:r>
+            <a:r>
+              <a:rPr lang="en-US" dirty="0" err="1" smtClean="0"/>
+              <a:t>maxload</a:t>
+            </a:r>
+            <a:r>
+              <a:rPr lang="en-US" dirty="0" smtClean="0"/>
+              <a:t> value</a:t>
+            </a:r>
+            <a:endParaRPr lang="en-US" dirty="0"/>
+          </a:p>
+        </p:txBody>
+      </p:sp>
+    </p:spTree>
+    <p:extLst>
+      <p:ext uri="{BB962C8B-B14F-4D97-AF65-F5344CB8AC3E}">
+        <p14:creationId xmlns:p14="http://schemas.microsoft.com/office/powerpoint/2010/main" val="2386857234"/>
+      </p:ext>
+    </p:extLst>
+  </p:cSld>
+  <p:clrMapOvr>
+    <a:masterClrMapping/>
+  </p:clrMapOvr>
+</p:sld>
+</file>
+
+<file path=ppt/slides/slide13.xml><?xml version="1.0" encoding="utf-8"?>
+<p:sld xmlns:a="http://schemas.openxmlformats.org/drawingml/2006/main" xmlns:r="http://schemas.openxmlformats.org/officeDocument/2006/relationships" xmlns:p="http://schemas.openxmlformats.org/presentationml/2006/main">
+  <p:cSld>
+    <p:spTree>
+      <p:nvGrpSpPr>
+        <p:cNvPr id="1" name=""/>
+        <p:cNvGrpSpPr/>
+        <p:nvPr/>
+      </p:nvGrpSpPr>
+      <p:grpSpPr>
+        <a:xfrm>
+          <a:off x="0" y="0"/>
+          <a:ext cx="0" cy="0"/>
+          <a:chOff x="0" y="0"/>
+          <a:chExt cx="0" cy="0"/>
+        </a:xfrm>
+      </p:grpSpPr>
+      <p:sp>
+        <p:nvSpPr>
+          <p:cNvPr id="2" name="Title 1"/>
+          <p:cNvSpPr>
+            <a:spLocks noGrp="1"/>
+          </p:cNvSpPr>
+          <p:nvPr>
+            <p:ph type="title"/>
+          </p:nvPr>
+        </p:nvSpPr>
+        <p:spPr/>
+        <p:txBody>
+          <a:bodyPr/>
+          <a:lstStyle/>
+          <a:p>
+            <a:r>
+              <a:rPr lang="en-US" dirty="0" smtClean="0"/>
+              <a:t>Results</a:t>
+            </a:r>
+            <a:endParaRPr lang="en-US" dirty="0"/>
+          </a:p>
+        </p:txBody>
+      </p:sp>
+      <p:sp>
+        <p:nvSpPr>
+          <p:cNvPr id="3" name="Content Placeholder 2"/>
+          <p:cNvSpPr>
+            <a:spLocks noGrp="1"/>
+          </p:cNvSpPr>
+          <p:nvPr>
+            <p:ph idx="1"/>
+          </p:nvPr>
+        </p:nvSpPr>
+        <p:spPr/>
+        <p:txBody>
+          <a:bodyPr/>
+          <a:lstStyle/>
+          <a:p>
+            <a:r>
+              <a:rPr lang="en-US" dirty="0" smtClean="0"/>
               <a:t>Community Earth System Model (CESM)</a:t>
             </a:r>
             <a:endParaRPr lang="en-US" dirty="0"/>
           </a:p>
         </p:txBody>
       </p:sp>
+      <p:pic>
+        <p:nvPicPr>
+          <p:cNvPr id="4" name="Picture 3" descr="mct.pdf"/>
+          <p:cNvPicPr>
+            <a:picLocks noChangeAspect="1"/>
+          </p:cNvPicPr>
+          <p:nvPr/>
+        </p:nvPicPr>
+        <p:blipFill>
+          <a:blip r:embed="rId2">
+            <a:extLst>
+              <a:ext uri="{28A0092B-C50C-407E-A947-70E740481C1C}">
+                <a14:useLocalDpi xmlns:a14="http://schemas.microsoft.com/office/drawing/2010/main" val="0"/>
+              </a:ext>
+            </a:extLst>
+          </a:blip>
+          <a:stretch>
+            <a:fillRect/>
+          </a:stretch>
+        </p:blipFill>
+        <p:spPr>
+          <a:xfrm>
+            <a:off x="457200" y="2395695"/>
+            <a:ext cx="3520275" cy="2489750"/>
+          </a:xfrm>
+          <a:prstGeom prst="rect">
+            <a:avLst/>
+          </a:prstGeom>
+        </p:spPr>
+      </p:pic>
     </p:spTree>
     <p:extLst>
       <p:ext uri="{BB962C8B-B14F-4D97-AF65-F5344CB8AC3E}">
@@ -3398,7 +3972,7 @@
 </p:sld>
 </file>
 
-<file path=ppt/slides/slide13.xml><?xml version="1.0" encoding="utf-8"?>
+<file path=ppt/slides/slide14.xml><?xml version="1.0" encoding="utf-8"?>
 <p:sld xmlns:a="http://schemas.openxmlformats.org/drawingml/2006/main" xmlns:r="http://schemas.openxmlformats.org/officeDocument/2006/relationships" xmlns:p="http://schemas.openxmlformats.org/presentationml/2006/main">
   <p:cSld>
     <p:spTree>
@@ -3652,39 +4226,44 @@
           <a:p>
             <a:r>
               <a:rPr lang="en-US" dirty="0" smtClean="0"/>
-              <a:t>Results</a:t>
+              <a:t>Patterns</a:t>
             </a:r>
             <a:endParaRPr lang="en-US" dirty="0"/>
           </a:p>
         </p:txBody>
       </p:sp>
-      <p:sp>
-        <p:nvSpPr>
-          <p:cNvPr id="3" name="Content Placeholder 2"/>
-          <p:cNvSpPr>
-            <a:spLocks noGrp="1"/>
-          </p:cNvSpPr>
+      <p:pic>
+        <p:nvPicPr>
+          <p:cNvPr id="4" name="Content Placeholder 3" descr="patterns.pdf"/>
+          <p:cNvPicPr>
+            <a:picLocks noGrp="1" noChangeAspect="1"/>
+          </p:cNvPicPr>
           <p:nvPr>
             <p:ph idx="1"/>
           </p:nvPr>
-        </p:nvSpPr>
-        <p:spPr/>
-        <p:txBody>
-          <a:bodyPr/>
-          <a:lstStyle/>
-          <a:p>
-            <a:r>
-              <a:rPr lang="en-US" dirty="0" smtClean="0"/>
-              <a:t>Varying partitions, number of sources, destinations, keeping constant sources-destinations ratio (1:8) – same message sizes.</a:t>
-            </a:r>
-            <a:endParaRPr lang="en-US" dirty="0"/>
-          </a:p>
-        </p:txBody>
-      </p:sp>
+        </p:nvPicPr>
+        <p:blipFill rotWithShape="1">
+          <a:blip r:embed="rId2">
+            <a:extLst>
+              <a:ext uri="{28A0092B-C50C-407E-A947-70E740481C1C}">
+                <a14:useLocalDpi xmlns:a14="http://schemas.microsoft.com/office/drawing/2010/main" val="0"/>
+              </a:ext>
+            </a:extLst>
+          </a:blip>
+          <a:srcRect l="-57058" t="-173148" r="-39773" b="-97579"/>
+          <a:stretch/>
+        </p:blipFill>
+        <p:spPr>
+          <a:xfrm>
+            <a:off x="-2010752" y="-487850"/>
+            <a:ext cx="12026322" cy="6614014"/>
+          </a:xfrm>
+        </p:spPr>
+      </p:pic>
     </p:spTree>
     <p:extLst>
       <p:ext uri="{BB962C8B-B14F-4D97-AF65-F5344CB8AC3E}">
-        <p14:creationId xmlns:p14="http://schemas.microsoft.com/office/powerpoint/2010/main" val="2331630317"/>
+        <p14:creationId xmlns:p14="http://schemas.microsoft.com/office/powerpoint/2010/main" val="3862793570"/>
       </p:ext>
     </p:extLst>
   </p:cSld>
@@ -3751,7 +4330,187 @@
           <a:p>
             <a:r>
               <a:rPr lang="en-US" dirty="0" smtClean="0"/>
-              <a:t>Varying partitions, number of sources, destinations, keeping constant sources-destinations ratio (1:8) – different message sizes.</a:t>
+              <a:t>Varying partitions, number of sources, destinations, keeping constant sources-destinations ratio (1:8) – Heuristic 1 + same message sizes (8 MB/pair).</a:t>
+            </a:r>
+            <a:endParaRPr lang="en-US" dirty="0"/>
+          </a:p>
+        </p:txBody>
+      </p:sp>
+      <p:pic>
+        <p:nvPicPr>
+          <p:cNvPr id="4" name="Picture 3" descr="constantr_3.pdf"/>
+          <p:cNvPicPr>
+            <a:picLocks noChangeAspect="1"/>
+          </p:cNvPicPr>
+          <p:nvPr/>
+        </p:nvPicPr>
+        <p:blipFill>
+          <a:blip r:embed="rId2">
+            <a:extLst>
+              <a:ext uri="{28A0092B-C50C-407E-A947-70E740481C1C}">
+                <a14:useLocalDpi xmlns:a14="http://schemas.microsoft.com/office/drawing/2010/main" val="0"/>
+              </a:ext>
+            </a:extLst>
+          </a:blip>
+          <a:stretch>
+            <a:fillRect/>
+          </a:stretch>
+        </p:blipFill>
+        <p:spPr>
+          <a:xfrm>
+            <a:off x="-35940" y="3721055"/>
+            <a:ext cx="3252048" cy="2512946"/>
+          </a:xfrm>
+          <a:prstGeom prst="rect">
+            <a:avLst/>
+          </a:prstGeom>
+        </p:spPr>
+      </p:pic>
+      <p:pic>
+        <p:nvPicPr>
+          <p:cNvPr id="5" name="Picture 4" descr="constantr_27.pdf"/>
+          <p:cNvPicPr>
+            <a:picLocks noChangeAspect="1"/>
+          </p:cNvPicPr>
+          <p:nvPr/>
+        </p:nvPicPr>
+        <p:blipFill>
+          <a:blip r:embed="rId3">
+            <a:extLst>
+              <a:ext uri="{28A0092B-C50C-407E-A947-70E740481C1C}">
+                <a14:useLocalDpi xmlns:a14="http://schemas.microsoft.com/office/drawing/2010/main" val="0"/>
+              </a:ext>
+            </a:extLst>
+          </a:blip>
+          <a:stretch>
+            <a:fillRect/>
+          </a:stretch>
+        </p:blipFill>
+        <p:spPr>
+          <a:xfrm>
+            <a:off x="2992709" y="3721055"/>
+            <a:ext cx="3252048" cy="2512946"/>
+          </a:xfrm>
+          <a:prstGeom prst="rect">
+            <a:avLst/>
+          </a:prstGeom>
+        </p:spPr>
+      </p:pic>
+      <p:pic>
+        <p:nvPicPr>
+          <p:cNvPr id="6" name="Picture 5" descr="constantr_87.pdf"/>
+          <p:cNvPicPr>
+            <a:picLocks noChangeAspect="1"/>
+          </p:cNvPicPr>
+          <p:nvPr/>
+        </p:nvPicPr>
+        <p:blipFill>
+          <a:blip r:embed="rId4">
+            <a:extLst>
+              <a:ext uri="{28A0092B-C50C-407E-A947-70E740481C1C}">
+                <a14:useLocalDpi xmlns:a14="http://schemas.microsoft.com/office/drawing/2010/main" val="0"/>
+              </a:ext>
+            </a:extLst>
+          </a:blip>
+          <a:stretch>
+            <a:fillRect/>
+          </a:stretch>
+        </p:blipFill>
+        <p:spPr>
+          <a:xfrm>
+            <a:off x="6050075" y="3824726"/>
+            <a:ext cx="3117885" cy="2409275"/>
+          </a:xfrm>
+          <a:prstGeom prst="rect">
+            <a:avLst/>
+          </a:prstGeom>
+        </p:spPr>
+      </p:pic>
+      <p:sp>
+        <p:nvSpPr>
+          <p:cNvPr id="7" name="TextBox 6"/>
+          <p:cNvSpPr txBox="1"/>
+          <p:nvPr/>
+        </p:nvSpPr>
+        <p:spPr>
+          <a:xfrm>
+            <a:off x="1078231" y="6310829"/>
+            <a:ext cx="902811" cy="369332"/>
+          </a:xfrm>
+          <a:prstGeom prst="rect">
+            <a:avLst/>
+          </a:prstGeom>
+          <a:noFill/>
+        </p:spPr>
+        <p:txBody>
+          <a:bodyPr wrap="none" rtlCol="0">
+            <a:spAutoFit/>
+          </a:bodyPr>
+          <a:lstStyle/>
+          <a:p>
+            <a:r>
+              <a:rPr lang="en-US" dirty="0" smtClean="0"/>
+              <a:t>Disjoint</a:t>
+            </a:r>
+            <a:endParaRPr lang="en-US" dirty="0"/>
+          </a:p>
+        </p:txBody>
+      </p:sp>
+      <p:sp>
+        <p:nvSpPr>
+          <p:cNvPr id="8" name="TextBox 7"/>
+          <p:cNvSpPr txBox="1"/>
+          <p:nvPr/>
+        </p:nvSpPr>
+        <p:spPr>
+          <a:xfrm>
+            <a:off x="4213737" y="6310829"/>
+            <a:ext cx="921910" cy="369332"/>
+          </a:xfrm>
+          <a:prstGeom prst="rect">
+            <a:avLst/>
+          </a:prstGeom>
+          <a:noFill/>
+        </p:spPr>
+        <p:txBody>
+          <a:bodyPr wrap="none" rtlCol="0">
+            <a:spAutoFit/>
+          </a:bodyPr>
+          <a:lstStyle/>
+          <a:p>
+            <a:r>
+              <a:rPr lang="en-US" dirty="0" smtClean="0"/>
+              <a:t>Overlap</a:t>
+            </a:r>
+            <a:endParaRPr lang="en-US" dirty="0"/>
+          </a:p>
+        </p:txBody>
+      </p:sp>
+      <p:sp>
+        <p:nvSpPr>
+          <p:cNvPr id="9" name="TextBox 8"/>
+          <p:cNvSpPr txBox="1"/>
+          <p:nvPr/>
+        </p:nvSpPr>
+        <p:spPr>
+          <a:xfrm>
+            <a:off x="7217460" y="6310829"/>
+            <a:ext cx="815736" cy="369332"/>
+          </a:xfrm>
+          <a:prstGeom prst="rect">
+            <a:avLst/>
+          </a:prstGeom>
+          <a:noFill/>
+        </p:spPr>
+        <p:txBody>
+          <a:bodyPr wrap="none" rtlCol="0">
+            <a:spAutoFit/>
+          </a:bodyPr>
+          <a:lstStyle/>
+          <a:p>
+            <a:r>
+              <a:rPr lang="en-US" dirty="0" smtClean="0"/>
+              <a:t>Subset</a:t>
             </a:r>
             <a:endParaRPr lang="en-US" dirty="0"/>
           </a:p>
@@ -3760,7 +4519,7 @@
     </p:spTree>
     <p:extLst>
       <p:ext uri="{BB962C8B-B14F-4D97-AF65-F5344CB8AC3E}">
-        <p14:creationId xmlns:p14="http://schemas.microsoft.com/office/powerpoint/2010/main" val="4195511534"/>
+        <p14:creationId xmlns:p14="http://schemas.microsoft.com/office/powerpoint/2010/main" val="2331630317"/>
       </p:ext>
     </p:extLst>
   </p:cSld>
@@ -3827,7 +4586,191 @@
           <a:p>
             <a:r>
               <a:rPr lang="en-US" dirty="0" smtClean="0"/>
-              <a:t>Varying sources-destinations ratio</a:t>
+              <a:t>Varying partitions, number of sources, destinations, keeping constant sources-destinations ratio (1:8): Heuristic 2 + </a:t>
+            </a:r>
+            <a:r>
+              <a:rPr lang="en-US" dirty="0" smtClean="0"/>
+              <a:t>different message sizes (64 KB – 8 MB).</a:t>
+            </a:r>
+            <a:endParaRPr lang="en-US" dirty="0"/>
+          </a:p>
+        </p:txBody>
+      </p:sp>
+      <p:pic>
+        <p:nvPicPr>
+          <p:cNvPr id="4" name="Picture 3" descr="constantr_disjoint_msg.pdf"/>
+          <p:cNvPicPr>
+            <a:picLocks noChangeAspect="1"/>
+          </p:cNvPicPr>
+          <p:nvPr/>
+        </p:nvPicPr>
+        <p:blipFill>
+          <a:blip r:embed="rId2">
+            <a:extLst>
+              <a:ext uri="{28A0092B-C50C-407E-A947-70E740481C1C}">
+                <a14:useLocalDpi xmlns:a14="http://schemas.microsoft.com/office/drawing/2010/main" val="0"/>
+              </a:ext>
+            </a:extLst>
+          </a:blip>
+          <a:stretch>
+            <a:fillRect/>
+          </a:stretch>
+        </p:blipFill>
+        <p:spPr>
+          <a:xfrm>
+            <a:off x="-23961" y="3758125"/>
+            <a:ext cx="3210733" cy="2481021"/>
+          </a:xfrm>
+          <a:prstGeom prst="rect">
+            <a:avLst/>
+          </a:prstGeom>
+        </p:spPr>
+      </p:pic>
+      <p:pic>
+        <p:nvPicPr>
+          <p:cNvPr id="5" name="Picture 4" descr="constantr_overlap_msg.pdf"/>
+          <p:cNvPicPr>
+            <a:picLocks noChangeAspect="1"/>
+          </p:cNvPicPr>
+          <p:nvPr/>
+        </p:nvPicPr>
+        <p:blipFill>
+          <a:blip r:embed="rId3">
+            <a:extLst>
+              <a:ext uri="{28A0092B-C50C-407E-A947-70E740481C1C}">
+                <a14:useLocalDpi xmlns:a14="http://schemas.microsoft.com/office/drawing/2010/main" val="0"/>
+              </a:ext>
+            </a:extLst>
+          </a:blip>
+          <a:stretch>
+            <a:fillRect/>
+          </a:stretch>
+        </p:blipFill>
+        <p:spPr>
+          <a:xfrm>
+            <a:off x="2995089" y="3758126"/>
+            <a:ext cx="3234692" cy="2499534"/>
+          </a:xfrm>
+          <a:prstGeom prst="rect">
+            <a:avLst/>
+          </a:prstGeom>
+        </p:spPr>
+      </p:pic>
+      <p:pic>
+        <p:nvPicPr>
+          <p:cNvPr id="6" name="Picture 5" descr="constantr_subset_msg.pdf"/>
+          <p:cNvPicPr>
+            <a:picLocks noChangeAspect="1"/>
+          </p:cNvPicPr>
+          <p:nvPr/>
+        </p:nvPicPr>
+        <p:blipFill>
+          <a:blip r:embed="rId4">
+            <a:extLst>
+              <a:ext uri="{28A0092B-C50C-407E-A947-70E740481C1C}">
+                <a14:useLocalDpi xmlns:a14="http://schemas.microsoft.com/office/drawing/2010/main" val="0"/>
+              </a:ext>
+            </a:extLst>
+          </a:blip>
+          <a:stretch>
+            <a:fillRect/>
+          </a:stretch>
+        </p:blipFill>
+        <p:spPr>
+          <a:xfrm>
+            <a:off x="6059609" y="3785625"/>
+            <a:ext cx="3165259" cy="2445882"/>
+          </a:xfrm>
+          <a:prstGeom prst="rect">
+            <a:avLst/>
+          </a:prstGeom>
+        </p:spPr>
+      </p:pic>
+      <p:sp>
+        <p:nvSpPr>
+          <p:cNvPr id="7" name="TextBox 6"/>
+          <p:cNvSpPr txBox="1"/>
+          <p:nvPr/>
+        </p:nvSpPr>
+        <p:spPr>
+          <a:xfrm>
+            <a:off x="1078231" y="6310829"/>
+            <a:ext cx="902811" cy="369332"/>
+          </a:xfrm>
+          <a:prstGeom prst="rect">
+            <a:avLst/>
+          </a:prstGeom>
+          <a:noFill/>
+        </p:spPr>
+        <p:txBody>
+          <a:bodyPr wrap="none" rtlCol="0">
+            <a:spAutoFit/>
+          </a:bodyPr>
+          <a:lstStyle/>
+          <a:p>
+            <a:r>
+              <a:rPr lang="en-US" dirty="0" smtClean="0"/>
+              <a:t>Disjoint</a:t>
+            </a:r>
+            <a:endParaRPr lang="en-US" dirty="0"/>
+          </a:p>
+        </p:txBody>
+      </p:sp>
+      <p:sp>
+        <p:nvSpPr>
+          <p:cNvPr id="8" name="TextBox 7"/>
+          <p:cNvSpPr txBox="1"/>
+          <p:nvPr/>
+        </p:nvSpPr>
+        <p:spPr>
+          <a:xfrm>
+            <a:off x="4213737" y="6310829"/>
+            <a:ext cx="921910" cy="369332"/>
+          </a:xfrm>
+          <a:prstGeom prst="rect">
+            <a:avLst/>
+          </a:prstGeom>
+          <a:noFill/>
+        </p:spPr>
+        <p:txBody>
+          <a:bodyPr wrap="none" rtlCol="0">
+            <a:spAutoFit/>
+          </a:bodyPr>
+          <a:lstStyle/>
+          <a:p>
+            <a:r>
+              <a:rPr lang="en-US" dirty="0" smtClean="0"/>
+              <a:t>Overlap</a:t>
+            </a:r>
+            <a:endParaRPr lang="en-US" dirty="0"/>
+          </a:p>
+        </p:txBody>
+      </p:sp>
+      <p:sp>
+        <p:nvSpPr>
+          <p:cNvPr id="9" name="TextBox 8"/>
+          <p:cNvSpPr txBox="1"/>
+          <p:nvPr/>
+        </p:nvSpPr>
+        <p:spPr>
+          <a:xfrm>
+            <a:off x="7217460" y="6310829"/>
+            <a:ext cx="815736" cy="369332"/>
+          </a:xfrm>
+          <a:prstGeom prst="rect">
+            <a:avLst/>
+          </a:prstGeom>
+          <a:noFill/>
+        </p:spPr>
+        <p:txBody>
+          <a:bodyPr wrap="none" rtlCol="0">
+            <a:spAutoFit/>
+          </a:bodyPr>
+          <a:lstStyle/>
+          <a:p>
+            <a:r>
+              <a:rPr lang="en-US" dirty="0" smtClean="0"/>
+              <a:t>Subset</a:t>
             </a:r>
             <a:endParaRPr lang="en-US" dirty="0"/>
           </a:p>
@@ -3836,7 +4779,7 @@
     </p:spTree>
     <p:extLst>
       <p:ext uri="{BB962C8B-B14F-4D97-AF65-F5344CB8AC3E}">
-        <p14:creationId xmlns:p14="http://schemas.microsoft.com/office/powerpoint/2010/main" val="735700975"/>
+        <p14:creationId xmlns:p14="http://schemas.microsoft.com/office/powerpoint/2010/main" val="4195511534"/>
       </p:ext>
     </p:extLst>
   </p:cSld>
@@ -3903,7 +4846,201 @@
           <a:p>
             <a:r>
               <a:rPr lang="en-US" dirty="0" smtClean="0"/>
-              <a:t>Varying sources-destinations distance</a:t>
+              <a:t>Varying sources-destinations ratio</a:t>
+            </a:r>
+          </a:p>
+          <a:p>
+            <a:pPr lvl="1"/>
+            <a:r>
+              <a:rPr lang="en-US" dirty="0" smtClean="0"/>
+              <a:t>2048 nodes totals, 64 sources.</a:t>
+            </a:r>
+          </a:p>
+          <a:p>
+            <a:pPr lvl="1"/>
+            <a:r>
+              <a:rPr lang="en-US" dirty="0" smtClean="0"/>
+              <a:t>1 Ranks/node, 8 MB/pair.</a:t>
+            </a:r>
+            <a:endParaRPr lang="en-US" dirty="0"/>
+          </a:p>
+        </p:txBody>
+      </p:sp>
+      <p:pic>
+        <p:nvPicPr>
+          <p:cNvPr id="4" name="Picture 3" descr="incrsize_disjoint.pdf"/>
+          <p:cNvPicPr>
+            <a:picLocks noChangeAspect="1"/>
+          </p:cNvPicPr>
+          <p:nvPr/>
+        </p:nvPicPr>
+        <p:blipFill>
+          <a:blip r:embed="rId2">
+            <a:extLst>
+              <a:ext uri="{28A0092B-C50C-407E-A947-70E740481C1C}">
+                <a14:useLocalDpi xmlns:a14="http://schemas.microsoft.com/office/drawing/2010/main" val="0"/>
+              </a:ext>
+            </a:extLst>
+          </a:blip>
+          <a:stretch>
+            <a:fillRect/>
+          </a:stretch>
+        </p:blipFill>
+        <p:spPr>
+          <a:xfrm>
+            <a:off x="-23961" y="3657425"/>
+            <a:ext cx="3433593" cy="2653231"/>
+          </a:xfrm>
+          <a:prstGeom prst="rect">
+            <a:avLst/>
+          </a:prstGeom>
+        </p:spPr>
+      </p:pic>
+      <p:pic>
+        <p:nvPicPr>
+          <p:cNvPr id="5" name="Picture 4" descr="incrsize_overlap.pdf"/>
+          <p:cNvPicPr>
+            <a:picLocks noChangeAspect="1"/>
+          </p:cNvPicPr>
+          <p:nvPr/>
+        </p:nvPicPr>
+        <p:blipFill>
+          <a:blip r:embed="rId3">
+            <a:extLst>
+              <a:ext uri="{28A0092B-C50C-407E-A947-70E740481C1C}">
+                <a14:useLocalDpi xmlns:a14="http://schemas.microsoft.com/office/drawing/2010/main" val="0"/>
+              </a:ext>
+            </a:extLst>
+          </a:blip>
+          <a:stretch>
+            <a:fillRect/>
+          </a:stretch>
+        </p:blipFill>
+        <p:spPr>
+          <a:xfrm>
+            <a:off x="2998960" y="3657425"/>
+            <a:ext cx="3392279" cy="2621306"/>
+          </a:xfrm>
+          <a:prstGeom prst="rect">
+            <a:avLst/>
+          </a:prstGeom>
+        </p:spPr>
+      </p:pic>
+      <p:pic>
+        <p:nvPicPr>
+          <p:cNvPr id="6" name="Picture 5" descr="incrsize_subset.pdf"/>
+          <p:cNvPicPr>
+            <a:picLocks noChangeAspect="1"/>
+          </p:cNvPicPr>
+          <p:nvPr/>
+        </p:nvPicPr>
+        <p:blipFill>
+          <a:blip r:embed="rId4">
+            <a:extLst>
+              <a:ext uri="{28A0092B-C50C-407E-A947-70E740481C1C}">
+                <a14:useLocalDpi xmlns:a14="http://schemas.microsoft.com/office/drawing/2010/main" val="0"/>
+              </a:ext>
+            </a:extLst>
+          </a:blip>
+          <a:stretch>
+            <a:fillRect/>
+          </a:stretch>
+        </p:blipFill>
+        <p:spPr>
+          <a:xfrm>
+            <a:off x="5986394" y="3673389"/>
+            <a:ext cx="3412935" cy="2637267"/>
+          </a:xfrm>
+          <a:prstGeom prst="rect">
+            <a:avLst/>
+          </a:prstGeom>
+        </p:spPr>
+      </p:pic>
+      <p:sp>
+        <p:nvSpPr>
+          <p:cNvPr id="7" name="TextBox 6"/>
+          <p:cNvSpPr txBox="1"/>
+          <p:nvPr/>
+        </p:nvSpPr>
+        <p:spPr>
+          <a:xfrm>
+            <a:off x="1078231" y="6310829"/>
+            <a:ext cx="902811" cy="369332"/>
+          </a:xfrm>
+          <a:prstGeom prst="rect">
+            <a:avLst/>
+          </a:prstGeom>
+          <a:noFill/>
+        </p:spPr>
+        <p:txBody>
+          <a:bodyPr wrap="none" rtlCol="0">
+            <a:spAutoFit/>
+          </a:bodyPr>
+          <a:lstStyle/>
+          <a:p>
+            <a:r>
+              <a:rPr lang="en-US" dirty="0" smtClean="0"/>
+              <a:t>Disjoint</a:t>
+            </a:r>
+            <a:endParaRPr lang="en-US" dirty="0"/>
+          </a:p>
+        </p:txBody>
+      </p:sp>
+      <p:sp>
+        <p:nvSpPr>
+          <p:cNvPr id="8" name="TextBox 7"/>
+          <p:cNvSpPr txBox="1"/>
+          <p:nvPr/>
+        </p:nvSpPr>
+        <p:spPr>
+          <a:xfrm>
+            <a:off x="4213737" y="6310829"/>
+            <a:ext cx="921910" cy="369332"/>
+          </a:xfrm>
+          <a:prstGeom prst="rect">
+            <a:avLst/>
+          </a:prstGeom>
+          <a:noFill/>
+        </p:spPr>
+        <p:txBody>
+          <a:bodyPr wrap="none" rtlCol="0">
+            <a:spAutoFit/>
+          </a:bodyPr>
+          <a:lstStyle/>
+          <a:p>
+            <a:r>
+              <a:rPr lang="en-US" dirty="0" smtClean="0"/>
+              <a:t>Overlap</a:t>
+            </a:r>
+            <a:endParaRPr lang="en-US" dirty="0"/>
+          </a:p>
+        </p:txBody>
+      </p:sp>
+      <p:sp>
+        <p:nvSpPr>
+          <p:cNvPr id="9" name="TextBox 8"/>
+          <p:cNvSpPr txBox="1"/>
+          <p:nvPr/>
+        </p:nvSpPr>
+        <p:spPr>
+          <a:xfrm>
+            <a:off x="7217460" y="6310829"/>
+            <a:ext cx="815736" cy="369332"/>
+          </a:xfrm>
+          <a:prstGeom prst="rect">
+            <a:avLst/>
+          </a:prstGeom>
+          <a:noFill/>
+        </p:spPr>
+        <p:txBody>
+          <a:bodyPr wrap="none" rtlCol="0">
+            <a:spAutoFit/>
+          </a:bodyPr>
+          <a:lstStyle/>
+          <a:p>
+            <a:r>
+              <a:rPr lang="en-US" dirty="0" smtClean="0"/>
+              <a:t>Subset</a:t>
             </a:r>
             <a:endParaRPr lang="en-US" dirty="0"/>
           </a:p>
@@ -3912,7 +5049,7 @@
     </p:spTree>
     <p:extLst>
       <p:ext uri="{BB962C8B-B14F-4D97-AF65-F5344CB8AC3E}">
-        <p14:creationId xmlns:p14="http://schemas.microsoft.com/office/powerpoint/2010/main" val="2386857234"/>
+        <p14:creationId xmlns:p14="http://schemas.microsoft.com/office/powerpoint/2010/main" val="735700975"/>
       </p:ext>
     </p:extLst>
   </p:cSld>
@@ -3979,7 +5116,200 @@
           <a:p>
             <a:r>
               <a:rPr lang="en-US" dirty="0" smtClean="0"/>
-              <a:t>Random pairing between sources and destinations.</a:t>
+              <a:t>Varying sources-destinations distance</a:t>
+            </a:r>
+          </a:p>
+          <a:p>
+            <a:pPr lvl="1"/>
+            <a:r>
+              <a:rPr lang="en-US" dirty="0" smtClean="0"/>
+              <a:t>2048 nodes totals, 64 sources.</a:t>
+            </a:r>
+          </a:p>
+          <a:p>
+            <a:pPr lvl="1"/>
+            <a:r>
+              <a:rPr lang="en-US" dirty="0" smtClean="0"/>
+              <a:t>1 Ranks/node, 8 MB/pair.</a:t>
+            </a:r>
+          </a:p>
+        </p:txBody>
+      </p:sp>
+      <p:pic>
+        <p:nvPicPr>
+          <p:cNvPr id="4" name="Picture 3" descr="incrdist_disjoint.pdf"/>
+          <p:cNvPicPr>
+            <a:picLocks noChangeAspect="1"/>
+          </p:cNvPicPr>
+          <p:nvPr/>
+        </p:nvPicPr>
+        <p:blipFill>
+          <a:blip r:embed="rId3">
+            <a:extLst>
+              <a:ext uri="{28A0092B-C50C-407E-A947-70E740481C1C}">
+                <a14:useLocalDpi xmlns:a14="http://schemas.microsoft.com/office/drawing/2010/main" val="0"/>
+              </a:ext>
+            </a:extLst>
+          </a:blip>
+          <a:stretch>
+            <a:fillRect/>
+          </a:stretch>
+        </p:blipFill>
+        <p:spPr>
+          <a:xfrm>
+            <a:off x="0" y="3633978"/>
+            <a:ext cx="3225181" cy="2492185"/>
+          </a:xfrm>
+          <a:prstGeom prst="rect">
+            <a:avLst/>
+          </a:prstGeom>
+        </p:spPr>
+      </p:pic>
+      <p:pic>
+        <p:nvPicPr>
+          <p:cNvPr id="5" name="Picture 4" descr="incrdist_overlap.pdf"/>
+          <p:cNvPicPr>
+            <a:picLocks noChangeAspect="1"/>
+          </p:cNvPicPr>
+          <p:nvPr/>
+        </p:nvPicPr>
+        <p:blipFill>
+          <a:blip r:embed="rId4">
+            <a:extLst>
+              <a:ext uri="{28A0092B-C50C-407E-A947-70E740481C1C}">
+                <a14:useLocalDpi xmlns:a14="http://schemas.microsoft.com/office/drawing/2010/main" val="0"/>
+              </a:ext>
+            </a:extLst>
+          </a:blip>
+          <a:stretch>
+            <a:fillRect/>
+          </a:stretch>
+        </p:blipFill>
+        <p:spPr>
+          <a:xfrm>
+            <a:off x="3093397" y="3633978"/>
+            <a:ext cx="3225180" cy="2492185"/>
+          </a:xfrm>
+          <a:prstGeom prst="rect">
+            <a:avLst/>
+          </a:prstGeom>
+        </p:spPr>
+      </p:pic>
+      <p:pic>
+        <p:nvPicPr>
+          <p:cNvPr id="6" name="Picture 5" descr="incrdist_subset.pdf"/>
+          <p:cNvPicPr>
+            <a:picLocks noChangeAspect="1"/>
+          </p:cNvPicPr>
+          <p:nvPr/>
+        </p:nvPicPr>
+        <p:blipFill>
+          <a:blip r:embed="rId5">
+            <a:extLst>
+              <a:ext uri="{28A0092B-C50C-407E-A947-70E740481C1C}">
+                <a14:useLocalDpi xmlns:a14="http://schemas.microsoft.com/office/drawing/2010/main" val="0"/>
+              </a:ext>
+            </a:extLst>
+          </a:blip>
+          <a:stretch>
+            <a:fillRect/>
+          </a:stretch>
+        </p:blipFill>
+        <p:spPr>
+          <a:xfrm>
+            <a:off x="6135154" y="3633978"/>
+            <a:ext cx="3225181" cy="2492185"/>
+          </a:xfrm>
+          <a:prstGeom prst="rect">
+            <a:avLst/>
+          </a:prstGeom>
+        </p:spPr>
+      </p:pic>
+      <p:sp>
+        <p:nvSpPr>
+          <p:cNvPr id="7" name="TextBox 6"/>
+          <p:cNvSpPr txBox="1"/>
+          <p:nvPr/>
+        </p:nvSpPr>
+        <p:spPr>
+          <a:xfrm>
+            <a:off x="1054271" y="6222019"/>
+            <a:ext cx="902811" cy="369332"/>
+          </a:xfrm>
+          <a:prstGeom prst="rect">
+            <a:avLst/>
+          </a:prstGeom>
+          <a:noFill/>
+        </p:spPr>
+        <p:txBody>
+          <a:bodyPr wrap="none" rtlCol="0">
+            <a:spAutoFit/>
+          </a:bodyPr>
+          <a:lstStyle/>
+          <a:p>
+            <a:r>
+              <a:rPr lang="en-US" dirty="0" smtClean="0"/>
+              <a:t>Disjoint</a:t>
+            </a:r>
+            <a:endParaRPr lang="en-US" dirty="0"/>
+          </a:p>
+        </p:txBody>
+      </p:sp>
+      <p:sp>
+        <p:nvSpPr>
+          <p:cNvPr id="8" name="TextBox 7"/>
+          <p:cNvSpPr txBox="1"/>
+          <p:nvPr/>
+        </p:nvSpPr>
+        <p:spPr>
+          <a:xfrm>
+            <a:off x="4309581" y="6222019"/>
+            <a:ext cx="921910" cy="369332"/>
+          </a:xfrm>
+          <a:prstGeom prst="rect">
+            <a:avLst/>
+          </a:prstGeom>
+          <a:noFill/>
+        </p:spPr>
+        <p:txBody>
+          <a:bodyPr wrap="none" rtlCol="0">
+            <a:spAutoFit/>
+          </a:bodyPr>
+          <a:lstStyle/>
+          <a:p>
+            <a:r>
+              <a:rPr lang="en-US" dirty="0" smtClean="0"/>
+              <a:t>Overlap</a:t>
+            </a:r>
+            <a:endParaRPr lang="en-US" dirty="0"/>
+          </a:p>
+        </p:txBody>
+      </p:sp>
+      <p:sp>
+        <p:nvSpPr>
+          <p:cNvPr id="10" name="TextBox 9"/>
+          <p:cNvSpPr txBox="1"/>
+          <p:nvPr/>
+        </p:nvSpPr>
+        <p:spPr>
+          <a:xfrm>
+            <a:off x="7313303" y="6222019"/>
+            <a:ext cx="815736" cy="369332"/>
+          </a:xfrm>
+          <a:prstGeom prst="rect">
+            <a:avLst/>
+          </a:prstGeom>
+          <a:noFill/>
+        </p:spPr>
+        <p:txBody>
+          <a:bodyPr wrap="none" rtlCol="0">
+            <a:spAutoFit/>
+          </a:bodyPr>
+          <a:lstStyle/>
+          <a:p>
+            <a:r>
+              <a:rPr lang="en-US" dirty="0" smtClean="0"/>
+              <a:t>Subset</a:t>
             </a:r>
             <a:endParaRPr lang="en-US" dirty="0"/>
           </a:p>
@@ -3988,7 +5318,7 @@
     </p:spTree>
     <p:extLst>
       <p:ext uri="{BB962C8B-B14F-4D97-AF65-F5344CB8AC3E}">
-        <p14:creationId xmlns:p14="http://schemas.microsoft.com/office/powerpoint/2010/main" val="2252903313"/>
+        <p14:creationId xmlns:p14="http://schemas.microsoft.com/office/powerpoint/2010/main" val="2386857234"/>
       </p:ext>
     </p:extLst>
   </p:cSld>
@@ -4055,7 +5385,7 @@
           <a:p>
             <a:r>
               <a:rPr lang="en-US" dirty="0" smtClean="0"/>
-              <a:t>Efficacy of message sizes</a:t>
+              <a:t>Random pairing between sources and destinations.</a:t>
             </a:r>
             <a:endParaRPr lang="en-US" dirty="0"/>
           </a:p>
@@ -4064,7 +5394,7 @@
     </p:spTree>
     <p:extLst>
       <p:ext uri="{BB962C8B-B14F-4D97-AF65-F5344CB8AC3E}">
-        <p14:creationId xmlns:p14="http://schemas.microsoft.com/office/powerpoint/2010/main" val="3011869994"/>
+        <p14:creationId xmlns:p14="http://schemas.microsoft.com/office/powerpoint/2010/main" val="2252903313"/>
       </p:ext>
     </p:extLst>
   </p:cSld>
@@ -4392,4 +5722,324 @@
   </a:objectDefaults>
   <a:extraClrSchemeLst/>
 </a:theme>
+</file>
+
+<file path=ppt/theme/theme2.xml><?xml version="1.0" encoding="utf-8"?>
+<a:theme xmlns:a="http://schemas.openxmlformats.org/drawingml/2006/main" name="Office Theme">
+  <a:themeElements>
+    <a:clrScheme name="Office">
+      <a:dk1>
+        <a:sysClr val="windowText" lastClr="000000"/>
+      </a:dk1>
+      <a:lt1>
+        <a:sysClr val="window" lastClr="FFFFFF"/>
+      </a:lt1>
+      <a:dk2>
+        <a:srgbClr val="1F497D"/>
+      </a:dk2>
+      <a:lt2>
+        <a:srgbClr val="EEECE1"/>
+      </a:lt2>
+      <a:accent1>
+        <a:srgbClr val="4F81BD"/>
+      </a:accent1>
+      <a:accent2>
+        <a:srgbClr val="C0504D"/>
+      </a:accent2>
+      <a:accent3>
+        <a:srgbClr val="9BBB59"/>
+      </a:accent3>
+      <a:accent4>
+        <a:srgbClr val="8064A2"/>
+      </a:accent4>
+      <a:accent5>
+        <a:srgbClr val="4BACC6"/>
+      </a:accent5>
+      <a:accent6>
+        <a:srgbClr val="F79646"/>
+      </a:accent6>
+      <a:hlink>
+        <a:srgbClr val="0000FF"/>
+      </a:hlink>
+      <a:folHlink>
+        <a:srgbClr val="800080"/>
+      </a:folHlink>
+    </a:clrScheme>
+    <a:fontScheme name="Office">
+      <a:majorFont>
+        <a:latin typeface="Calibri"/>
+        <a:ea typeface=""/>
+        <a:cs typeface=""/>
+        <a:font script="Jpan" typeface="ＭＳ Ｐゴシック"/>
+        <a:font script="Hang" typeface="맑은 고딕"/>
+        <a:font script="Hans" typeface="宋体"/>
+        <a:font script="Hant" typeface="新細明體"/>
+        <a:font script="Arab" typeface="Times New Roman"/>
+        <a:font script="Hebr" typeface="Times New Roman"/>
+        <a:font script="Thai" typeface="Angsana New"/>
+        <a:font script="Ethi" typeface="Nyala"/>
+        <a:font script="Beng" typeface="Vrinda"/>
+        <a:font script="Gujr" typeface="Shruti"/>
+        <a:font script="Khmr" typeface="MoolBoran"/>
+        <a:font script="Knda" typeface="Tunga"/>
+        <a:font script="Guru" typeface="Raavi"/>
+        <a:font script="Cans" typeface="Euphemia"/>
+        <a:font script="Cher" typeface="Plantagenet Cherokee"/>
+        <a:font script="Yiii" typeface="Microsoft Yi Baiti"/>
+        <a:font script="Tibt" typeface="Microsoft Himalaya"/>
+        <a:font script="Thaa" typeface="MV Boli"/>
+        <a:font script="Deva" typeface="Mangal"/>
+        <a:font script="Telu" typeface="Gautami"/>
+        <a:font script="Taml" typeface="Latha"/>
+        <a:font script="Syrc" typeface="Estrangelo Edessa"/>
+        <a:font script="Orya" typeface="Kalinga"/>
+        <a:font script="Mlym" typeface="Kartika"/>
+        <a:font script="Laoo" typeface="DokChampa"/>
+        <a:font script="Sinh" typeface="Iskoola Pota"/>
+        <a:font script="Mong" typeface="Mongolian Baiti"/>
+        <a:font script="Viet" typeface="Times New Roman"/>
+        <a:font script="Uigh" typeface="Microsoft Uighur"/>
+        <a:font script="Geor" typeface="Sylfaen"/>
+      </a:majorFont>
+      <a:minorFont>
+        <a:latin typeface="Calibri"/>
+        <a:ea typeface=""/>
+        <a:cs typeface=""/>
+        <a:font script="Jpan" typeface="ＭＳ Ｐゴシック"/>
+        <a:font script="Hang" typeface="맑은 고딕"/>
+        <a:font script="Hans" typeface="宋体"/>
+        <a:font script="Hant" typeface="新細明體"/>
+        <a:font script="Arab" typeface="Arial"/>
+        <a:font script="Hebr" typeface="Arial"/>
+        <a:font script="Thai" typeface="Cordia New"/>
+        <a:font script="Ethi" typeface="Nyala"/>
+        <a:font script="Beng" typeface="Vrinda"/>
+        <a:font script="Gujr" typeface="Shruti"/>
+        <a:font script="Khmr" typeface="DaunPenh"/>
+        <a:font script="Knda" typeface="Tunga"/>
+        <a:font script="Guru" typeface="Raavi"/>
+        <a:font script="Cans" typeface="Euphemia"/>
+        <a:font script="Cher" typeface="Plantagenet Cherokee"/>
+        <a:font script="Yiii" typeface="Microsoft Yi Baiti"/>
+        <a:font script="Tibt" typeface="Microsoft Himalaya"/>
+        <a:font script="Thaa" typeface="MV Boli"/>
+        <a:font script="Deva" typeface="Mangal"/>
+        <a:font script="Telu" typeface="Gautami"/>
+        <a:font script="Taml" typeface="Latha"/>
+        <a:font script="Syrc" typeface="Estrangelo Edessa"/>
+        <a:font script="Orya" typeface="Kalinga"/>
+        <a:font script="Mlym" typeface="Kartika"/>
+        <a:font script="Laoo" typeface="DokChampa"/>
+        <a:font script="Sinh" typeface="Iskoola Pota"/>
+        <a:font script="Mong" typeface="Mongolian Baiti"/>
+        <a:font script="Viet" typeface="Arial"/>
+        <a:font script="Uigh" typeface="Microsoft Uighur"/>
+        <a:font script="Geor" typeface="Sylfaen"/>
+      </a:minorFont>
+    </a:fontScheme>
+    <a:fmtScheme name="Office">
+      <a:fillStyleLst>
+        <a:solidFill>
+          <a:schemeClr val="phClr"/>
+        </a:solidFill>
+        <a:gradFill rotWithShape="1">
+          <a:gsLst>
+            <a:gs pos="0">
+              <a:schemeClr val="phClr">
+                <a:tint val="50000"/>
+                <a:satMod val="300000"/>
+              </a:schemeClr>
+            </a:gs>
+            <a:gs pos="35000">
+              <a:schemeClr val="phClr">
+                <a:tint val="37000"/>
+                <a:satMod val="300000"/>
+              </a:schemeClr>
+            </a:gs>
+            <a:gs pos="100000">
+              <a:schemeClr val="phClr">
+                <a:tint val="15000"/>
+                <a:satMod val="350000"/>
+              </a:schemeClr>
+            </a:gs>
+          </a:gsLst>
+          <a:lin ang="16200000" scaled="1"/>
+        </a:gradFill>
+        <a:gradFill rotWithShape="1">
+          <a:gsLst>
+            <a:gs pos="0">
+              <a:schemeClr val="phClr">
+                <a:tint val="100000"/>
+                <a:shade val="100000"/>
+                <a:satMod val="130000"/>
+              </a:schemeClr>
+            </a:gs>
+            <a:gs pos="100000">
+              <a:schemeClr val="phClr">
+                <a:tint val="50000"/>
+                <a:shade val="100000"/>
+                <a:satMod val="350000"/>
+              </a:schemeClr>
+            </a:gs>
+          </a:gsLst>
+          <a:lin ang="16200000" scaled="0"/>
+        </a:gradFill>
+      </a:fillStyleLst>
+      <a:lnStyleLst>
+        <a:ln w="9525" cap="flat" cmpd="sng" algn="ctr">
+          <a:solidFill>
+            <a:schemeClr val="phClr">
+              <a:shade val="95000"/>
+              <a:satMod val="105000"/>
+            </a:schemeClr>
+          </a:solidFill>
+          <a:prstDash val="solid"/>
+        </a:ln>
+        <a:ln w="25400" cap="flat" cmpd="sng" algn="ctr">
+          <a:solidFill>
+            <a:schemeClr val="phClr"/>
+          </a:solidFill>
+          <a:prstDash val="solid"/>
+        </a:ln>
+        <a:ln w="38100" cap="flat" cmpd="sng" algn="ctr">
+          <a:solidFill>
+            <a:schemeClr val="phClr"/>
+          </a:solidFill>
+          <a:prstDash val="solid"/>
+        </a:ln>
+      </a:lnStyleLst>
+      <a:effectStyleLst>
+        <a:effectStyle>
+          <a:effectLst>
+            <a:outerShdw blurRad="40000" dist="20000" dir="5400000" rotWithShape="0">
+              <a:srgbClr val="000000">
+                <a:alpha val="38000"/>
+              </a:srgbClr>
+            </a:outerShdw>
+          </a:effectLst>
+        </a:effectStyle>
+        <a:effectStyle>
+          <a:effectLst>
+            <a:outerShdw blurRad="40000" dist="23000" dir="5400000" rotWithShape="0">
+              <a:srgbClr val="000000">
+                <a:alpha val="35000"/>
+              </a:srgbClr>
+            </a:outerShdw>
+          </a:effectLst>
+        </a:effectStyle>
+        <a:effectStyle>
+          <a:effectLst>
+            <a:outerShdw blurRad="40000" dist="23000" dir="5400000" rotWithShape="0">
+              <a:srgbClr val="000000">
+                <a:alpha val="35000"/>
+              </a:srgbClr>
+            </a:outerShdw>
+          </a:effectLst>
+          <a:scene3d>
+            <a:camera prst="orthographicFront">
+              <a:rot lat="0" lon="0" rev="0"/>
+            </a:camera>
+            <a:lightRig rig="threePt" dir="t">
+              <a:rot lat="0" lon="0" rev="1200000"/>
+            </a:lightRig>
+          </a:scene3d>
+          <a:sp3d>
+            <a:bevelT w="63500" h="25400"/>
+          </a:sp3d>
+        </a:effectStyle>
+      </a:effectStyleLst>
+      <a:bgFillStyleLst>
+        <a:solidFill>
+          <a:schemeClr val="phClr"/>
+        </a:solidFill>
+        <a:gradFill rotWithShape="1">
+          <a:gsLst>
+            <a:gs pos="0">
+              <a:schemeClr val="phClr">
+                <a:tint val="40000"/>
+                <a:satMod val="350000"/>
+              </a:schemeClr>
+            </a:gs>
+            <a:gs pos="40000">
+              <a:schemeClr val="phClr">
+                <a:tint val="45000"/>
+                <a:shade val="99000"/>
+                <a:satMod val="350000"/>
+              </a:schemeClr>
+            </a:gs>
+            <a:gs pos="100000">
+              <a:schemeClr val="phClr">
+                <a:shade val="20000"/>
+                <a:satMod val="255000"/>
+              </a:schemeClr>
+            </a:gs>
+          </a:gsLst>
+          <a:path path="circle">
+            <a:fillToRect l="50000" t="-80000" r="50000" b="180000"/>
+          </a:path>
+        </a:gradFill>
+        <a:gradFill rotWithShape="1">
+          <a:gsLst>
+            <a:gs pos="0">
+              <a:schemeClr val="phClr">
+                <a:tint val="80000"/>
+                <a:satMod val="300000"/>
+              </a:schemeClr>
+            </a:gs>
+            <a:gs pos="100000">
+              <a:schemeClr val="phClr">
+                <a:shade val="30000"/>
+                <a:satMod val="200000"/>
+              </a:schemeClr>
+            </a:gs>
+          </a:gsLst>
+          <a:path path="circle">
+            <a:fillToRect l="50000" t="50000" r="50000" b="50000"/>
+          </a:path>
+        </a:gradFill>
+      </a:bgFillStyleLst>
+    </a:fmtScheme>
+  </a:themeElements>
+  <a:objectDefaults>
+    <a:spDef>
+      <a:spPr/>
+      <a:bodyPr/>
+      <a:lstStyle/>
+      <a:style>
+        <a:lnRef idx="1">
+          <a:schemeClr val="accent1"/>
+        </a:lnRef>
+        <a:fillRef idx="3">
+          <a:schemeClr val="accent1"/>
+        </a:fillRef>
+        <a:effectRef idx="2">
+          <a:schemeClr val="accent1"/>
+        </a:effectRef>
+        <a:fontRef idx="minor">
+          <a:schemeClr val="lt1"/>
+        </a:fontRef>
+      </a:style>
+    </a:spDef>
+    <a:lnDef>
+      <a:spPr/>
+      <a:bodyPr/>
+      <a:lstStyle/>
+      <a:style>
+        <a:lnRef idx="2">
+          <a:schemeClr val="accent1"/>
+        </a:lnRef>
+        <a:fillRef idx="0">
+          <a:schemeClr val="accent1"/>
+        </a:fillRef>
+        <a:effectRef idx="1">
+          <a:schemeClr val="accent1"/>
+        </a:effectRef>
+        <a:fontRef idx="minor">
+          <a:schemeClr val="tx1"/>
+        </a:fontRef>
+      </a:style>
+    </a:lnDef>
+  </a:objectDefaults>
+  <a:extraClrSchemeLst/>
+</a:theme>
 </file>
--- a/docs/Meeting_June_19.pptx
+++ b/docs/Meeting_June_19.pptx
@@ -5,23 +5,25 @@
     <p:sldMasterId id="2147483648" r:id="rId1"/>
   </p:sldMasterIdLst>
   <p:notesMasterIdLst>
-    <p:notesMasterId r:id="rId16"/>
+    <p:notesMasterId r:id="rId18"/>
   </p:notesMasterIdLst>
   <p:sldIdLst>
     <p:sldId id="256" r:id="rId2"/>
     <p:sldId id="257" r:id="rId3"/>
     <p:sldId id="258" r:id="rId4"/>
     <p:sldId id="269" r:id="rId5"/>
-    <p:sldId id="264" r:id="rId6"/>
-    <p:sldId id="265" r:id="rId7"/>
-    <p:sldId id="260" r:id="rId8"/>
-    <p:sldId id="262" r:id="rId9"/>
-    <p:sldId id="267" r:id="rId10"/>
-    <p:sldId id="268" r:id="rId11"/>
-    <p:sldId id="261" r:id="rId12"/>
-    <p:sldId id="263" r:id="rId13"/>
-    <p:sldId id="259" r:id="rId14"/>
-    <p:sldId id="266" r:id="rId15"/>
+    <p:sldId id="270" r:id="rId6"/>
+    <p:sldId id="264" r:id="rId7"/>
+    <p:sldId id="271" r:id="rId8"/>
+    <p:sldId id="265" r:id="rId9"/>
+    <p:sldId id="260" r:id="rId10"/>
+    <p:sldId id="262" r:id="rId11"/>
+    <p:sldId id="267" r:id="rId12"/>
+    <p:sldId id="268" r:id="rId13"/>
+    <p:sldId id="261" r:id="rId14"/>
+    <p:sldId id="263" r:id="rId15"/>
+    <p:sldId id="259" r:id="rId16"/>
+    <p:sldId id="266" r:id="rId17"/>
   </p:sldIdLst>
   <p:sldSz cx="9144000" cy="6858000" type="screen4x3"/>
   <p:notesSz cx="6858000" cy="9144000"/>
@@ -538,7 +540,7 @@
           <a:p>
             <a:fld id="{E9D93DAA-1CD3-0747-9B41-F4764BE9B773}" type="slidenum">
               <a:rPr lang="en-US" smtClean="0"/>
-              <a:t>8</a:t>
+              <a:t>10</a:t>
             </a:fld>
             <a:endParaRPr lang="en-US"/>
           </a:p>
@@ -3657,6 +3659,411 @@
           <a:p>
             <a:r>
               <a:rPr lang="en-US" dirty="0" smtClean="0"/>
+              <a:t>Varying sources-destinations distance</a:t>
+            </a:r>
+          </a:p>
+          <a:p>
+            <a:pPr lvl="1"/>
+            <a:r>
+              <a:rPr lang="en-US" dirty="0" smtClean="0"/>
+              <a:t>2048 nodes totals, 256 sources.</a:t>
+            </a:r>
+          </a:p>
+          <a:p>
+            <a:pPr lvl="1"/>
+            <a:r>
+              <a:rPr lang="en-US" dirty="0" smtClean="0"/>
+              <a:t>1 Ranks/node, 8 MB/pair.</a:t>
+            </a:r>
+          </a:p>
+        </p:txBody>
+      </p:sp>
+      <p:pic>
+        <p:nvPicPr>
+          <p:cNvPr id="4" name="Picture 3" descr="incrdist_disjoint.pdf"/>
+          <p:cNvPicPr>
+            <a:picLocks noChangeAspect="1"/>
+          </p:cNvPicPr>
+          <p:nvPr/>
+        </p:nvPicPr>
+        <p:blipFill>
+          <a:blip r:embed="rId3">
+            <a:extLst>
+              <a:ext uri="{28A0092B-C50C-407E-A947-70E740481C1C}">
+                <a14:useLocalDpi xmlns:a14="http://schemas.microsoft.com/office/drawing/2010/main" val="0"/>
+              </a:ext>
+            </a:extLst>
+          </a:blip>
+          <a:stretch>
+            <a:fillRect/>
+          </a:stretch>
+        </p:blipFill>
+        <p:spPr>
+          <a:xfrm>
+            <a:off x="0" y="3633978"/>
+            <a:ext cx="3225181" cy="2492185"/>
+          </a:xfrm>
+          <a:prstGeom prst="rect">
+            <a:avLst/>
+          </a:prstGeom>
+        </p:spPr>
+      </p:pic>
+      <p:pic>
+        <p:nvPicPr>
+          <p:cNvPr id="5" name="Picture 4" descr="incrdist_overlap.pdf"/>
+          <p:cNvPicPr>
+            <a:picLocks noChangeAspect="1"/>
+          </p:cNvPicPr>
+          <p:nvPr/>
+        </p:nvPicPr>
+        <p:blipFill>
+          <a:blip r:embed="rId4">
+            <a:extLst>
+              <a:ext uri="{28A0092B-C50C-407E-A947-70E740481C1C}">
+                <a14:useLocalDpi xmlns:a14="http://schemas.microsoft.com/office/drawing/2010/main" val="0"/>
+              </a:ext>
+            </a:extLst>
+          </a:blip>
+          <a:stretch>
+            <a:fillRect/>
+          </a:stretch>
+        </p:blipFill>
+        <p:spPr>
+          <a:xfrm>
+            <a:off x="3093397" y="3633978"/>
+            <a:ext cx="3225180" cy="2492185"/>
+          </a:xfrm>
+          <a:prstGeom prst="rect">
+            <a:avLst/>
+          </a:prstGeom>
+        </p:spPr>
+      </p:pic>
+      <p:pic>
+        <p:nvPicPr>
+          <p:cNvPr id="6" name="Picture 5" descr="incrdist_subset.pdf"/>
+          <p:cNvPicPr>
+            <a:picLocks noChangeAspect="1"/>
+          </p:cNvPicPr>
+          <p:nvPr/>
+        </p:nvPicPr>
+        <p:blipFill>
+          <a:blip r:embed="rId5">
+            <a:extLst>
+              <a:ext uri="{28A0092B-C50C-407E-A947-70E740481C1C}">
+                <a14:useLocalDpi xmlns:a14="http://schemas.microsoft.com/office/drawing/2010/main" val="0"/>
+              </a:ext>
+            </a:extLst>
+          </a:blip>
+          <a:stretch>
+            <a:fillRect/>
+          </a:stretch>
+        </p:blipFill>
+        <p:spPr>
+          <a:xfrm>
+            <a:off x="6135154" y="3633978"/>
+            <a:ext cx="3225181" cy="2492185"/>
+          </a:xfrm>
+          <a:prstGeom prst="rect">
+            <a:avLst/>
+          </a:prstGeom>
+        </p:spPr>
+      </p:pic>
+      <p:sp>
+        <p:nvSpPr>
+          <p:cNvPr id="7" name="TextBox 6"/>
+          <p:cNvSpPr txBox="1"/>
+          <p:nvPr/>
+        </p:nvSpPr>
+        <p:spPr>
+          <a:xfrm>
+            <a:off x="1054271" y="6222019"/>
+            <a:ext cx="902811" cy="369332"/>
+          </a:xfrm>
+          <a:prstGeom prst="rect">
+            <a:avLst/>
+          </a:prstGeom>
+          <a:noFill/>
+        </p:spPr>
+        <p:txBody>
+          <a:bodyPr wrap="none" rtlCol="0">
+            <a:spAutoFit/>
+          </a:bodyPr>
+          <a:lstStyle/>
+          <a:p>
+            <a:r>
+              <a:rPr lang="en-US" dirty="0" smtClean="0"/>
+              <a:t>Disjoint</a:t>
+            </a:r>
+            <a:endParaRPr lang="en-US" dirty="0"/>
+          </a:p>
+        </p:txBody>
+      </p:sp>
+      <p:sp>
+        <p:nvSpPr>
+          <p:cNvPr id="8" name="TextBox 7"/>
+          <p:cNvSpPr txBox="1"/>
+          <p:nvPr/>
+        </p:nvSpPr>
+        <p:spPr>
+          <a:xfrm>
+            <a:off x="4309581" y="6222019"/>
+            <a:ext cx="921910" cy="369332"/>
+          </a:xfrm>
+          <a:prstGeom prst="rect">
+            <a:avLst/>
+          </a:prstGeom>
+          <a:noFill/>
+        </p:spPr>
+        <p:txBody>
+          <a:bodyPr wrap="none" rtlCol="0">
+            <a:spAutoFit/>
+          </a:bodyPr>
+          <a:lstStyle/>
+          <a:p>
+            <a:r>
+              <a:rPr lang="en-US" dirty="0" smtClean="0"/>
+              <a:t>Overlap</a:t>
+            </a:r>
+            <a:endParaRPr lang="en-US" dirty="0"/>
+          </a:p>
+        </p:txBody>
+      </p:sp>
+      <p:sp>
+        <p:nvSpPr>
+          <p:cNvPr id="10" name="TextBox 9"/>
+          <p:cNvSpPr txBox="1"/>
+          <p:nvPr/>
+        </p:nvSpPr>
+        <p:spPr>
+          <a:xfrm>
+            <a:off x="7313303" y="6222019"/>
+            <a:ext cx="815736" cy="369332"/>
+          </a:xfrm>
+          <a:prstGeom prst="rect">
+            <a:avLst/>
+          </a:prstGeom>
+          <a:noFill/>
+        </p:spPr>
+        <p:txBody>
+          <a:bodyPr wrap="none" rtlCol="0">
+            <a:spAutoFit/>
+          </a:bodyPr>
+          <a:lstStyle/>
+          <a:p>
+            <a:r>
+              <a:rPr lang="en-US" dirty="0" smtClean="0"/>
+              <a:t>Subset</a:t>
+            </a:r>
+            <a:endParaRPr lang="en-US" dirty="0"/>
+          </a:p>
+        </p:txBody>
+      </p:sp>
+    </p:spTree>
+    <p:extLst>
+      <p:ext uri="{BB962C8B-B14F-4D97-AF65-F5344CB8AC3E}">
+        <p14:creationId xmlns:p14="http://schemas.microsoft.com/office/powerpoint/2010/main" val="2386857234"/>
+      </p:ext>
+    </p:extLst>
+  </p:cSld>
+  <p:clrMapOvr>
+    <a:masterClrMapping/>
+  </p:clrMapOvr>
+</p:sld>
+</file>
+
+<file path=ppt/slides/slide11.xml><?xml version="1.0" encoding="utf-8"?>
+<p:sld xmlns:a="http://schemas.openxmlformats.org/drawingml/2006/main" xmlns:r="http://schemas.openxmlformats.org/officeDocument/2006/relationships" xmlns:p="http://schemas.openxmlformats.org/presentationml/2006/main">
+  <p:cSld>
+    <p:spTree>
+      <p:nvGrpSpPr>
+        <p:cNvPr id="1" name=""/>
+        <p:cNvGrpSpPr/>
+        <p:nvPr/>
+      </p:nvGrpSpPr>
+      <p:grpSpPr>
+        <a:xfrm>
+          <a:off x="0" y="0"/>
+          <a:ext cx="0" cy="0"/>
+          <a:chOff x="0" y="0"/>
+          <a:chExt cx="0" cy="0"/>
+        </a:xfrm>
+      </p:grpSpPr>
+      <p:sp>
+        <p:nvSpPr>
+          <p:cNvPr id="2" name="Title 1"/>
+          <p:cNvSpPr>
+            <a:spLocks noGrp="1"/>
+          </p:cNvSpPr>
+          <p:nvPr>
+            <p:ph type="title"/>
+          </p:nvPr>
+        </p:nvSpPr>
+        <p:spPr/>
+        <p:txBody>
+          <a:bodyPr/>
+          <a:lstStyle/>
+          <a:p>
+            <a:r>
+              <a:rPr lang="en-US" dirty="0" smtClean="0"/>
+              <a:t>Results</a:t>
+            </a:r>
+            <a:endParaRPr lang="en-US" dirty="0"/>
+          </a:p>
+        </p:txBody>
+      </p:sp>
+      <p:sp>
+        <p:nvSpPr>
+          <p:cNvPr id="3" name="Content Placeholder 2"/>
+          <p:cNvSpPr>
+            <a:spLocks noGrp="1"/>
+          </p:cNvSpPr>
+          <p:nvPr>
+            <p:ph idx="1"/>
+          </p:nvPr>
+        </p:nvSpPr>
+        <p:spPr/>
+        <p:txBody>
+          <a:bodyPr/>
+          <a:lstStyle/>
+          <a:p>
+            <a:r>
+              <a:rPr lang="en-US" dirty="0" smtClean="0"/>
+              <a:t>Random pairing between sources and destinations.</a:t>
+            </a:r>
+            <a:endParaRPr lang="en-US" dirty="0"/>
+          </a:p>
+        </p:txBody>
+      </p:sp>
+      <p:pic>
+        <p:nvPicPr>
+          <p:cNvPr id="4" name="Picture 3" descr="Screen Shot 2015-06-19 at 8.50.25 AM.png"/>
+          <p:cNvPicPr>
+            <a:picLocks noChangeAspect="1"/>
+          </p:cNvPicPr>
+          <p:nvPr/>
+        </p:nvPicPr>
+        <p:blipFill>
+          <a:blip r:embed="rId2">
+            <a:extLst>
+              <a:ext uri="{28A0092B-C50C-407E-A947-70E740481C1C}">
+                <a14:useLocalDpi xmlns:a14="http://schemas.microsoft.com/office/drawing/2010/main" val="0"/>
+              </a:ext>
+            </a:extLst>
+          </a:blip>
+          <a:stretch>
+            <a:fillRect/>
+          </a:stretch>
+        </p:blipFill>
+        <p:spPr>
+          <a:xfrm>
+            <a:off x="486328" y="2956019"/>
+            <a:ext cx="7851994" cy="1577182"/>
+          </a:xfrm>
+          <a:prstGeom prst="rect">
+            <a:avLst/>
+          </a:prstGeom>
+        </p:spPr>
+      </p:pic>
+      <p:pic>
+        <p:nvPicPr>
+          <p:cNvPr id="5" name="Picture 4" descr="Screen Shot 2015-06-19 at 8.50.34 AM.png"/>
+          <p:cNvPicPr>
+            <a:picLocks noChangeAspect="1"/>
+          </p:cNvPicPr>
+          <p:nvPr/>
+        </p:nvPicPr>
+        <p:blipFill>
+          <a:blip r:embed="rId3">
+            <a:extLst>
+              <a:ext uri="{28A0092B-C50C-407E-A947-70E740481C1C}">
+                <a14:useLocalDpi xmlns:a14="http://schemas.microsoft.com/office/drawing/2010/main" val="0"/>
+              </a:ext>
+            </a:extLst>
+          </a:blip>
+          <a:stretch>
+            <a:fillRect/>
+          </a:stretch>
+        </p:blipFill>
+        <p:spPr>
+          <a:xfrm>
+            <a:off x="1754912" y="4415689"/>
+            <a:ext cx="6607370" cy="1566696"/>
+          </a:xfrm>
+          <a:prstGeom prst="rect">
+            <a:avLst/>
+          </a:prstGeom>
+        </p:spPr>
+      </p:pic>
+    </p:spTree>
+    <p:extLst>
+      <p:ext uri="{BB962C8B-B14F-4D97-AF65-F5344CB8AC3E}">
+        <p14:creationId xmlns:p14="http://schemas.microsoft.com/office/powerpoint/2010/main" val="2252903313"/>
+      </p:ext>
+    </p:extLst>
+  </p:cSld>
+  <p:clrMapOvr>
+    <a:masterClrMapping/>
+  </p:clrMapOvr>
+</p:sld>
+</file>
+
+<file path=ppt/slides/slide12.xml><?xml version="1.0" encoding="utf-8"?>
+<p:sld xmlns:a="http://schemas.openxmlformats.org/drawingml/2006/main" xmlns:r="http://schemas.openxmlformats.org/officeDocument/2006/relationships" xmlns:p="http://schemas.openxmlformats.org/presentationml/2006/main">
+  <p:cSld>
+    <p:spTree>
+      <p:nvGrpSpPr>
+        <p:cNvPr id="1" name=""/>
+        <p:cNvGrpSpPr/>
+        <p:nvPr/>
+      </p:nvGrpSpPr>
+      <p:grpSpPr>
+        <a:xfrm>
+          <a:off x="0" y="0"/>
+          <a:ext cx="0" cy="0"/>
+          <a:chOff x="0" y="0"/>
+          <a:chExt cx="0" cy="0"/>
+        </a:xfrm>
+      </p:grpSpPr>
+      <p:sp>
+        <p:nvSpPr>
+          <p:cNvPr id="2" name="Title 1"/>
+          <p:cNvSpPr>
+            <a:spLocks noGrp="1"/>
+          </p:cNvSpPr>
+          <p:nvPr>
+            <p:ph type="title"/>
+          </p:nvPr>
+        </p:nvSpPr>
+        <p:spPr/>
+        <p:txBody>
+          <a:bodyPr/>
+          <a:lstStyle/>
+          <a:p>
+            <a:r>
+              <a:rPr lang="en-US" dirty="0" smtClean="0"/>
+              <a:t>Results</a:t>
+            </a:r>
+            <a:endParaRPr lang="en-US" dirty="0"/>
+          </a:p>
+        </p:txBody>
+      </p:sp>
+      <p:sp>
+        <p:nvSpPr>
+          <p:cNvPr id="3" name="Content Placeholder 2"/>
+          <p:cNvSpPr>
+            <a:spLocks noGrp="1"/>
+          </p:cNvSpPr>
+          <p:nvPr>
+            <p:ph idx="1"/>
+          </p:nvPr>
+        </p:nvSpPr>
+        <p:spPr/>
+        <p:txBody>
+          <a:bodyPr/>
+          <a:lstStyle/>
+          <a:p>
+            <a:r>
+              <a:rPr lang="en-US" dirty="0" smtClean="0"/>
               <a:t>Efficacy of message sizes</a:t>
             </a:r>
             <a:endParaRPr lang="en-US" dirty="0"/>
@@ -3706,166 +4113,6 @@
 </p:sld>
 </file>
 
-<file path=ppt/slides/slide11.xml><?xml version="1.0" encoding="utf-8"?>
-<p:sld xmlns:a="http://schemas.openxmlformats.org/drawingml/2006/main" xmlns:r="http://schemas.openxmlformats.org/officeDocument/2006/relationships" xmlns:p="http://schemas.openxmlformats.org/presentationml/2006/main">
-  <p:cSld>
-    <p:spTree>
-      <p:nvGrpSpPr>
-        <p:cNvPr id="1" name=""/>
-        <p:cNvGrpSpPr/>
-        <p:nvPr/>
-      </p:nvGrpSpPr>
-      <p:grpSpPr>
-        <a:xfrm>
-          <a:off x="0" y="0"/>
-          <a:ext cx="0" cy="0"/>
-          <a:chOff x="0" y="0"/>
-          <a:chExt cx="0" cy="0"/>
-        </a:xfrm>
-      </p:grpSpPr>
-      <p:sp>
-        <p:nvSpPr>
-          <p:cNvPr id="2" name="Title 1"/>
-          <p:cNvSpPr>
-            <a:spLocks noGrp="1"/>
-          </p:cNvSpPr>
-          <p:nvPr>
-            <p:ph type="title"/>
-          </p:nvPr>
-        </p:nvSpPr>
-        <p:spPr/>
-        <p:txBody>
-          <a:bodyPr/>
-          <a:lstStyle/>
-          <a:p>
-            <a:r>
-              <a:rPr lang="en-US" dirty="0" smtClean="0"/>
-              <a:t>Results</a:t>
-            </a:r>
-            <a:endParaRPr lang="en-US" dirty="0"/>
-          </a:p>
-        </p:txBody>
-      </p:sp>
-      <p:sp>
-        <p:nvSpPr>
-          <p:cNvPr id="3" name="Content Placeholder 2"/>
-          <p:cNvSpPr>
-            <a:spLocks noGrp="1"/>
-          </p:cNvSpPr>
-          <p:nvPr>
-            <p:ph idx="1"/>
-          </p:nvPr>
-        </p:nvSpPr>
-        <p:spPr/>
-        <p:txBody>
-          <a:bodyPr/>
-          <a:lstStyle/>
-          <a:p>
-            <a:r>
-              <a:rPr lang="en-US" dirty="0" smtClean="0"/>
-              <a:t>Efficacy of number of paths fed into solvers</a:t>
-            </a:r>
-            <a:endParaRPr lang="en-US" dirty="0"/>
-          </a:p>
-        </p:txBody>
-      </p:sp>
-    </p:spTree>
-    <p:extLst>
-      <p:ext uri="{BB962C8B-B14F-4D97-AF65-F5344CB8AC3E}">
-        <p14:creationId xmlns:p14="http://schemas.microsoft.com/office/powerpoint/2010/main" val="2386857234"/>
-      </p:ext>
-    </p:extLst>
-  </p:cSld>
-  <p:clrMapOvr>
-    <a:masterClrMapping/>
-  </p:clrMapOvr>
-</p:sld>
-</file>
-
-<file path=ppt/slides/slide12.xml><?xml version="1.0" encoding="utf-8"?>
-<p:sld xmlns:a="http://schemas.openxmlformats.org/drawingml/2006/main" xmlns:r="http://schemas.openxmlformats.org/officeDocument/2006/relationships" xmlns:p="http://schemas.openxmlformats.org/presentationml/2006/main">
-  <p:cSld>
-    <p:spTree>
-      <p:nvGrpSpPr>
-        <p:cNvPr id="1" name=""/>
-        <p:cNvGrpSpPr/>
-        <p:nvPr/>
-      </p:nvGrpSpPr>
-      <p:grpSpPr>
-        <a:xfrm>
-          <a:off x="0" y="0"/>
-          <a:ext cx="0" cy="0"/>
-          <a:chOff x="0" y="0"/>
-          <a:chExt cx="0" cy="0"/>
-        </a:xfrm>
-      </p:grpSpPr>
-      <p:sp>
-        <p:nvSpPr>
-          <p:cNvPr id="2" name="Title 1"/>
-          <p:cNvSpPr>
-            <a:spLocks noGrp="1"/>
-          </p:cNvSpPr>
-          <p:nvPr>
-            <p:ph type="title"/>
-          </p:nvPr>
-        </p:nvSpPr>
-        <p:spPr/>
-        <p:txBody>
-          <a:bodyPr/>
-          <a:lstStyle/>
-          <a:p>
-            <a:r>
-              <a:rPr lang="en-US" dirty="0" smtClean="0"/>
-              <a:t>Results</a:t>
-            </a:r>
-            <a:endParaRPr lang="en-US" dirty="0"/>
-          </a:p>
-        </p:txBody>
-      </p:sp>
-      <p:sp>
-        <p:nvSpPr>
-          <p:cNvPr id="3" name="Content Placeholder 2"/>
-          <p:cNvSpPr>
-            <a:spLocks noGrp="1"/>
-          </p:cNvSpPr>
-          <p:nvPr>
-            <p:ph idx="1"/>
-          </p:nvPr>
-        </p:nvSpPr>
-        <p:spPr/>
-        <p:txBody>
-          <a:bodyPr/>
-          <a:lstStyle/>
-          <a:p>
-            <a:r>
-              <a:rPr lang="en-US" dirty="0" smtClean="0"/>
-              <a:t>Efficacy of </a:t>
-            </a:r>
-            <a:r>
-              <a:rPr lang="en-US" dirty="0" err="1" smtClean="0"/>
-              <a:t>maxload</a:t>
-            </a:r>
-            <a:r>
-              <a:rPr lang="en-US" dirty="0" smtClean="0"/>
-              <a:t> value</a:t>
-            </a:r>
-            <a:endParaRPr lang="en-US" dirty="0"/>
-          </a:p>
-        </p:txBody>
-      </p:sp>
-    </p:spTree>
-    <p:extLst>
-      <p:ext uri="{BB962C8B-B14F-4D97-AF65-F5344CB8AC3E}">
-        <p14:creationId xmlns:p14="http://schemas.microsoft.com/office/powerpoint/2010/main" val="2386857234"/>
-      </p:ext>
-    </p:extLst>
-  </p:cSld>
-  <p:clrMapOvr>
-    <a:masterClrMapping/>
-  </p:clrMapOvr>
-</p:sld>
-</file>
-
 <file path=ppt/slides/slide13.xml><?xml version="1.0" encoding="utf-8"?>
 <p:sld xmlns:a="http://schemas.openxmlformats.org/drawingml/2006/main" xmlns:r="http://schemas.openxmlformats.org/officeDocument/2006/relationships" xmlns:p="http://schemas.openxmlformats.org/presentationml/2006/main">
   <p:cSld>
@@ -3923,7 +4170,7 @@
           <a:p>
             <a:r>
               <a:rPr lang="en-US" dirty="0" smtClean="0"/>
-              <a:t>Community Earth System Model (CESM)</a:t>
+              <a:t>Efficacy of number of paths fed into solvers</a:t>
             </a:r>
             <a:endParaRPr lang="en-US" dirty="0"/>
           </a:p>
@@ -3931,7 +4178,7 @@
       </p:sp>
       <p:pic>
         <p:nvPicPr>
-          <p:cNvPr id="4" name="Picture 3" descr="mct.pdf"/>
+          <p:cNvPr id="6" name="Picture 5" descr="Screen Shot 2015-06-19 at 8.40.08 AM.png"/>
           <p:cNvPicPr>
             <a:picLocks noChangeAspect="1"/>
           </p:cNvPicPr>
@@ -3951,8 +4198,38 @@
         </p:blipFill>
         <p:spPr>
           <a:xfrm>
-            <a:off x="457200" y="2395695"/>
-            <a:ext cx="3520275" cy="2489750"/>
+            <a:off x="1706674" y="2289615"/>
+            <a:ext cx="5092700" cy="1866900"/>
+          </a:xfrm>
+          <a:prstGeom prst="rect">
+            <a:avLst/>
+          </a:prstGeom>
+        </p:spPr>
+      </p:pic>
+      <p:pic>
+        <p:nvPicPr>
+          <p:cNvPr id="7" name="Picture 6" descr="Screen Shot 2015-06-19 at 8.39.56 AM.png"/>
+          <p:cNvPicPr>
+            <a:picLocks noChangeAspect="1"/>
+          </p:cNvPicPr>
+          <p:nvPr/>
+        </p:nvPicPr>
+        <p:blipFill>
+          <a:blip r:embed="rId3">
+            <a:extLst>
+              <a:ext uri="{28A0092B-C50C-407E-A947-70E740481C1C}">
+                <a14:useLocalDpi xmlns:a14="http://schemas.microsoft.com/office/drawing/2010/main" val="0"/>
+              </a:ext>
+            </a:extLst>
+          </a:blip>
+          <a:stretch>
+            <a:fillRect/>
+          </a:stretch>
+        </p:blipFill>
+        <p:spPr>
+          <a:xfrm>
+            <a:off x="191686" y="4252368"/>
+            <a:ext cx="8623300" cy="2489200"/>
           </a:xfrm>
           <a:prstGeom prst="rect">
             <a:avLst/>
@@ -3962,7 +4239,7 @@
     </p:spTree>
     <p:extLst>
       <p:ext uri="{BB962C8B-B14F-4D97-AF65-F5344CB8AC3E}">
-        <p14:creationId xmlns:p14="http://schemas.microsoft.com/office/powerpoint/2010/main" val="735700975"/>
+        <p14:creationId xmlns:p14="http://schemas.microsoft.com/office/powerpoint/2010/main" val="2386857234"/>
       </p:ext>
     </p:extLst>
   </p:cSld>
@@ -4029,12 +4306,322 @@
           <a:p>
             <a:r>
               <a:rPr lang="en-US" dirty="0" smtClean="0"/>
+              <a:t>Efficacy of </a:t>
+            </a:r>
+            <a:r>
+              <a:rPr lang="en-US" dirty="0" err="1" smtClean="0"/>
+              <a:t>maxload</a:t>
+            </a:r>
+            <a:r>
+              <a:rPr lang="en-US" dirty="0" smtClean="0"/>
+              <a:t> value</a:t>
+            </a:r>
+            <a:endParaRPr lang="en-US" dirty="0"/>
+          </a:p>
+        </p:txBody>
+      </p:sp>
+      <p:pic>
+        <p:nvPicPr>
+          <p:cNvPr id="5" name="Picture 4" descr="Screen Shot 2015-06-19 at 8.40.34 AM.png"/>
+          <p:cNvPicPr>
+            <a:picLocks noChangeAspect="1"/>
+          </p:cNvPicPr>
+          <p:nvPr/>
+        </p:nvPicPr>
+        <p:blipFill>
+          <a:blip r:embed="rId2">
+            <a:extLst>
+              <a:ext uri="{28A0092B-C50C-407E-A947-70E740481C1C}">
+                <a14:useLocalDpi xmlns:a14="http://schemas.microsoft.com/office/drawing/2010/main" val="0"/>
+              </a:ext>
+            </a:extLst>
+          </a:blip>
+          <a:stretch>
+            <a:fillRect/>
+          </a:stretch>
+        </p:blipFill>
+        <p:spPr>
+          <a:xfrm>
+            <a:off x="1503255" y="2218126"/>
+            <a:ext cx="6083300" cy="1879600"/>
+          </a:xfrm>
+          <a:prstGeom prst="rect">
+            <a:avLst/>
+          </a:prstGeom>
+        </p:spPr>
+      </p:pic>
+      <p:pic>
+        <p:nvPicPr>
+          <p:cNvPr id="6" name="Picture 5" descr="Screen Shot 2015-06-19 at 8.40.27 AM.png"/>
+          <p:cNvPicPr>
+            <a:picLocks noChangeAspect="1"/>
+          </p:cNvPicPr>
+          <p:nvPr/>
+        </p:nvPicPr>
+        <p:blipFill>
+          <a:blip r:embed="rId3">
+            <a:extLst>
+              <a:ext uri="{28A0092B-C50C-407E-A947-70E740481C1C}">
+                <a14:useLocalDpi xmlns:a14="http://schemas.microsoft.com/office/drawing/2010/main" val="0"/>
+              </a:ext>
+            </a:extLst>
+          </a:blip>
+          <a:stretch>
+            <a:fillRect/>
+          </a:stretch>
+        </p:blipFill>
+        <p:spPr>
+          <a:xfrm>
+            <a:off x="1041701" y="4325778"/>
+            <a:ext cx="6997700" cy="1892300"/>
+          </a:xfrm>
+          <a:prstGeom prst="rect">
+            <a:avLst/>
+          </a:prstGeom>
+        </p:spPr>
+      </p:pic>
+    </p:spTree>
+    <p:extLst>
+      <p:ext uri="{BB962C8B-B14F-4D97-AF65-F5344CB8AC3E}">
+        <p14:creationId xmlns:p14="http://schemas.microsoft.com/office/powerpoint/2010/main" val="2386857234"/>
+      </p:ext>
+    </p:extLst>
+  </p:cSld>
+  <p:clrMapOvr>
+    <a:masterClrMapping/>
+  </p:clrMapOvr>
+</p:sld>
+</file>
+
+<file path=ppt/slides/slide15.xml><?xml version="1.0" encoding="utf-8"?>
+<p:sld xmlns:a="http://schemas.openxmlformats.org/drawingml/2006/main" xmlns:r="http://schemas.openxmlformats.org/officeDocument/2006/relationships" xmlns:p="http://schemas.openxmlformats.org/presentationml/2006/main">
+  <p:cSld>
+    <p:spTree>
+      <p:nvGrpSpPr>
+        <p:cNvPr id="1" name=""/>
+        <p:cNvGrpSpPr/>
+        <p:nvPr/>
+      </p:nvGrpSpPr>
+      <p:grpSpPr>
+        <a:xfrm>
+          <a:off x="0" y="0"/>
+          <a:ext cx="0" cy="0"/>
+          <a:chOff x="0" y="0"/>
+          <a:chExt cx="0" cy="0"/>
+        </a:xfrm>
+      </p:grpSpPr>
+      <p:sp>
+        <p:nvSpPr>
+          <p:cNvPr id="2" name="Title 1"/>
+          <p:cNvSpPr>
+            <a:spLocks noGrp="1"/>
+          </p:cNvSpPr>
+          <p:nvPr>
+            <p:ph type="title"/>
+          </p:nvPr>
+        </p:nvSpPr>
+        <p:spPr/>
+        <p:txBody>
+          <a:bodyPr/>
+          <a:lstStyle/>
+          <a:p>
+            <a:r>
+              <a:rPr lang="en-US" dirty="0" smtClean="0"/>
+              <a:t>Results</a:t>
+            </a:r>
+            <a:endParaRPr lang="en-US" dirty="0"/>
+          </a:p>
+        </p:txBody>
+      </p:sp>
+      <p:sp>
+        <p:nvSpPr>
+          <p:cNvPr id="3" name="Content Placeholder 2"/>
+          <p:cNvSpPr>
+            <a:spLocks noGrp="1"/>
+          </p:cNvSpPr>
+          <p:nvPr>
+            <p:ph idx="1"/>
+          </p:nvPr>
+        </p:nvSpPr>
+        <p:spPr/>
+        <p:txBody>
+          <a:bodyPr/>
+          <a:lstStyle/>
+          <a:p>
+            <a:r>
+              <a:rPr lang="en-US" dirty="0" smtClean="0"/>
               <a:t>Community Earth System Model (CESM)</a:t>
             </a:r>
             <a:endParaRPr lang="en-US" dirty="0"/>
           </a:p>
         </p:txBody>
       </p:sp>
+      <p:pic>
+        <p:nvPicPr>
+          <p:cNvPr id="4" name="Picture 3" descr="mct.pdf"/>
+          <p:cNvPicPr>
+            <a:picLocks noChangeAspect="1"/>
+          </p:cNvPicPr>
+          <p:nvPr/>
+        </p:nvPicPr>
+        <p:blipFill>
+          <a:blip r:embed="rId2">
+            <a:extLst>
+              <a:ext uri="{28A0092B-C50C-407E-A947-70E740481C1C}">
+                <a14:useLocalDpi xmlns:a14="http://schemas.microsoft.com/office/drawing/2010/main" val="0"/>
+              </a:ext>
+            </a:extLst>
+          </a:blip>
+          <a:stretch>
+            <a:fillRect/>
+          </a:stretch>
+        </p:blipFill>
+        <p:spPr>
+          <a:xfrm>
+            <a:off x="457200" y="2120753"/>
+            <a:ext cx="3094355" cy="2188513"/>
+          </a:xfrm>
+          <a:prstGeom prst="rect">
+            <a:avLst/>
+          </a:prstGeom>
+        </p:spPr>
+      </p:pic>
+      <p:pic>
+        <p:nvPicPr>
+          <p:cNvPr id="6" name="Picture 5" descr="Screen Shot 2015-06-19 at 8.39.42 AM.png"/>
+          <p:cNvPicPr>
+            <a:picLocks noChangeAspect="1"/>
+          </p:cNvPicPr>
+          <p:nvPr/>
+        </p:nvPicPr>
+        <p:blipFill>
+          <a:blip r:embed="rId3">
+            <a:extLst>
+              <a:ext uri="{28A0092B-C50C-407E-A947-70E740481C1C}">
+                <a14:useLocalDpi xmlns:a14="http://schemas.microsoft.com/office/drawing/2010/main" val="0"/>
+              </a:ext>
+            </a:extLst>
+          </a:blip>
+          <a:stretch>
+            <a:fillRect/>
+          </a:stretch>
+        </p:blipFill>
+        <p:spPr>
+          <a:xfrm>
+            <a:off x="431800" y="4279900"/>
+            <a:ext cx="8712200" cy="2578100"/>
+          </a:xfrm>
+          <a:prstGeom prst="rect">
+            <a:avLst/>
+          </a:prstGeom>
+        </p:spPr>
+      </p:pic>
+    </p:spTree>
+    <p:extLst>
+      <p:ext uri="{BB962C8B-B14F-4D97-AF65-F5344CB8AC3E}">
+        <p14:creationId xmlns:p14="http://schemas.microsoft.com/office/powerpoint/2010/main" val="735700975"/>
+      </p:ext>
+    </p:extLst>
+  </p:cSld>
+  <p:clrMapOvr>
+    <a:masterClrMapping/>
+  </p:clrMapOvr>
+</p:sld>
+</file>
+
+<file path=ppt/slides/slide16.xml><?xml version="1.0" encoding="utf-8"?>
+<p:sld xmlns:a="http://schemas.openxmlformats.org/drawingml/2006/main" xmlns:r="http://schemas.openxmlformats.org/officeDocument/2006/relationships" xmlns:p="http://schemas.openxmlformats.org/presentationml/2006/main">
+  <p:cSld>
+    <p:spTree>
+      <p:nvGrpSpPr>
+        <p:cNvPr id="1" name=""/>
+        <p:cNvGrpSpPr/>
+        <p:nvPr/>
+      </p:nvGrpSpPr>
+      <p:grpSpPr>
+        <a:xfrm>
+          <a:off x="0" y="0"/>
+          <a:ext cx="0" cy="0"/>
+          <a:chOff x="0" y="0"/>
+          <a:chExt cx="0" cy="0"/>
+        </a:xfrm>
+      </p:grpSpPr>
+      <p:sp>
+        <p:nvSpPr>
+          <p:cNvPr id="2" name="Title 1"/>
+          <p:cNvSpPr>
+            <a:spLocks noGrp="1"/>
+          </p:cNvSpPr>
+          <p:nvPr>
+            <p:ph type="title"/>
+          </p:nvPr>
+        </p:nvSpPr>
+        <p:spPr/>
+        <p:txBody>
+          <a:bodyPr/>
+          <a:lstStyle/>
+          <a:p>
+            <a:r>
+              <a:rPr lang="en-US" dirty="0" smtClean="0"/>
+              <a:t>Results</a:t>
+            </a:r>
+            <a:endParaRPr lang="en-US" dirty="0"/>
+          </a:p>
+        </p:txBody>
+      </p:sp>
+      <p:sp>
+        <p:nvSpPr>
+          <p:cNvPr id="3" name="Content Placeholder 2"/>
+          <p:cNvSpPr>
+            <a:spLocks noGrp="1"/>
+          </p:cNvSpPr>
+          <p:nvPr>
+            <p:ph idx="1"/>
+          </p:nvPr>
+        </p:nvSpPr>
+        <p:spPr/>
+        <p:txBody>
+          <a:bodyPr/>
+          <a:lstStyle/>
+          <a:p>
+            <a:r>
+              <a:rPr lang="en-US" dirty="0" smtClean="0"/>
+              <a:t>Community Earth System Model (CESM)</a:t>
+            </a:r>
+            <a:endParaRPr lang="en-US" dirty="0"/>
+          </a:p>
+        </p:txBody>
+      </p:sp>
+      <p:pic>
+        <p:nvPicPr>
+          <p:cNvPr id="4" name="Picture 3" descr="Screen Shot 2015-06-19 at 8.39.27 AM.png"/>
+          <p:cNvPicPr>
+            <a:picLocks noChangeAspect="1"/>
+          </p:cNvPicPr>
+          <p:nvPr/>
+        </p:nvPicPr>
+        <p:blipFill>
+          <a:blip r:embed="rId2">
+            <a:extLst>
+              <a:ext uri="{28A0092B-C50C-407E-A947-70E740481C1C}">
+                <a14:useLocalDpi xmlns:a14="http://schemas.microsoft.com/office/drawing/2010/main" val="0"/>
+              </a:ext>
+            </a:extLst>
+          </a:blip>
+          <a:stretch>
+            <a:fillRect/>
+          </a:stretch>
+        </p:blipFill>
+        <p:spPr>
+          <a:xfrm>
+            <a:off x="1394296" y="2237549"/>
+            <a:ext cx="6604000" cy="4343400"/>
+          </a:xfrm>
+          <a:prstGeom prst="rect">
+            <a:avLst/>
+          </a:prstGeom>
+        </p:spPr>
+      </p:pic>
     </p:spTree>
     <p:extLst>
       <p:ext uri="{BB962C8B-B14F-4D97-AF65-F5344CB8AC3E}">
@@ -4172,10 +4759,168 @@
         </p:nvSpPr>
         <p:spPr/>
         <p:txBody>
-          <a:bodyPr/>
-          <a:lstStyle/>
-          <a:p>
-            <a:endParaRPr lang="en-US" dirty="0"/>
+          <a:bodyPr>
+            <a:normAutofit fontScale="85000" lnSpcReduction="20000"/>
+          </a:bodyPr>
+          <a:lstStyle/>
+          <a:p>
+            <a:pPr marL="0" indent="0">
+              <a:buNone/>
+            </a:pPr>
+            <a:endParaRPr lang="en-US" dirty="0" smtClean="0"/>
+          </a:p>
+          <a:p>
+            <a:pPr marL="0" indent="0">
+              <a:buNone/>
+            </a:pPr>
+            <a:r>
+              <a:rPr lang="en-US" dirty="0" smtClean="0"/>
+              <a:t>While (exist pairs with demand &gt; 0)</a:t>
+            </a:r>
+          </a:p>
+          <a:p>
+            <a:pPr marL="0" indent="0">
+              <a:buNone/>
+            </a:pPr>
+            <a:r>
+              <a:rPr lang="en-US" dirty="0" smtClean="0"/>
+              <a:t>{</a:t>
+            </a:r>
+          </a:p>
+          <a:p>
+            <a:pPr marL="0" indent="0">
+              <a:buNone/>
+            </a:pPr>
+            <a:r>
+              <a:rPr lang="en-US" dirty="0"/>
+              <a:t>	</a:t>
+            </a:r>
+            <a:r>
+              <a:rPr lang="en-US" dirty="0" smtClean="0"/>
+              <a:t>Sort all pair by demand, highest demand first.</a:t>
+            </a:r>
+          </a:p>
+          <a:p>
+            <a:pPr marL="0" indent="0">
+              <a:buNone/>
+            </a:pPr>
+            <a:r>
+              <a:rPr lang="en-US" dirty="0" smtClean="0"/>
+              <a:t>	Pick the pair with highest demand: </a:t>
+            </a:r>
+            <a:r>
+              <a:rPr lang="en-US" i="1" dirty="0" smtClean="0"/>
+              <a:t>SD</a:t>
+            </a:r>
+          </a:p>
+          <a:p>
+            <a:pPr marL="0" indent="0">
+              <a:buNone/>
+            </a:pPr>
+            <a:r>
+              <a:rPr lang="en-US" dirty="0"/>
+              <a:t> </a:t>
+            </a:r>
+            <a:r>
+              <a:rPr lang="en-US" dirty="0" smtClean="0"/>
+              <a:t>     Pick the path </a:t>
+            </a:r>
+            <a:r>
+              <a:rPr lang="en-US" i="1" dirty="0" smtClean="0"/>
+              <a:t>p</a:t>
+            </a:r>
+            <a:r>
+              <a:rPr lang="en-US" dirty="0" smtClean="0"/>
+              <a:t> with lowest </a:t>
+            </a:r>
+            <a:r>
+              <a:rPr lang="en-US" i="1" dirty="0" err="1" smtClean="0"/>
+              <a:t>maxload</a:t>
+            </a:r>
+            <a:r>
+              <a:rPr lang="en-US" dirty="0" smtClean="0"/>
+              <a:t>.</a:t>
+            </a:r>
+          </a:p>
+          <a:p>
+            <a:pPr marL="0" indent="0">
+              <a:buNone/>
+            </a:pPr>
+            <a:r>
+              <a:rPr lang="en-US" dirty="0"/>
+              <a:t> </a:t>
+            </a:r>
+            <a:r>
+              <a:rPr lang="en-US" dirty="0" smtClean="0"/>
+              <a:t>     Assign an amount of </a:t>
+            </a:r>
+            <a:r>
+              <a:rPr lang="en-US" i="1" dirty="0" smtClean="0"/>
+              <a:t>chunk</a:t>
+            </a:r>
+            <a:r>
+              <a:rPr lang="en-US" dirty="0" smtClean="0"/>
+              <a:t> to the path.</a:t>
+            </a:r>
+          </a:p>
+          <a:p>
+            <a:pPr marL="0" indent="0">
+              <a:buNone/>
+            </a:pPr>
+            <a:r>
+              <a:rPr lang="en-US" dirty="0"/>
+              <a:t> </a:t>
+            </a:r>
+            <a:r>
+              <a:rPr lang="en-US" dirty="0" smtClean="0"/>
+              <a:t>     Subtract </a:t>
+            </a:r>
+            <a:r>
+              <a:rPr lang="en-US" i="1" dirty="0" smtClean="0"/>
+              <a:t>chunk</a:t>
+            </a:r>
+            <a:r>
+              <a:rPr lang="en-US" dirty="0" smtClean="0"/>
+              <a:t> from pair </a:t>
+            </a:r>
+            <a:r>
+              <a:rPr lang="en-US" i="1" dirty="0" smtClean="0"/>
+              <a:t>SD</a:t>
+            </a:r>
+            <a:r>
+              <a:rPr lang="en-US" dirty="0" smtClean="0"/>
+              <a:t>’s </a:t>
+            </a:r>
+            <a:r>
+              <a:rPr lang="en-US" i="1" dirty="0" smtClean="0"/>
+              <a:t>demand.</a:t>
+            </a:r>
+          </a:p>
+          <a:p>
+            <a:pPr marL="0" indent="0">
+              <a:buNone/>
+            </a:pPr>
+            <a:r>
+              <a:rPr lang="en-US" dirty="0" smtClean="0"/>
+              <a:t>      Update all paths and links’ load and </a:t>
+            </a:r>
+            <a:r>
+              <a:rPr lang="en-US" dirty="0" err="1" smtClean="0"/>
+              <a:t>maxload</a:t>
+            </a:r>
+            <a:r>
+              <a:rPr lang="en-US" dirty="0" smtClean="0"/>
+              <a:t>.</a:t>
+            </a:r>
+          </a:p>
+          <a:p>
+            <a:pPr marL="0" indent="0">
+              <a:buNone/>
+            </a:pPr>
+            <a:r>
+              <a:rPr lang="en-US" dirty="0" smtClean="0"/>
+              <a:t>}</a:t>
+            </a:r>
           </a:p>
         </p:txBody>
       </p:sp>
@@ -4274,6 +5019,112 @@
 </file>
 
 <file path=ppt/slides/slide5.xml><?xml version="1.0" encoding="utf-8"?>
+<p:sld xmlns:a="http://schemas.openxmlformats.org/drawingml/2006/main" xmlns:r="http://schemas.openxmlformats.org/officeDocument/2006/relationships" xmlns:p="http://schemas.openxmlformats.org/presentationml/2006/main">
+  <p:cSld>
+    <p:spTree>
+      <p:nvGrpSpPr>
+        <p:cNvPr id="1" name=""/>
+        <p:cNvGrpSpPr/>
+        <p:nvPr/>
+      </p:nvGrpSpPr>
+      <p:grpSpPr>
+        <a:xfrm>
+          <a:off x="0" y="0"/>
+          <a:ext cx="0" cy="0"/>
+          <a:chOff x="0" y="0"/>
+          <a:chExt cx="0" cy="0"/>
+        </a:xfrm>
+      </p:grpSpPr>
+      <p:sp>
+        <p:nvSpPr>
+          <p:cNvPr id="2" name="Title 1"/>
+          <p:cNvSpPr>
+            <a:spLocks noGrp="1"/>
+          </p:cNvSpPr>
+          <p:nvPr>
+            <p:ph type="title"/>
+          </p:nvPr>
+        </p:nvSpPr>
+        <p:spPr/>
+        <p:txBody>
+          <a:bodyPr/>
+          <a:lstStyle/>
+          <a:p>
+            <a:r>
+              <a:rPr lang="en-US" dirty="0" smtClean="0"/>
+              <a:t>Overall</a:t>
+            </a:r>
+            <a:endParaRPr lang="en-US" dirty="0"/>
+          </a:p>
+        </p:txBody>
+      </p:sp>
+      <p:sp>
+        <p:nvSpPr>
+          <p:cNvPr id="3" name="Content Placeholder 2"/>
+          <p:cNvSpPr>
+            <a:spLocks noGrp="1"/>
+          </p:cNvSpPr>
+          <p:nvPr>
+            <p:ph idx="1"/>
+          </p:nvPr>
+        </p:nvSpPr>
+        <p:spPr/>
+        <p:txBody>
+          <a:bodyPr/>
+          <a:lstStyle/>
+          <a:p>
+            <a:r>
+              <a:rPr lang="en-US" dirty="0" smtClean="0"/>
+              <a:t>1K nodes, 8 MB/s per pairs, 91 experiments, 3 patterns.</a:t>
+            </a:r>
+            <a:endParaRPr lang="en-US" dirty="0"/>
+          </a:p>
+        </p:txBody>
+      </p:sp>
+      <p:pic>
+        <p:nvPicPr>
+          <p:cNvPr id="5" name="Picture 4" descr="alltests_1k.pdf"/>
+          <p:cNvPicPr>
+            <a:picLocks noChangeAspect="1"/>
+          </p:cNvPicPr>
+          <p:nvPr/>
+        </p:nvPicPr>
+        <p:blipFill>
+          <a:blip r:embed="rId2">
+            <a:extLst>
+              <a:ext uri="{28A0092B-C50C-407E-A947-70E740481C1C}">
+                <a14:useLocalDpi xmlns:a14="http://schemas.microsoft.com/office/drawing/2010/main" val="0"/>
+              </a:ext>
+            </a:extLst>
+          </a:blip>
+          <a:stretch>
+            <a:fillRect/>
+          </a:stretch>
+        </p:blipFill>
+        <p:spPr>
+          <a:xfrm>
+            <a:off x="2863303" y="2212553"/>
+            <a:ext cx="6011756" cy="4645447"/>
+          </a:xfrm>
+          <a:prstGeom prst="rect">
+            <a:avLst/>
+          </a:prstGeom>
+        </p:spPr>
+      </p:pic>
+    </p:spTree>
+    <p:extLst>
+      <p:ext uri="{BB962C8B-B14F-4D97-AF65-F5344CB8AC3E}">
+        <p14:creationId xmlns:p14="http://schemas.microsoft.com/office/powerpoint/2010/main" val="3003134760"/>
+      </p:ext>
+    </p:extLst>
+  </p:cSld>
+  <p:clrMapOvr>
+    <a:masterClrMapping/>
+  </p:clrMapOvr>
+</p:sld>
+</file>
+
+<file path=ppt/slides/slide6.xml><?xml version="1.0" encoding="utf-8"?>
 <p:sld xmlns:a="http://schemas.openxmlformats.org/drawingml/2006/main" xmlns:r="http://schemas.openxmlformats.org/officeDocument/2006/relationships" xmlns:p="http://schemas.openxmlformats.org/presentationml/2006/main">
   <p:cSld>
     <p:spTree>
@@ -4529,7 +5380,113 @@
 </p:sld>
 </file>
 
-<file path=ppt/slides/slide6.xml><?xml version="1.0" encoding="utf-8"?>
+<file path=ppt/slides/slide7.xml><?xml version="1.0" encoding="utf-8"?>
+<p:sld xmlns:a="http://schemas.openxmlformats.org/drawingml/2006/main" xmlns:r="http://schemas.openxmlformats.org/officeDocument/2006/relationships" xmlns:p="http://schemas.openxmlformats.org/presentationml/2006/main">
+  <p:cSld>
+    <p:spTree>
+      <p:nvGrpSpPr>
+        <p:cNvPr id="1" name=""/>
+        <p:cNvGrpSpPr/>
+        <p:nvPr/>
+      </p:nvGrpSpPr>
+      <p:grpSpPr>
+        <a:xfrm>
+          <a:off x="0" y="0"/>
+          <a:ext cx="0" cy="0"/>
+          <a:chOff x="0" y="0"/>
+          <a:chExt cx="0" cy="0"/>
+        </a:xfrm>
+      </p:grpSpPr>
+      <p:sp>
+        <p:nvSpPr>
+          <p:cNvPr id="2" name="Title 1"/>
+          <p:cNvSpPr>
+            <a:spLocks noGrp="1"/>
+          </p:cNvSpPr>
+          <p:nvPr>
+            <p:ph type="title"/>
+          </p:nvPr>
+        </p:nvSpPr>
+        <p:spPr/>
+        <p:txBody>
+          <a:bodyPr/>
+          <a:lstStyle/>
+          <a:p>
+            <a:r>
+              <a:rPr lang="en-US" dirty="0" smtClean="0"/>
+              <a:t>Total amount on physical links</a:t>
+            </a:r>
+            <a:endParaRPr lang="en-US" dirty="0"/>
+          </a:p>
+        </p:txBody>
+      </p:sp>
+      <p:sp>
+        <p:nvSpPr>
+          <p:cNvPr id="3" name="Content Placeholder 2"/>
+          <p:cNvSpPr>
+            <a:spLocks noGrp="1"/>
+          </p:cNvSpPr>
+          <p:nvPr>
+            <p:ph idx="1"/>
+          </p:nvPr>
+        </p:nvSpPr>
+        <p:spPr/>
+        <p:txBody>
+          <a:bodyPr/>
+          <a:lstStyle/>
+          <a:p>
+            <a:r>
+              <a:rPr lang="en-US" dirty="0" smtClean="0"/>
+              <a:t>1K nodes, Disjoint pattern, 8 MB/pair.</a:t>
+            </a:r>
+            <a:endParaRPr lang="en-US" dirty="0"/>
+          </a:p>
+        </p:txBody>
+      </p:sp>
+      <p:pic>
+        <p:nvPicPr>
+          <p:cNvPr id="4" name="Picture 3" descr="loaddata_histo.pdf"/>
+          <p:cNvPicPr>
+            <a:picLocks noChangeAspect="1"/>
+          </p:cNvPicPr>
+          <p:nvPr/>
+        </p:nvPicPr>
+        <p:blipFill>
+          <a:blip r:embed="rId2">
+            <a:extLst>
+              <a:ext uri="{28A0092B-C50C-407E-A947-70E740481C1C}">
+                <a14:useLocalDpi xmlns:a14="http://schemas.microsoft.com/office/drawing/2010/main" val="0"/>
+              </a:ext>
+            </a:extLst>
+          </a:blip>
+          <a:stretch>
+            <a:fillRect/>
+          </a:stretch>
+        </p:blipFill>
+        <p:spPr>
+          <a:xfrm>
+            <a:off x="3519788" y="2300479"/>
+            <a:ext cx="5355271" cy="4138164"/>
+          </a:xfrm>
+          <a:prstGeom prst="rect">
+            <a:avLst/>
+          </a:prstGeom>
+        </p:spPr>
+      </p:pic>
+    </p:spTree>
+    <p:extLst>
+      <p:ext uri="{BB962C8B-B14F-4D97-AF65-F5344CB8AC3E}">
+        <p14:creationId xmlns:p14="http://schemas.microsoft.com/office/powerpoint/2010/main" val="2777344007"/>
+      </p:ext>
+    </p:extLst>
+  </p:cSld>
+  <p:clrMapOvr>
+    <a:masterClrMapping/>
+  </p:clrMapOvr>
+</p:sld>
+</file>
+
+<file path=ppt/slides/slide8.xml><?xml version="1.0" encoding="utf-8"?>
 <p:sld xmlns:a="http://schemas.openxmlformats.org/drawingml/2006/main" xmlns:r="http://schemas.openxmlformats.org/officeDocument/2006/relationships" xmlns:p="http://schemas.openxmlformats.org/presentationml/2006/main">
   <p:cSld>
     <p:spTree>
@@ -4789,7 +5746,7 @@
 </p:sld>
 </file>
 
-<file path=ppt/slides/slide7.xml><?xml version="1.0" encoding="utf-8"?>
+<file path=ppt/slides/slide9.xml><?xml version="1.0" encoding="utf-8"?>
 <p:sld xmlns:a="http://schemas.openxmlformats.org/drawingml/2006/main" xmlns:r="http://schemas.openxmlformats.org/officeDocument/2006/relationships" xmlns:p="http://schemas.openxmlformats.org/presentationml/2006/main">
   <p:cSld>
     <p:spTree>
@@ -5050,351 +6007,6 @@
     <p:extLst>
       <p:ext uri="{BB962C8B-B14F-4D97-AF65-F5344CB8AC3E}">
         <p14:creationId xmlns:p14="http://schemas.microsoft.com/office/powerpoint/2010/main" val="735700975"/>
-      </p:ext>
-    </p:extLst>
-  </p:cSld>
-  <p:clrMapOvr>
-    <a:masterClrMapping/>
-  </p:clrMapOvr>
-</p:sld>
-</file>
-
-<file path=ppt/slides/slide8.xml><?xml version="1.0" encoding="utf-8"?>
-<p:sld xmlns:a="http://schemas.openxmlformats.org/drawingml/2006/main" xmlns:r="http://schemas.openxmlformats.org/officeDocument/2006/relationships" xmlns:p="http://schemas.openxmlformats.org/presentationml/2006/main">
-  <p:cSld>
-    <p:spTree>
-      <p:nvGrpSpPr>
-        <p:cNvPr id="1" name=""/>
-        <p:cNvGrpSpPr/>
-        <p:nvPr/>
-      </p:nvGrpSpPr>
-      <p:grpSpPr>
-        <a:xfrm>
-          <a:off x="0" y="0"/>
-          <a:ext cx="0" cy="0"/>
-          <a:chOff x="0" y="0"/>
-          <a:chExt cx="0" cy="0"/>
-        </a:xfrm>
-      </p:grpSpPr>
-      <p:sp>
-        <p:nvSpPr>
-          <p:cNvPr id="2" name="Title 1"/>
-          <p:cNvSpPr>
-            <a:spLocks noGrp="1"/>
-          </p:cNvSpPr>
-          <p:nvPr>
-            <p:ph type="title"/>
-          </p:nvPr>
-        </p:nvSpPr>
-        <p:spPr/>
-        <p:txBody>
-          <a:bodyPr/>
-          <a:lstStyle/>
-          <a:p>
-            <a:r>
-              <a:rPr lang="en-US" dirty="0" smtClean="0"/>
-              <a:t>Results</a:t>
-            </a:r>
-            <a:endParaRPr lang="en-US" dirty="0"/>
-          </a:p>
-        </p:txBody>
-      </p:sp>
-      <p:sp>
-        <p:nvSpPr>
-          <p:cNvPr id="3" name="Content Placeholder 2"/>
-          <p:cNvSpPr>
-            <a:spLocks noGrp="1"/>
-          </p:cNvSpPr>
-          <p:nvPr>
-            <p:ph idx="1"/>
-          </p:nvPr>
-        </p:nvSpPr>
-        <p:spPr/>
-        <p:txBody>
-          <a:bodyPr/>
-          <a:lstStyle/>
-          <a:p>
-            <a:r>
-              <a:rPr lang="en-US" dirty="0" smtClean="0"/>
-              <a:t>Varying sources-destinations distance</a:t>
-            </a:r>
-          </a:p>
-          <a:p>
-            <a:pPr lvl="1"/>
-            <a:r>
-              <a:rPr lang="en-US" dirty="0" smtClean="0"/>
-              <a:t>2048 nodes totals, 64 sources.</a:t>
-            </a:r>
-          </a:p>
-          <a:p>
-            <a:pPr lvl="1"/>
-            <a:r>
-              <a:rPr lang="en-US" dirty="0" smtClean="0"/>
-              <a:t>1 Ranks/node, 8 MB/pair.</a:t>
-            </a:r>
-          </a:p>
-        </p:txBody>
-      </p:sp>
-      <p:pic>
-        <p:nvPicPr>
-          <p:cNvPr id="4" name="Picture 3" descr="incrdist_disjoint.pdf"/>
-          <p:cNvPicPr>
-            <a:picLocks noChangeAspect="1"/>
-          </p:cNvPicPr>
-          <p:nvPr/>
-        </p:nvPicPr>
-        <p:blipFill>
-          <a:blip r:embed="rId3">
-            <a:extLst>
-              <a:ext uri="{28A0092B-C50C-407E-A947-70E740481C1C}">
-                <a14:useLocalDpi xmlns:a14="http://schemas.microsoft.com/office/drawing/2010/main" val="0"/>
-              </a:ext>
-            </a:extLst>
-          </a:blip>
-          <a:stretch>
-            <a:fillRect/>
-          </a:stretch>
-        </p:blipFill>
-        <p:spPr>
-          <a:xfrm>
-            <a:off x="0" y="3633978"/>
-            <a:ext cx="3225181" cy="2492185"/>
-          </a:xfrm>
-          <a:prstGeom prst="rect">
-            <a:avLst/>
-          </a:prstGeom>
-        </p:spPr>
-      </p:pic>
-      <p:pic>
-        <p:nvPicPr>
-          <p:cNvPr id="5" name="Picture 4" descr="incrdist_overlap.pdf"/>
-          <p:cNvPicPr>
-            <a:picLocks noChangeAspect="1"/>
-          </p:cNvPicPr>
-          <p:nvPr/>
-        </p:nvPicPr>
-        <p:blipFill>
-          <a:blip r:embed="rId4">
-            <a:extLst>
-              <a:ext uri="{28A0092B-C50C-407E-A947-70E740481C1C}">
-                <a14:useLocalDpi xmlns:a14="http://schemas.microsoft.com/office/drawing/2010/main" val="0"/>
-              </a:ext>
-            </a:extLst>
-          </a:blip>
-          <a:stretch>
-            <a:fillRect/>
-          </a:stretch>
-        </p:blipFill>
-        <p:spPr>
-          <a:xfrm>
-            <a:off x="3093397" y="3633978"/>
-            <a:ext cx="3225180" cy="2492185"/>
-          </a:xfrm>
-          <a:prstGeom prst="rect">
-            <a:avLst/>
-          </a:prstGeom>
-        </p:spPr>
-      </p:pic>
-      <p:pic>
-        <p:nvPicPr>
-          <p:cNvPr id="6" name="Picture 5" descr="incrdist_subset.pdf"/>
-          <p:cNvPicPr>
-            <a:picLocks noChangeAspect="1"/>
-          </p:cNvPicPr>
-          <p:nvPr/>
-        </p:nvPicPr>
-        <p:blipFill>
-          <a:blip r:embed="rId5">
-            <a:extLst>
-              <a:ext uri="{28A0092B-C50C-407E-A947-70E740481C1C}">
-                <a14:useLocalDpi xmlns:a14="http://schemas.microsoft.com/office/drawing/2010/main" val="0"/>
-              </a:ext>
-            </a:extLst>
-          </a:blip>
-          <a:stretch>
-            <a:fillRect/>
-          </a:stretch>
-        </p:blipFill>
-        <p:spPr>
-          <a:xfrm>
-            <a:off x="6135154" y="3633978"/>
-            <a:ext cx="3225181" cy="2492185"/>
-          </a:xfrm>
-          <a:prstGeom prst="rect">
-            <a:avLst/>
-          </a:prstGeom>
-        </p:spPr>
-      </p:pic>
-      <p:sp>
-        <p:nvSpPr>
-          <p:cNvPr id="7" name="TextBox 6"/>
-          <p:cNvSpPr txBox="1"/>
-          <p:nvPr/>
-        </p:nvSpPr>
-        <p:spPr>
-          <a:xfrm>
-            <a:off x="1054271" y="6222019"/>
-            <a:ext cx="902811" cy="369332"/>
-          </a:xfrm>
-          <a:prstGeom prst="rect">
-            <a:avLst/>
-          </a:prstGeom>
-          <a:noFill/>
-        </p:spPr>
-        <p:txBody>
-          <a:bodyPr wrap="none" rtlCol="0">
-            <a:spAutoFit/>
-          </a:bodyPr>
-          <a:lstStyle/>
-          <a:p>
-            <a:r>
-              <a:rPr lang="en-US" dirty="0" smtClean="0"/>
-              <a:t>Disjoint</a:t>
-            </a:r>
-            <a:endParaRPr lang="en-US" dirty="0"/>
-          </a:p>
-        </p:txBody>
-      </p:sp>
-      <p:sp>
-        <p:nvSpPr>
-          <p:cNvPr id="8" name="TextBox 7"/>
-          <p:cNvSpPr txBox="1"/>
-          <p:nvPr/>
-        </p:nvSpPr>
-        <p:spPr>
-          <a:xfrm>
-            <a:off x="4309581" y="6222019"/>
-            <a:ext cx="921910" cy="369332"/>
-          </a:xfrm>
-          <a:prstGeom prst="rect">
-            <a:avLst/>
-          </a:prstGeom>
-          <a:noFill/>
-        </p:spPr>
-        <p:txBody>
-          <a:bodyPr wrap="none" rtlCol="0">
-            <a:spAutoFit/>
-          </a:bodyPr>
-          <a:lstStyle/>
-          <a:p>
-            <a:r>
-              <a:rPr lang="en-US" dirty="0" smtClean="0"/>
-              <a:t>Overlap</a:t>
-            </a:r>
-            <a:endParaRPr lang="en-US" dirty="0"/>
-          </a:p>
-        </p:txBody>
-      </p:sp>
-      <p:sp>
-        <p:nvSpPr>
-          <p:cNvPr id="10" name="TextBox 9"/>
-          <p:cNvSpPr txBox="1"/>
-          <p:nvPr/>
-        </p:nvSpPr>
-        <p:spPr>
-          <a:xfrm>
-            <a:off x="7313303" y="6222019"/>
-            <a:ext cx="815736" cy="369332"/>
-          </a:xfrm>
-          <a:prstGeom prst="rect">
-            <a:avLst/>
-          </a:prstGeom>
-          <a:noFill/>
-        </p:spPr>
-        <p:txBody>
-          <a:bodyPr wrap="none" rtlCol="0">
-            <a:spAutoFit/>
-          </a:bodyPr>
-          <a:lstStyle/>
-          <a:p>
-            <a:r>
-              <a:rPr lang="en-US" dirty="0" smtClean="0"/>
-              <a:t>Subset</a:t>
-            </a:r>
-            <a:endParaRPr lang="en-US" dirty="0"/>
-          </a:p>
-        </p:txBody>
-      </p:sp>
-    </p:spTree>
-    <p:extLst>
-      <p:ext uri="{BB962C8B-B14F-4D97-AF65-F5344CB8AC3E}">
-        <p14:creationId xmlns:p14="http://schemas.microsoft.com/office/powerpoint/2010/main" val="2386857234"/>
-      </p:ext>
-    </p:extLst>
-  </p:cSld>
-  <p:clrMapOvr>
-    <a:masterClrMapping/>
-  </p:clrMapOvr>
-</p:sld>
-</file>
-
-<file path=ppt/slides/slide9.xml><?xml version="1.0" encoding="utf-8"?>
-<p:sld xmlns:a="http://schemas.openxmlformats.org/drawingml/2006/main" xmlns:r="http://schemas.openxmlformats.org/officeDocument/2006/relationships" xmlns:p="http://schemas.openxmlformats.org/presentationml/2006/main">
-  <p:cSld>
-    <p:spTree>
-      <p:nvGrpSpPr>
-        <p:cNvPr id="1" name=""/>
-        <p:cNvGrpSpPr/>
-        <p:nvPr/>
-      </p:nvGrpSpPr>
-      <p:grpSpPr>
-        <a:xfrm>
-          <a:off x="0" y="0"/>
-          <a:ext cx="0" cy="0"/>
-          <a:chOff x="0" y="0"/>
-          <a:chExt cx="0" cy="0"/>
-        </a:xfrm>
-      </p:grpSpPr>
-      <p:sp>
-        <p:nvSpPr>
-          <p:cNvPr id="2" name="Title 1"/>
-          <p:cNvSpPr>
-            <a:spLocks noGrp="1"/>
-          </p:cNvSpPr>
-          <p:nvPr>
-            <p:ph type="title"/>
-          </p:nvPr>
-        </p:nvSpPr>
-        <p:spPr/>
-        <p:txBody>
-          <a:bodyPr/>
-          <a:lstStyle/>
-          <a:p>
-            <a:r>
-              <a:rPr lang="en-US" dirty="0" smtClean="0"/>
-              <a:t>Results</a:t>
-            </a:r>
-            <a:endParaRPr lang="en-US" dirty="0"/>
-          </a:p>
-        </p:txBody>
-      </p:sp>
-      <p:sp>
-        <p:nvSpPr>
-          <p:cNvPr id="3" name="Content Placeholder 2"/>
-          <p:cNvSpPr>
-            <a:spLocks noGrp="1"/>
-          </p:cNvSpPr>
-          <p:nvPr>
-            <p:ph idx="1"/>
-          </p:nvPr>
-        </p:nvSpPr>
-        <p:spPr/>
-        <p:txBody>
-          <a:bodyPr/>
-          <a:lstStyle/>
-          <a:p>
-            <a:r>
-              <a:rPr lang="en-US" dirty="0" smtClean="0"/>
-              <a:t>Random pairing between sources and destinations.</a:t>
-            </a:r>
-            <a:endParaRPr lang="en-US" dirty="0"/>
-          </a:p>
-        </p:txBody>
-      </p:sp>
-    </p:spTree>
-    <p:extLst>
-      <p:ext uri="{BB962C8B-B14F-4D97-AF65-F5344CB8AC3E}">
-        <p14:creationId xmlns:p14="http://schemas.microsoft.com/office/powerpoint/2010/main" val="2252903313"/>
       </p:ext>
     </p:extLst>
   </p:cSld>

--- a/docs/Meeting_June_19.pptx
+++ b/docs/Meeting_June_19.pptx
@@ -3599,6 +3599,13 @@
   <p:clrMapOvr>
     <a:masterClrMapping/>
   </p:clrMapOvr>
+  <p:timing>
+    <p:tnLst>
+      <p:par>
+        <p:cTn xmlns:p14="http://schemas.microsoft.com/office/powerpoint/2010/main" id="1" dur="indefinite" restart="never" nodeType="tmRoot"/>
+      </p:par>
+    </p:tnLst>
+  </p:timing>
 </p:sld>
 </file>
 
@@ -3868,6 +3875,13 @@
   <p:clrMapOvr>
     <a:masterClrMapping/>
   </p:clrMapOvr>
+  <p:timing>
+    <p:tnLst>
+      <p:par>
+        <p:cTn xmlns:p14="http://schemas.microsoft.com/office/powerpoint/2010/main" id="1" dur="indefinite" restart="never" nodeType="tmRoot"/>
+      </p:par>
+    </p:tnLst>
+  </p:timing>
 </p:sld>
 </file>
 
@@ -3936,7 +3950,7 @@
       </p:sp>
       <p:pic>
         <p:nvPicPr>
-          <p:cNvPr id="4" name="Picture 3" descr="Screen Shot 2015-06-19 at 8.50.25 AM.png"/>
+          <p:cNvPr id="6" name="Picture 5" descr="Screen Shot 2015-06-19 at 9.16.21 AM.png"/>
           <p:cNvPicPr>
             <a:picLocks noChangeAspect="1"/>
           </p:cNvPicPr>
@@ -3956,8 +3970,8 @@
         </p:blipFill>
         <p:spPr>
           <a:xfrm>
-            <a:off x="486328" y="2956019"/>
-            <a:ext cx="7851994" cy="1577182"/>
+            <a:off x="205589" y="2944891"/>
+            <a:ext cx="8481211" cy="1611675"/>
           </a:xfrm>
           <a:prstGeom prst="rect">
             <a:avLst/>
@@ -3966,7 +3980,7 @@
       </p:pic>
       <p:pic>
         <p:nvPicPr>
-          <p:cNvPr id="5" name="Picture 4" descr="Screen Shot 2015-06-19 at 8.50.34 AM.png"/>
+          <p:cNvPr id="7" name="Picture 6" descr="Screen Shot 2015-06-19 at 9.16.33 AM.png"/>
           <p:cNvPicPr>
             <a:picLocks noChangeAspect="1"/>
           </p:cNvPicPr>
@@ -3986,8 +4000,8 @@
         </p:blipFill>
         <p:spPr>
           <a:xfrm>
-            <a:off x="1754912" y="4415689"/>
-            <a:ext cx="6607370" cy="1566696"/>
+            <a:off x="1642002" y="4556566"/>
+            <a:ext cx="7044797" cy="1569597"/>
           </a:xfrm>
           <a:prstGeom prst="rect">
             <a:avLst/>
@@ -4004,6 +4018,13 @@
   <p:clrMapOvr>
     <a:masterClrMapping/>
   </p:clrMapOvr>
+  <p:timing>
+    <p:tnLst>
+      <p:par>
+        <p:cTn xmlns:p14="http://schemas.microsoft.com/office/powerpoint/2010/main" id="1" dur="indefinite" restart="never" nodeType="tmRoot"/>
+      </p:par>
+    </p:tnLst>
+  </p:timing>
 </p:sld>
 </file>
 
@@ -4110,6 +4131,13 @@
   <p:clrMapOvr>
     <a:masterClrMapping/>
   </p:clrMapOvr>
+  <p:timing>
+    <p:tnLst>
+      <p:par>
+        <p:cTn xmlns:p14="http://schemas.microsoft.com/office/powerpoint/2010/main" id="1" dur="indefinite" restart="never" nodeType="tmRoot"/>
+      </p:par>
+    </p:tnLst>
+  </p:timing>
 </p:sld>
 </file>
 
@@ -4178,7 +4206,7 @@
       </p:sp>
       <p:pic>
         <p:nvPicPr>
-          <p:cNvPr id="6" name="Picture 5" descr="Screen Shot 2015-06-19 at 8.40.08 AM.png"/>
+          <p:cNvPr id="8" name="Picture 7" descr="Screen Shot 2015-06-19 at 9.12.51 AM.png"/>
           <p:cNvPicPr>
             <a:picLocks noChangeAspect="1"/>
           </p:cNvPicPr>
@@ -4198,8 +4226,8 @@
         </p:blipFill>
         <p:spPr>
           <a:xfrm>
-            <a:off x="1706674" y="2289615"/>
-            <a:ext cx="5092700" cy="1866900"/>
+            <a:off x="1665269" y="2220893"/>
+            <a:ext cx="5687182" cy="2071702"/>
           </a:xfrm>
           <a:prstGeom prst="rect">
             <a:avLst/>
@@ -4208,7 +4236,7 @@
       </p:pic>
       <p:pic>
         <p:nvPicPr>
-          <p:cNvPr id="7" name="Picture 6" descr="Screen Shot 2015-06-19 at 8.39.56 AM.png"/>
+          <p:cNvPr id="9" name="Picture 8" descr="Screen Shot 2015-06-19 at 9.12.29 AM.png"/>
           <p:cNvPicPr>
             <a:picLocks noChangeAspect="1"/>
           </p:cNvPicPr>
@@ -4228,8 +4256,8 @@
         </p:blipFill>
         <p:spPr>
           <a:xfrm>
-            <a:off x="191686" y="4252368"/>
-            <a:ext cx="8623300" cy="2489200"/>
+            <a:off x="350435" y="4352505"/>
+            <a:ext cx="8468148" cy="2315779"/>
           </a:xfrm>
           <a:prstGeom prst="rect">
             <a:avLst/>
@@ -4246,6 +4274,13 @@
   <p:clrMapOvr>
     <a:masterClrMapping/>
   </p:clrMapOvr>
+  <p:timing>
+    <p:tnLst>
+      <p:par>
+        <p:cTn xmlns:p14="http://schemas.microsoft.com/office/powerpoint/2010/main" id="1" dur="indefinite" restart="never" nodeType="tmRoot"/>
+      </p:par>
+    </p:tnLst>
+  </p:timing>
 </p:sld>
 </file>
 
@@ -4322,7 +4357,7 @@
       </p:sp>
       <p:pic>
         <p:nvPicPr>
-          <p:cNvPr id="5" name="Picture 4" descr="Screen Shot 2015-06-19 at 8.40.34 AM.png"/>
+          <p:cNvPr id="7" name="Picture 6" descr="Screen Shot 2015-06-19 at 9.13.06 AM.png"/>
           <p:cNvPicPr>
             <a:picLocks noChangeAspect="1"/>
           </p:cNvPicPr>
@@ -4342,8 +4377,8 @@
         </p:blipFill>
         <p:spPr>
           <a:xfrm>
-            <a:off x="1503255" y="2218126"/>
-            <a:ext cx="6083300" cy="1879600"/>
+            <a:off x="1046512" y="2240571"/>
+            <a:ext cx="7064184" cy="2150325"/>
           </a:xfrm>
           <a:prstGeom prst="rect">
             <a:avLst/>
@@ -4352,7 +4387,7 @@
       </p:pic>
       <p:pic>
         <p:nvPicPr>
-          <p:cNvPr id="6" name="Picture 5" descr="Screen Shot 2015-06-19 at 8.40.27 AM.png"/>
+          <p:cNvPr id="8" name="Picture 7" descr="Screen Shot 2015-06-19 at 9.12.59 AM.png"/>
           <p:cNvPicPr>
             <a:picLocks noChangeAspect="1"/>
           </p:cNvPicPr>
@@ -4372,8 +4407,8 @@
         </p:blipFill>
         <p:spPr>
           <a:xfrm>
-            <a:off x="1041701" y="4325778"/>
-            <a:ext cx="6997700" cy="1892300"/>
+            <a:off x="750169" y="4482977"/>
+            <a:ext cx="7663029" cy="2045018"/>
           </a:xfrm>
           <a:prstGeom prst="rect">
             <a:avLst/>
@@ -4390,6 +4425,13 @@
   <p:clrMapOvr>
     <a:masterClrMapping/>
   </p:clrMapOvr>
+  <p:timing>
+    <p:tnLst>
+      <p:par>
+        <p:cTn xmlns:p14="http://schemas.microsoft.com/office/powerpoint/2010/main" id="1" dur="indefinite" restart="never" nodeType="tmRoot"/>
+      </p:par>
+    </p:tnLst>
+  </p:timing>
 </p:sld>
 </file>
 
@@ -4488,7 +4530,7 @@
       </p:pic>
       <p:pic>
         <p:nvPicPr>
-          <p:cNvPr id="6" name="Picture 5" descr="Screen Shot 2015-06-19 at 8.39.42 AM.png"/>
+          <p:cNvPr id="7" name="Picture 6" descr="Screen Shot 2015-06-19 at 9.11.35 AM.png"/>
           <p:cNvPicPr>
             <a:picLocks noChangeAspect="1"/>
           </p:cNvPicPr>
@@ -4508,8 +4550,8 @@
         </p:blipFill>
         <p:spPr>
           <a:xfrm>
-            <a:off x="431800" y="4279900"/>
-            <a:ext cx="8712200" cy="2578100"/>
+            <a:off x="457200" y="4309265"/>
+            <a:ext cx="8453476" cy="2461913"/>
           </a:xfrm>
           <a:prstGeom prst="rect">
             <a:avLst/>
@@ -4526,6 +4568,13 @@
   <p:clrMapOvr>
     <a:masterClrMapping/>
   </p:clrMapOvr>
+  <p:timing>
+    <p:tnLst>
+      <p:par>
+        <p:cTn xmlns:p14="http://schemas.microsoft.com/office/powerpoint/2010/main" id="1" dur="indefinite" restart="never" nodeType="tmRoot"/>
+      </p:par>
+    </p:tnLst>
+  </p:timing>
 </p:sld>
 </file>
 
@@ -4594,7 +4643,7 @@
       </p:sp>
       <p:pic>
         <p:nvPicPr>
-          <p:cNvPr id="4" name="Picture 3" descr="Screen Shot 2015-06-19 at 8.39.27 AM.png"/>
+          <p:cNvPr id="5" name="Picture 4" descr="Screen Shot 2015-06-19 at 9.10.39 AM.png"/>
           <p:cNvPicPr>
             <a:picLocks noChangeAspect="1"/>
           </p:cNvPicPr>
@@ -4614,8 +4663,8 @@
         </p:blipFill>
         <p:spPr>
           <a:xfrm>
-            <a:off x="1394296" y="2237549"/>
-            <a:ext cx="6604000" cy="4343400"/>
+            <a:off x="1432852" y="2245510"/>
+            <a:ext cx="6570019" cy="4250774"/>
           </a:xfrm>
           <a:prstGeom prst="rect">
             <a:avLst/>
@@ -4632,6 +4681,13 @@
   <p:clrMapOvr>
     <a:masterClrMapping/>
   </p:clrMapOvr>
+  <p:timing>
+    <p:tnLst>
+      <p:par>
+        <p:cTn xmlns:p14="http://schemas.microsoft.com/office/powerpoint/2010/main" id="1" dur="indefinite" restart="never" nodeType="tmRoot"/>
+      </p:par>
+    </p:tnLst>
+  </p:timing>
 </p:sld>
 </file>
 
@@ -4687,10 +4743,138 @@
         </p:nvSpPr>
         <p:spPr/>
         <p:txBody>
-          <a:bodyPr/>
-          <a:lstStyle/>
-          <a:p>
-            <a:endParaRPr lang="en-US" dirty="0"/>
+          <a:bodyPr>
+            <a:normAutofit fontScale="77500" lnSpcReduction="20000"/>
+          </a:bodyPr>
+          <a:lstStyle/>
+          <a:p>
+            <a:pPr marL="0" indent="0">
+              <a:buNone/>
+            </a:pPr>
+            <a:r>
+              <a:rPr lang="en-US" dirty="0" smtClean="0"/>
+              <a:t>load[][]: amount of paths on all physical links.</a:t>
+            </a:r>
+          </a:p>
+          <a:p>
+            <a:pPr marL="0" indent="0">
+              <a:buNone/>
+            </a:pPr>
+            <a:r>
+              <a:rPr lang="en-US" dirty="0" err="1" smtClean="0"/>
+              <a:t>maxload</a:t>
+            </a:r>
+            <a:r>
+              <a:rPr lang="en-US" dirty="0" smtClean="0"/>
+              <a:t> (of path): maximum value of loads </a:t>
+            </a:r>
+            <a:r>
+              <a:rPr lang="en-US" dirty="0" smtClean="0"/>
+              <a:t>allowed </a:t>
+            </a:r>
+            <a:r>
+              <a:rPr lang="en-US" dirty="0" smtClean="0"/>
+              <a:t>on links comprising a path.</a:t>
+            </a:r>
+          </a:p>
+          <a:p>
+            <a:pPr marL="0" indent="0">
+              <a:buNone/>
+            </a:pPr>
+            <a:r>
+              <a:rPr lang="en-US" dirty="0" smtClean="0"/>
+              <a:t>Set of pairs: P</a:t>
+            </a:r>
+          </a:p>
+          <a:p>
+            <a:pPr marL="0" indent="0">
+              <a:buNone/>
+            </a:pPr>
+            <a:endParaRPr lang="en-US" dirty="0" smtClean="0"/>
+          </a:p>
+          <a:p>
+            <a:pPr marL="0" indent="0">
+              <a:buNone/>
+            </a:pPr>
+            <a:r>
+              <a:rPr lang="en-US" dirty="0" smtClean="0"/>
+              <a:t>While (exist pair in P with no paths)</a:t>
+            </a:r>
+          </a:p>
+          <a:p>
+            <a:pPr marL="0" indent="0">
+              <a:buNone/>
+            </a:pPr>
+            <a:r>
+              <a:rPr lang="en-US" dirty="0" smtClean="0"/>
+              <a:t>{</a:t>
+            </a:r>
+          </a:p>
+          <a:p>
+            <a:pPr marL="0" indent="0">
+              <a:buNone/>
+            </a:pPr>
+            <a:r>
+              <a:rPr lang="en-US" dirty="0" smtClean="0"/>
+              <a:t>	Iterate through all pairs in P.</a:t>
+            </a:r>
+          </a:p>
+          <a:p>
+            <a:pPr marL="0" indent="0">
+              <a:buNone/>
+            </a:pPr>
+            <a:r>
+              <a:rPr lang="en-US" dirty="0"/>
+              <a:t>	</a:t>
+            </a:r>
+            <a:r>
+              <a:rPr lang="en-US" dirty="0" smtClean="0"/>
+              <a:t>For each pair SD</a:t>
+            </a:r>
+          </a:p>
+          <a:p>
+            <a:pPr marL="0" indent="0">
+              <a:buNone/>
+            </a:pPr>
+            <a:r>
+              <a:rPr lang="en-US" dirty="0"/>
+              <a:t>	</a:t>
+            </a:r>
+            <a:r>
+              <a:rPr lang="en-US" dirty="0" smtClean="0"/>
+              <a:t>	Iterate through all paths</a:t>
+            </a:r>
+          </a:p>
+          <a:p>
+            <a:pPr marL="0" indent="0">
+              <a:buNone/>
+            </a:pPr>
+            <a:r>
+              <a:rPr lang="en-US" dirty="0"/>
+              <a:t>	</a:t>
+            </a:r>
+            <a:r>
+              <a:rPr lang="en-US" dirty="0" smtClean="0"/>
+              <a:t>		Check adding a path p, the </a:t>
+            </a:r>
+            <a:r>
+              <a:rPr lang="en-US" dirty="0" err="1" smtClean="0"/>
+              <a:t>maxload</a:t>
+            </a:r>
+            <a:r>
+              <a:rPr lang="en-US" dirty="0" smtClean="0"/>
+              <a:t> </a:t>
+            </a:r>
+          </a:p>
+          <a:p>
+            <a:pPr marL="0" indent="0">
+              <a:buNone/>
+            </a:pPr>
+            <a:r>
+              <a:rPr lang="en-US" dirty="0" smtClean="0"/>
+              <a:t>}</a:t>
+            </a:r>
+            <a:endParaRPr lang="en-US" dirty="0" smtClean="0"/>
           </a:p>
         </p:txBody>
       </p:sp>
@@ -4704,6 +4888,13 @@
   <p:clrMapOvr>
     <a:masterClrMapping/>
   </p:clrMapOvr>
+  <p:timing>
+    <p:tnLst>
+      <p:par>
+        <p:cTn xmlns:p14="http://schemas.microsoft.com/office/powerpoint/2010/main" id="1" dur="indefinite" restart="never" nodeType="tmRoot"/>
+      </p:par>
+    </p:tnLst>
+  </p:timing>
 </p:sld>
 </file>
 
@@ -4757,12 +4948,43 @@
             <p:ph idx="1"/>
           </p:nvPr>
         </p:nvSpPr>
-        <p:spPr/>
+        <p:spPr>
+          <a:xfrm>
+            <a:off x="457200" y="1576236"/>
+            <a:ext cx="8229600" cy="4525963"/>
+          </a:xfrm>
+        </p:spPr>
         <p:txBody>
           <a:bodyPr>
-            <a:normAutofit fontScale="85000" lnSpcReduction="20000"/>
+            <a:normAutofit fontScale="70000" lnSpcReduction="20000"/>
           </a:bodyPr>
           <a:lstStyle/>
+          <a:p>
+            <a:pPr marL="0" indent="0">
+              <a:buNone/>
+            </a:pPr>
+            <a:r>
+              <a:rPr lang="en-US" dirty="0"/>
+              <a:t>l</a:t>
+            </a:r>
+            <a:r>
+              <a:rPr lang="en-US" dirty="0" smtClean="0"/>
+              <a:t>oad[][]: amount of data on all physical links.</a:t>
+            </a:r>
+          </a:p>
+          <a:p>
+            <a:pPr marL="0" indent="0">
+              <a:buNone/>
+            </a:pPr>
+            <a:r>
+              <a:rPr lang="en-US" dirty="0" err="1" smtClean="0"/>
+              <a:t>maxload</a:t>
+            </a:r>
+            <a:r>
+              <a:rPr lang="en-US" dirty="0" smtClean="0"/>
+              <a:t> (of path): maximum value of loads on links comprising a path.</a:t>
+            </a:r>
+          </a:p>
           <a:p>
             <a:pPr marL="0" indent="0">
               <a:buNone/>
@@ -4823,7 +5045,7 @@
             </a:r>
             <a:r>
               <a:rPr lang="en-US" dirty="0" smtClean="0"/>
-              <a:t>     Pick the path </a:t>
+              <a:t>      For SD: Pick the path </a:t>
             </a:r>
             <a:r>
               <a:rPr lang="en-US" i="1" dirty="0" smtClean="0"/>
@@ -4852,7 +5074,7 @@
             </a:r>
             <a:r>
               <a:rPr lang="en-US" dirty="0" smtClean="0"/>
-              <a:t>     Assign an amount of </a:t>
+              <a:t>     			Assign an amount of </a:t>
             </a:r>
             <a:r>
               <a:rPr lang="en-US" i="1" dirty="0" smtClean="0"/>
@@ -4873,7 +5095,7 @@
             </a:r>
             <a:r>
               <a:rPr lang="en-US" dirty="0" smtClean="0"/>
-              <a:t>     Subtract </a:t>
+              <a:t>      			Subtract </a:t>
             </a:r>
             <a:r>
               <a:rPr lang="en-US" i="1" dirty="0" smtClean="0"/>
@@ -4902,10 +5124,34 @@
             </a:pPr>
             <a:r>
               <a:rPr lang="en-US" dirty="0" smtClean="0"/>
-              <a:t>      Update all paths and links’ load and </a:t>
+              <a:t>       Update all</a:t>
+            </a:r>
+            <a:r>
+              <a:rPr lang="en-US" dirty="0" smtClean="0"/>
+              <a:t> links’ </a:t>
+            </a:r>
+            <a:r>
+              <a:rPr lang="en-US" i="1" dirty="0" smtClean="0"/>
+              <a:t>load</a:t>
+            </a:r>
+            <a:r>
+              <a:rPr lang="en-US" dirty="0" smtClean="0"/>
+              <a:t> and </a:t>
+            </a:r>
+            <a:r>
+              <a:rPr lang="en-US" dirty="0" smtClean="0"/>
+              <a:t>all </a:t>
             </a:r>
             <a:r>
               <a:rPr lang="en-US" dirty="0" err="1" smtClean="0"/>
+              <a:t>paths’s</a:t>
+            </a:r>
+            <a:r>
+              <a:rPr lang="en-US" dirty="0" smtClean="0"/>
+              <a:t> </a:t>
+            </a:r>
+            <a:r>
+              <a:rPr lang="en-US" i="1" dirty="0" err="1" smtClean="0"/>
               <a:t>maxload</a:t>
             </a:r>
             <a:r>
@@ -4934,6 +5180,13 @@
   <p:clrMapOvr>
     <a:masterClrMapping/>
   </p:clrMapOvr>
+  <p:timing>
+    <p:tnLst>
+      <p:par>
+        <p:cTn xmlns:p14="http://schemas.microsoft.com/office/powerpoint/2010/main" id="1" dur="indefinite" restart="never" nodeType="tmRoot"/>
+      </p:par>
+    </p:tnLst>
+  </p:timing>
 </p:sld>
 </file>
 
@@ -5015,6 +5268,13 @@
   <p:clrMapOvr>
     <a:masterClrMapping/>
   </p:clrMapOvr>
+  <p:timing>
+    <p:tnLst>
+      <p:par>
+        <p:cTn xmlns:p14="http://schemas.microsoft.com/office/powerpoint/2010/main" id="1" dur="indefinite" restart="never" nodeType="tmRoot"/>
+      </p:par>
+    </p:tnLst>
+  </p:timing>
 </p:sld>
 </file>
 
@@ -5103,8 +5363,8 @@
         </p:blipFill>
         <p:spPr>
           <a:xfrm>
-            <a:off x="2863303" y="2212553"/>
-            <a:ext cx="6011756" cy="4645447"/>
+            <a:off x="2120521" y="2212553"/>
+            <a:ext cx="6754538" cy="4645447"/>
           </a:xfrm>
           <a:prstGeom prst="rect">
             <a:avLst/>
@@ -5121,6 +5381,13 @@
   <p:clrMapOvr>
     <a:masterClrMapping/>
   </p:clrMapOvr>
+  <p:timing>
+    <p:tnLst>
+      <p:par>
+        <p:cTn xmlns:p14="http://schemas.microsoft.com/office/powerpoint/2010/main" id="1" dur="indefinite" restart="never" nodeType="tmRoot"/>
+      </p:par>
+    </p:tnLst>
+  </p:timing>
 </p:sld>
 </file>
 
@@ -5377,6 +5644,13 @@
   <p:clrMapOvr>
     <a:masterClrMapping/>
   </p:clrMapOvr>
+  <p:timing>
+    <p:tnLst>
+      <p:par>
+        <p:cTn xmlns:p14="http://schemas.microsoft.com/office/powerpoint/2010/main" id="1" dur="indefinite" restart="never" nodeType="tmRoot"/>
+      </p:par>
+    </p:tnLst>
+  </p:timing>
 </p:sld>
 </file>
 
@@ -5409,12 +5683,14 @@
         </p:nvSpPr>
         <p:spPr/>
         <p:txBody>
-          <a:bodyPr/>
-          <a:lstStyle/>
-          <a:p>
-            <a:r>
-              <a:rPr lang="en-US" dirty="0" smtClean="0"/>
-              <a:t>Total amount on physical links</a:t>
+          <a:bodyPr>
+            <a:normAutofit fontScale="90000"/>
+          </a:bodyPr>
+          <a:lstStyle/>
+          <a:p>
+            <a:r>
+              <a:rPr lang="en-US" dirty="0" smtClean="0"/>
+              <a:t>Total amount of data on physical links</a:t>
             </a:r>
             <a:endParaRPr lang="en-US" dirty="0"/>
           </a:p>
@@ -5483,6 +5759,13 @@
   <p:clrMapOvr>
     <a:masterClrMapping/>
   </p:clrMapOvr>
+  <p:timing>
+    <p:tnLst>
+      <p:par>
+        <p:cTn xmlns:p14="http://schemas.microsoft.com/office/powerpoint/2010/main" id="1" dur="indefinite" restart="never" nodeType="tmRoot"/>
+      </p:par>
+    </p:tnLst>
+  </p:timing>
 </p:sld>
 </file>
 
@@ -5743,6 +6026,13 @@
   <p:clrMapOvr>
     <a:masterClrMapping/>
   </p:clrMapOvr>
+  <p:timing>
+    <p:tnLst>
+      <p:par>
+        <p:cTn xmlns:p14="http://schemas.microsoft.com/office/powerpoint/2010/main" id="1" dur="indefinite" restart="never" nodeType="tmRoot"/>
+      </p:par>
+    </p:tnLst>
+  </p:timing>
 </p:sld>
 </file>
 
@@ -6013,6 +6303,13 @@
   <p:clrMapOvr>
     <a:masterClrMapping/>
   </p:clrMapOvr>
+  <p:timing>
+    <p:tnLst>
+      <p:par>
+        <p:cTn xmlns:p14="http://schemas.microsoft.com/office/powerpoint/2010/main" id="1" dur="indefinite" restart="never" nodeType="tmRoot"/>
+      </p:par>
+    </p:tnLst>
+  </p:timing>
 </p:sld>
 </file>
 

--- a/docs/Meeting_June_19.pptx
+++ b/docs/Meeting_June_19.pptx
@@ -207,7 +207,7 @@
           <a:p>
             <a:fld id="{15FC3792-9E39-4644-B8E6-783304D6C22A}" type="datetimeFigureOut">
               <a:rPr lang="en-US" smtClean="0"/>
-              <a:t>6/18/15</a:t>
+              <a:t>6/19/15</a:t>
             </a:fld>
             <a:endParaRPr lang="en-US"/>
           </a:p>
@@ -740,7 +740,7 @@
           <a:p>
             <a:fld id="{978FA519-22AB-AB4E-A31D-98F135837286}" type="datetimeFigureOut">
               <a:rPr lang="en-US" smtClean="0"/>
-              <a:t>6/18/15</a:t>
+              <a:t>6/19/15</a:t>
             </a:fld>
             <a:endParaRPr lang="en-US"/>
           </a:p>
@@ -910,7 +910,7 @@
           <a:p>
             <a:fld id="{978FA519-22AB-AB4E-A31D-98F135837286}" type="datetimeFigureOut">
               <a:rPr lang="en-US" smtClean="0"/>
-              <a:t>6/18/15</a:t>
+              <a:t>6/19/15</a:t>
             </a:fld>
             <a:endParaRPr lang="en-US"/>
           </a:p>
@@ -1090,7 +1090,7 @@
           <a:p>
             <a:fld id="{978FA519-22AB-AB4E-A31D-98F135837286}" type="datetimeFigureOut">
               <a:rPr lang="en-US" smtClean="0"/>
-              <a:t>6/18/15</a:t>
+              <a:t>6/19/15</a:t>
             </a:fld>
             <a:endParaRPr lang="en-US"/>
           </a:p>
@@ -1260,7 +1260,7 @@
           <a:p>
             <a:fld id="{978FA519-22AB-AB4E-A31D-98F135837286}" type="datetimeFigureOut">
               <a:rPr lang="en-US" smtClean="0"/>
-              <a:t>6/18/15</a:t>
+              <a:t>6/19/15</a:t>
             </a:fld>
             <a:endParaRPr lang="en-US"/>
           </a:p>
@@ -1506,7 +1506,7 @@
           <a:p>
             <a:fld id="{978FA519-22AB-AB4E-A31D-98F135837286}" type="datetimeFigureOut">
               <a:rPr lang="en-US" smtClean="0"/>
-              <a:t>6/18/15</a:t>
+              <a:t>6/19/15</a:t>
             </a:fld>
             <a:endParaRPr lang="en-US"/>
           </a:p>
@@ -1794,7 +1794,7 @@
           <a:p>
             <a:fld id="{978FA519-22AB-AB4E-A31D-98F135837286}" type="datetimeFigureOut">
               <a:rPr lang="en-US" smtClean="0"/>
-              <a:t>6/18/15</a:t>
+              <a:t>6/19/15</a:t>
             </a:fld>
             <a:endParaRPr lang="en-US"/>
           </a:p>
@@ -2216,7 +2216,7 @@
           <a:p>
             <a:fld id="{978FA519-22AB-AB4E-A31D-98F135837286}" type="datetimeFigureOut">
               <a:rPr lang="en-US" smtClean="0"/>
-              <a:t>6/18/15</a:t>
+              <a:t>6/19/15</a:t>
             </a:fld>
             <a:endParaRPr lang="en-US"/>
           </a:p>
@@ -2334,7 +2334,7 @@
           <a:p>
             <a:fld id="{978FA519-22AB-AB4E-A31D-98F135837286}" type="datetimeFigureOut">
               <a:rPr lang="en-US" smtClean="0"/>
-              <a:t>6/18/15</a:t>
+              <a:t>6/19/15</a:t>
             </a:fld>
             <a:endParaRPr lang="en-US"/>
           </a:p>
@@ -2429,7 +2429,7 @@
           <a:p>
             <a:fld id="{978FA519-22AB-AB4E-A31D-98F135837286}" type="datetimeFigureOut">
               <a:rPr lang="en-US" smtClean="0"/>
-              <a:t>6/18/15</a:t>
+              <a:t>6/19/15</a:t>
             </a:fld>
             <a:endParaRPr lang="en-US"/>
           </a:p>
@@ -2706,7 +2706,7 @@
           <a:p>
             <a:fld id="{978FA519-22AB-AB4E-A31D-98F135837286}" type="datetimeFigureOut">
               <a:rPr lang="en-US" smtClean="0"/>
-              <a:t>6/18/15</a:t>
+              <a:t>6/19/15</a:t>
             </a:fld>
             <a:endParaRPr lang="en-US"/>
           </a:p>
@@ -2959,7 +2959,7 @@
           <a:p>
             <a:fld id="{978FA519-22AB-AB4E-A31D-98F135837286}" type="datetimeFigureOut">
               <a:rPr lang="en-US" smtClean="0"/>
-              <a:t>6/18/15</a:t>
+              <a:t>6/19/15</a:t>
             </a:fld>
             <a:endParaRPr lang="en-US"/>
           </a:p>
@@ -3172,7 +3172,7 @@
           <a:p>
             <a:fld id="{978FA519-22AB-AB4E-A31D-98F135837286}" type="datetimeFigureOut">
               <a:rPr lang="en-US" smtClean="0"/>
-              <a:t>6/18/15</a:t>
+              <a:t>6/19/15</a:t>
             </a:fld>
             <a:endParaRPr lang="en-US"/>
           </a:p>
@@ -4741,10 +4741,15 @@
             <p:ph idx="1"/>
           </p:nvPr>
         </p:nvSpPr>
-        <p:spPr/>
+        <p:spPr>
+          <a:xfrm>
+            <a:off x="457199" y="1211100"/>
+            <a:ext cx="8314925" cy="5208905"/>
+          </a:xfrm>
+        </p:spPr>
         <p:txBody>
           <a:bodyPr>
-            <a:normAutofit fontScale="77500" lnSpcReduction="20000"/>
+            <a:noAutofit/>
           </a:bodyPr>
           <a:lstStyle/>
           <a:p>
@@ -4752,7 +4757,7 @@
               <a:buNone/>
             </a:pPr>
             <a:r>
-              <a:rPr lang="en-US" dirty="0" smtClean="0"/>
+              <a:rPr lang="en-US" sz="1600" dirty="0" smtClean="0"/>
               <a:t>load[][]: amount of paths on all physical links.</a:t>
             </a:r>
           </a:p>
@@ -4761,20 +4766,12 @@
               <a:buNone/>
             </a:pPr>
             <a:r>
-              <a:rPr lang="en-US" dirty="0" err="1" smtClean="0"/>
+              <a:rPr lang="en-US" sz="1600" dirty="0" err="1" smtClean="0"/>
               <a:t>maxload</a:t>
             </a:r>
             <a:r>
-              <a:rPr lang="en-US" dirty="0" smtClean="0"/>
-              <a:t> (of path): maximum value of loads </a:t>
-            </a:r>
-            <a:r>
-              <a:rPr lang="en-US" dirty="0" smtClean="0"/>
-              <a:t>allowed </a:t>
-            </a:r>
-            <a:r>
-              <a:rPr lang="en-US" dirty="0" smtClean="0"/>
-              <a:t>on links comprising a path.</a:t>
+              <a:rPr lang="en-US" sz="1600" dirty="0" smtClean="0"/>
+              <a:t> (of path): maximum value of loads allowed on links comprising a path.</a:t>
             </a:r>
           </a:p>
           <a:p>
@@ -4782,41 +4779,246 @@
               <a:buNone/>
             </a:pPr>
             <a:r>
-              <a:rPr lang="en-US" dirty="0" smtClean="0"/>
-              <a:t>Set of pairs: P</a:t>
+              <a:rPr lang="en-US" sz="1600" dirty="0" smtClean="0"/>
+              <a:t>Set of pairs: </a:t>
+            </a:r>
+            <a:r>
+              <a:rPr lang="en-US" sz="1600" dirty="0" smtClean="0"/>
+              <a:t>P. Each </a:t>
+            </a:r>
+            <a:r>
+              <a:rPr lang="en-US" sz="1600" dirty="0" smtClean="0"/>
+              <a:t>pair has k shortest paths </a:t>
+            </a:r>
+            <a:r>
+              <a:rPr lang="en-US" sz="1600" dirty="0" err="1" smtClean="0"/>
+              <a:t>k_paths</a:t>
+            </a:r>
+            <a:r>
+              <a:rPr lang="en-US" sz="1600" dirty="0"/>
+              <a:t> </a:t>
+            </a:r>
+            <a:r>
+              <a:rPr lang="en-US" sz="1600" dirty="0" smtClean="0"/>
+              <a:t>and </a:t>
+            </a:r>
+            <a:r>
+              <a:rPr lang="en-US" sz="1600" dirty="0" err="1" smtClean="0"/>
+              <a:t>paths_out</a:t>
+            </a:r>
+            <a:r>
+              <a:rPr lang="en-US" sz="1600" dirty="0" smtClean="0"/>
+              <a:t>.</a:t>
             </a:r>
           </a:p>
           <a:p>
             <a:pPr marL="0" indent="0">
               <a:buNone/>
             </a:pPr>
-            <a:endParaRPr lang="en-US" dirty="0" smtClean="0"/>
+            <a:endParaRPr lang="en-US" sz="1600" dirty="0" smtClean="0"/>
           </a:p>
           <a:p>
             <a:pPr marL="0" indent="0">
               <a:buNone/>
             </a:pPr>
             <a:r>
-              <a:rPr lang="en-US" dirty="0" smtClean="0"/>
-              <a:t>While (exist pair in P with no paths)</a:t>
-            </a:r>
+              <a:rPr lang="en-US" sz="1600" dirty="0" smtClean="0"/>
+              <a:t>While (exist pair in P with no paths</a:t>
+            </a:r>
+            <a:r>
+              <a:rPr lang="en-US" sz="1600" dirty="0" smtClean="0"/>
+              <a:t>) {</a:t>
+            </a:r>
+            <a:endParaRPr lang="en-US" sz="1600" dirty="0" smtClean="0"/>
           </a:p>
           <a:p>
             <a:pPr marL="0" indent="0">
               <a:buNone/>
             </a:pPr>
             <a:r>
-              <a:rPr lang="en-US" dirty="0" smtClean="0"/>
+              <a:rPr lang="en-US" sz="1600" dirty="0" smtClean="0"/>
+              <a:t>	Iterate through all pairs in P.</a:t>
+            </a:r>
+          </a:p>
+          <a:p>
+            <a:pPr marL="0" indent="0">
+              <a:buNone/>
+            </a:pPr>
+            <a:r>
+              <a:rPr lang="en-US" sz="1600" dirty="0"/>
+              <a:t>	</a:t>
+            </a:r>
+            <a:r>
+              <a:rPr lang="en-US" sz="1600" dirty="0" smtClean="0"/>
+              <a:t>For each pair </a:t>
+            </a:r>
+            <a:r>
+              <a:rPr lang="en-US" sz="1600" dirty="0" smtClean="0"/>
+              <a:t>SD {</a:t>
+            </a:r>
+            <a:endParaRPr lang="en-US" sz="1600" dirty="0" smtClean="0"/>
+          </a:p>
+          <a:p>
+            <a:pPr marL="0" indent="0">
+              <a:buNone/>
+            </a:pPr>
+            <a:r>
+              <a:rPr lang="en-US" sz="1600" dirty="0"/>
+              <a:t>	</a:t>
+            </a:r>
+            <a:r>
+              <a:rPr lang="en-US" sz="1600" dirty="0" smtClean="0"/>
+              <a:t>	Iterate through </a:t>
+            </a:r>
+            <a:r>
+              <a:rPr lang="en-US" sz="1600" i="1" dirty="0" err="1" smtClean="0"/>
+              <a:t>k_paths</a:t>
+            </a:r>
+            <a:r>
+              <a:rPr lang="en-US" sz="1600" i="1" dirty="0" smtClean="0"/>
+              <a:t> {</a:t>
+            </a:r>
+            <a:endParaRPr lang="en-US" sz="1600" i="1" dirty="0" smtClean="0"/>
+          </a:p>
+          <a:p>
+            <a:pPr marL="0" indent="0">
+              <a:buNone/>
+            </a:pPr>
+            <a:r>
+              <a:rPr lang="en-US" sz="1600" dirty="0"/>
+              <a:t>	</a:t>
+            </a:r>
+            <a:r>
+              <a:rPr lang="en-US" sz="1600" dirty="0" smtClean="0"/>
+              <a:t>		Check adding a path p, the maximum load of load[][] is not </a:t>
+            </a:r>
+            <a:r>
+              <a:rPr lang="en-US" sz="1600" dirty="0" smtClean="0"/>
+              <a:t>over </a:t>
+            </a:r>
+            <a:r>
+              <a:rPr lang="en-US" sz="1600" i="1" dirty="0" err="1" smtClean="0"/>
+              <a:t>maxload</a:t>
+            </a:r>
+            <a:r>
+              <a:rPr lang="en-US" sz="1600" dirty="0" smtClean="0"/>
+              <a:t> value.</a:t>
+            </a:r>
+          </a:p>
+          <a:p>
+            <a:pPr marL="0" indent="0">
+              <a:buNone/>
+            </a:pPr>
+            <a:r>
+              <a:rPr lang="en-US" sz="1600" dirty="0"/>
+              <a:t>	</a:t>
+            </a:r>
+            <a:r>
+              <a:rPr lang="en-US" sz="1600" dirty="0" smtClean="0"/>
+              <a:t>		</a:t>
+            </a:r>
+            <a:r>
+              <a:rPr lang="en-US" sz="1600" dirty="0" smtClean="0"/>
+              <a:t>	If </a:t>
+            </a:r>
+            <a:r>
+              <a:rPr lang="en-US" sz="1600" dirty="0" smtClean="0"/>
+              <a:t>so, add to </a:t>
+            </a:r>
+            <a:r>
+              <a:rPr lang="en-US" sz="1600" i="1" dirty="0" err="1" smtClean="0"/>
+              <a:t>paths_out</a:t>
+            </a:r>
+            <a:r>
+              <a:rPr lang="en-US" sz="1600" dirty="0" smtClean="0"/>
+              <a:t> </a:t>
+            </a:r>
+            <a:r>
+              <a:rPr lang="en-US" sz="1600" dirty="0" smtClean="0"/>
+              <a:t>and</a:t>
+            </a:r>
+          </a:p>
+          <a:p>
+            <a:pPr marL="0" indent="0">
+              <a:buNone/>
+            </a:pPr>
+            <a:r>
+              <a:rPr lang="en-US" sz="1600" dirty="0"/>
+              <a:t>	</a:t>
+            </a:r>
+            <a:r>
+              <a:rPr lang="en-US" sz="1600" dirty="0" smtClean="0"/>
+              <a:t>		Remove p from </a:t>
+            </a:r>
+            <a:r>
+              <a:rPr lang="en-US" sz="1600" i="1" dirty="0" err="1"/>
+              <a:t>k_paths</a:t>
+            </a:r>
+            <a:r>
+              <a:rPr lang="en-US" sz="1600" dirty="0" smtClean="0"/>
+              <a:t>.</a:t>
+            </a:r>
+          </a:p>
+          <a:p>
+            <a:pPr marL="0" indent="0">
+              <a:buNone/>
+            </a:pPr>
+            <a:r>
+              <a:rPr lang="en-US" sz="1600" dirty="0"/>
+              <a:t>	</a:t>
+            </a:r>
+            <a:r>
+              <a:rPr lang="en-US" sz="1600" dirty="0" smtClean="0"/>
+              <a:t>	}</a:t>
+            </a:r>
+          </a:p>
+          <a:p>
+            <a:pPr marL="0" indent="0">
+              <a:buNone/>
+            </a:pPr>
+            <a:r>
+              <a:rPr lang="en-US" sz="1600" dirty="0"/>
+              <a:t>	</a:t>
+            </a:r>
+            <a:r>
+              <a:rPr lang="en-US" sz="1600" dirty="0"/>
+              <a:t>}</a:t>
+            </a:r>
+            <a:endParaRPr lang="en-US" sz="1600" dirty="0" smtClean="0"/>
+          </a:p>
+          <a:p>
+            <a:pPr marL="0" indent="0">
+              <a:buNone/>
+            </a:pPr>
+            <a:r>
+              <a:rPr lang="en-US" sz="1600" dirty="0" smtClean="0"/>
+              <a:t>	If (all pairs: </a:t>
+            </a:r>
+            <a:r>
+              <a:rPr lang="en-US" sz="1600" i="1" dirty="0" err="1" smtClean="0"/>
+              <a:t>k_paths</a:t>
+            </a:r>
+            <a:r>
+              <a:rPr lang="en-US" sz="1600" dirty="0" smtClean="0"/>
+              <a:t> = empty) </a:t>
+            </a:r>
+            <a:r>
+              <a:rPr lang="en-US" sz="1600" dirty="0" smtClean="0"/>
               <a:t>{</a:t>
             </a:r>
+            <a:endParaRPr lang="en-US" sz="1600" dirty="0" smtClean="0"/>
           </a:p>
           <a:p>
             <a:pPr marL="0" indent="0">
               <a:buNone/>
             </a:pPr>
             <a:r>
-              <a:rPr lang="en-US" dirty="0" smtClean="0"/>
-              <a:t>	Iterate through all pairs in P.</a:t>
+              <a:rPr lang="en-US" sz="1600" dirty="0"/>
+              <a:t>	</a:t>
+            </a:r>
+            <a:r>
+              <a:rPr lang="en-US" sz="1600" dirty="0" smtClean="0"/>
+              <a:t>	Remove pairs that have at at least 1 paths.</a:t>
             </a:r>
           </a:p>
           <a:p>
@@ -4824,12 +5026,28 @@
               <a:buNone/>
             </a:pPr>
             <a:r>
-              <a:rPr lang="en-US" dirty="0"/>
+              <a:rPr lang="en-US" sz="1600" dirty="0"/>
               <a:t>	</a:t>
             </a:r>
             <a:r>
-              <a:rPr lang="en-US" dirty="0" smtClean="0"/>
-              <a:t>For each pair SD</a:t>
+              <a:rPr lang="en-US" sz="1600" dirty="0" smtClean="0"/>
+              <a:t>	</a:t>
+            </a:r>
+            <a:r>
+              <a:rPr lang="en-US" sz="1600" i="1" dirty="0" err="1" smtClean="0"/>
+              <a:t>maxload</a:t>
+            </a:r>
+            <a:r>
+              <a:rPr lang="en-US" sz="1600" dirty="0" smtClean="0"/>
+              <a:t> = </a:t>
+            </a:r>
+            <a:r>
+              <a:rPr lang="en-US" sz="1600" i="1" dirty="0" err="1" smtClean="0"/>
+              <a:t>maxload</a:t>
+            </a:r>
+            <a:r>
+              <a:rPr lang="en-US" sz="1600" dirty="0" smtClean="0"/>
+              <a:t> + 1</a:t>
             </a:r>
           </a:p>
           <a:p>
@@ -4837,12 +5055,12 @@
               <a:buNone/>
             </a:pPr>
             <a:r>
-              <a:rPr lang="en-US" dirty="0"/>
+              <a:rPr lang="en-US" sz="1600" dirty="0"/>
               <a:t>	</a:t>
             </a:r>
             <a:r>
-              <a:rPr lang="en-US" dirty="0" smtClean="0"/>
-              <a:t>	Iterate through all paths</a:t>
+              <a:rPr lang="en-US" sz="1600" dirty="0" smtClean="0"/>
+              <a:t>}</a:t>
             </a:r>
           </a:p>
           <a:p>
@@ -4850,31 +5068,10 @@
               <a:buNone/>
             </a:pPr>
             <a:r>
-              <a:rPr lang="en-US" dirty="0"/>
-              <a:t>	</a:t>
-            </a:r>
-            <a:r>
-              <a:rPr lang="en-US" dirty="0" smtClean="0"/>
-              <a:t>		Check adding a path p, the </a:t>
-            </a:r>
-            <a:r>
-              <a:rPr lang="en-US" dirty="0" err="1" smtClean="0"/>
-              <a:t>maxload</a:t>
-            </a:r>
-            <a:r>
-              <a:rPr lang="en-US" dirty="0" smtClean="0"/>
-              <a:t> </a:t>
-            </a:r>
-          </a:p>
-          <a:p>
-            <a:pPr marL="0" indent="0">
-              <a:buNone/>
-            </a:pPr>
-            <a:r>
-              <a:rPr lang="en-US" dirty="0" smtClean="0"/>
+              <a:rPr lang="en-US" sz="1600" dirty="0" smtClean="0"/>
               <a:t>}</a:t>
             </a:r>
-            <a:endParaRPr lang="en-US" dirty="0" smtClean="0"/>
+            <a:endParaRPr lang="en-US" sz="1600" dirty="0" smtClean="0"/>
           </a:p>
         </p:txBody>
       </p:sp>
@@ -5124,11 +5321,7 @@
             </a:pPr>
             <a:r>
               <a:rPr lang="en-US" dirty="0" smtClean="0"/>
-              <a:t>       Update all</a:t>
-            </a:r>
-            <a:r>
-              <a:rPr lang="en-US" dirty="0" smtClean="0"/>
-              <a:t> links’ </a:t>
+              <a:t>       Update all links’ </a:t>
             </a:r>
             <a:r>
               <a:rPr lang="en-US" i="1" dirty="0" smtClean="0"/>
@@ -5136,11 +5329,7 @@
             </a:r>
             <a:r>
               <a:rPr lang="en-US" dirty="0" smtClean="0"/>
-              <a:t> and </a:t>
-            </a:r>
-            <a:r>
-              <a:rPr lang="en-US" dirty="0" smtClean="0"/>
-              <a:t>all </a:t>
+              <a:t> and all </a:t>
             </a:r>
             <a:r>
               <a:rPr lang="en-US" dirty="0" err="1" smtClean="0"/>
@@ -5826,11 +6015,7 @@
           <a:p>
             <a:r>
               <a:rPr lang="en-US" dirty="0" smtClean="0"/>
-              <a:t>Varying partitions, number of sources, destinations, keeping constant sources-destinations ratio (1:8): Heuristic 2 + </a:t>
-            </a:r>
-            <a:r>
-              <a:rPr lang="en-US" dirty="0" smtClean="0"/>
-              <a:t>different message sizes (64 KB – 8 MB).</a:t>
+              <a:t>Varying partitions, number of sources, destinations, keeping constant sources-destinations ratio (1:8): Heuristic 2 + different message sizes (64 KB – 8 MB).</a:t>
             </a:r>
             <a:endParaRPr lang="en-US" dirty="0"/>
           </a:p>

--- a/docs/Meeting_June_19.pptx
+++ b/docs/Meeting_June_19.pptx
@@ -4344,7 +4344,7 @@
               <a:t>Efficacy of </a:t>
             </a:r>
             <a:r>
-              <a:rPr lang="en-US" dirty="0" err="1" smtClean="0"/>
+              <a:rPr lang="en-US" i="1" dirty="0" err="1" smtClean="0"/>
               <a:t>maxload</a:t>
             </a:r>
             <a:r>
@@ -4520,7 +4520,7 @@
         </p:blipFill>
         <p:spPr>
           <a:xfrm>
-            <a:off x="457200" y="2120753"/>
+            <a:off x="5007887" y="2120753"/>
             <a:ext cx="3094355" cy="2188513"/>
           </a:xfrm>
           <a:prstGeom prst="rect">
@@ -4635,7 +4635,18 @@
           <a:p>
             <a:r>
               <a:rPr lang="en-US" dirty="0" smtClean="0"/>
-              <a:t>Community Earth System Model (CESM)</a:t>
+              <a:t>Community Earth System Model (CESM</a:t>
+            </a:r>
+            <a:r>
+              <a:rPr lang="en-US" dirty="0" smtClean="0"/>
+              <a:t>)</a:t>
+            </a:r>
+          </a:p>
+          <a:p>
+            <a:pPr lvl="1"/>
+            <a:r>
+              <a:rPr lang="en-US" dirty="0" smtClean="0"/>
+              <a:t>Optimization and Heuristic 2 were used.</a:t>
             </a:r>
             <a:endParaRPr lang="en-US" dirty="0"/>
           </a:p>
@@ -4663,8 +4674,8 @@
         </p:blipFill>
         <p:spPr>
           <a:xfrm>
-            <a:off x="1432852" y="2245510"/>
-            <a:ext cx="6570019" cy="4250774"/>
+            <a:off x="2175393" y="2725930"/>
+            <a:ext cx="5827478" cy="3770353"/>
           </a:xfrm>
           <a:prstGeom prst="rect">
             <a:avLst/>
@@ -4758,7 +4769,15 @@
             </a:pPr>
             <a:r>
               <a:rPr lang="en-US" sz="1600" dirty="0" smtClean="0"/>
-              <a:t>load[][]: amount of paths on all physical links.</a:t>
+              <a:t>load[][]: </a:t>
+            </a:r>
+            <a:r>
+              <a:rPr lang="en-US" sz="1600" dirty="0" smtClean="0"/>
+              <a:t>number of </a:t>
+            </a:r>
+            <a:r>
+              <a:rPr lang="en-US" sz="1600" dirty="0" smtClean="0"/>
+              <a:t>paths on all physical links.</a:t>
             </a:r>
           </a:p>
           <a:p>
@@ -4771,7 +4790,11 @@
             </a:r>
             <a:r>
               <a:rPr lang="en-US" sz="1600" dirty="0" smtClean="0"/>
-              <a:t> (of path): maximum value of loads allowed on links comprising a path.</a:t>
+              <a:t> (of path): maximum value of loads allowed on </a:t>
+            </a:r>
+            <a:r>
+              <a:rPr lang="en-US" sz="1600" dirty="0" smtClean="0"/>
+              <a:t>links.</a:t>
             </a:r>
           </a:p>
           <a:p>
@@ -4780,18 +4803,42 @@
             </a:pPr>
             <a:r>
               <a:rPr lang="en-US" sz="1600" dirty="0" smtClean="0"/>
-              <a:t>Set of pairs: </a:t>
+              <a:t>Set </a:t>
             </a:r>
             <a:r>
               <a:rPr lang="en-US" sz="1600" dirty="0" smtClean="0"/>
-              <a:t>P. Each </a:t>
+              <a:t>of pairs: </a:t>
+            </a:r>
+            <a:r>
+              <a:rPr lang="en-US" sz="1600" i="1" dirty="0" smtClean="0"/>
+              <a:t>P</a:t>
             </a:r>
             <a:r>
               <a:rPr lang="en-US" sz="1600" dirty="0" smtClean="0"/>
-              <a:t>pair has k shortest paths </a:t>
-            </a:r>
-            <a:r>
-              <a:rPr lang="en-US" sz="1600" dirty="0" err="1" smtClean="0"/>
+              <a:t>. Each pair </a:t>
+            </a:r>
+            <a:r>
+              <a:rPr lang="en-US" sz="1600" i="1" dirty="0" smtClean="0"/>
+              <a:t>SD</a:t>
+            </a:r>
+            <a:r>
+              <a:rPr lang="en-US" sz="1600" dirty="0" smtClean="0"/>
+              <a:t> has </a:t>
+            </a:r>
+            <a:r>
+              <a:rPr lang="en-US" sz="1600" dirty="0" smtClean="0"/>
+              <a:t>input:</a:t>
+            </a:r>
+            <a:r>
+              <a:rPr lang="en-US" sz="1600" dirty="0" smtClean="0"/>
+              <a:t> </a:t>
+            </a:r>
+            <a:r>
+              <a:rPr lang="en-US" sz="1600" dirty="0" smtClean="0"/>
+              <a:t>k shortest paths </a:t>
+            </a:r>
+            <a:r>
+              <a:rPr lang="en-US" sz="1600" i="1" dirty="0" err="1" smtClean="0"/>
               <a:t>k_paths</a:t>
             </a:r>
             <a:r>
@@ -4803,27 +4850,46 @@
               <a:t>and </a:t>
             </a:r>
             <a:r>
-              <a:rPr lang="en-US" sz="1600" dirty="0" err="1" smtClean="0"/>
+              <a:rPr lang="en-US" sz="1600" dirty="0" smtClean="0"/>
+              <a:t>output: </a:t>
+            </a:r>
+            <a:r>
+              <a:rPr lang="en-US" sz="1600" i="1" dirty="0" err="1" smtClean="0"/>
               <a:t>paths_out</a:t>
+            </a:r>
+            <a:r>
+              <a:rPr lang="en-US" sz="1600" dirty="0" smtClean="0"/>
+              <a:t> as selected paths</a:t>
             </a:r>
             <a:r>
               <a:rPr lang="en-US" sz="1600" dirty="0" smtClean="0"/>
               <a:t>.</a:t>
             </a:r>
+            <a:endParaRPr lang="en-US" sz="1600" dirty="0" smtClean="0"/>
           </a:p>
           <a:p>
             <a:pPr marL="0" indent="0">
               <a:buNone/>
             </a:pPr>
-            <a:endParaRPr lang="en-US" sz="1600" dirty="0" smtClean="0"/>
-          </a:p>
-          <a:p>
-            <a:pPr marL="0" indent="0">
-              <a:buNone/>
-            </a:pPr>
             <a:r>
               <a:rPr lang="en-US" sz="1600" dirty="0" smtClean="0"/>
-              <a:t>While (exist pair in P with no paths</a:t>
+              <a:t>While (</a:t>
+            </a:r>
+            <a:r>
+              <a:rPr lang="en-US" sz="1600" dirty="0" smtClean="0"/>
+              <a:t>exists </a:t>
+            </a:r>
+            <a:r>
+              <a:rPr lang="en-US" sz="1600" dirty="0" smtClean="0"/>
+              <a:t>pair in </a:t>
+            </a:r>
+            <a:r>
+              <a:rPr lang="en-US" sz="1600" i="1" dirty="0" smtClean="0"/>
+              <a:t>P</a:t>
+            </a:r>
+            <a:r>
+              <a:rPr lang="en-US" sz="1600" dirty="0" smtClean="0"/>
+              <a:t> with no paths</a:t>
             </a:r>
             <a:r>
               <a:rPr lang="en-US" sz="1600" dirty="0" smtClean="0"/>
@@ -4837,7 +4903,15 @@
             </a:pPr>
             <a:r>
               <a:rPr lang="en-US" sz="1600" dirty="0" smtClean="0"/>
-              <a:t>	Iterate through all pairs in P.</a:t>
+              <a:t>	Iterate through all pairs in </a:t>
+            </a:r>
+            <a:r>
+              <a:rPr lang="en-US" sz="1600" i="1" dirty="0" smtClean="0"/>
+              <a:t>P</a:t>
+            </a:r>
+            <a:r>
+              <a:rPr lang="en-US" sz="1600" dirty="0" smtClean="0"/>
+              <a:t>.</a:t>
             </a:r>
           </a:p>
           <a:p>
@@ -4853,8 +4927,12 @@
               <a:t>For each pair </a:t>
             </a:r>
             <a:r>
+              <a:rPr lang="en-US" sz="1600" i="1" dirty="0" smtClean="0"/>
+              <a:t>SD</a:t>
+            </a:r>
+            <a:r>
               <a:rPr lang="en-US" sz="1600" dirty="0" smtClean="0"/>
-              <a:t>SD {</a:t>
+              <a:t> {</a:t>
             </a:r>
             <a:endParaRPr lang="en-US" sz="1600" dirty="0" smtClean="0"/>
           </a:p>
@@ -4886,11 +4964,52 @@
             </a:pPr>
             <a:r>
               <a:rPr lang="en-US" sz="1600" dirty="0"/>
+              <a:t>			Remove </a:t>
+            </a:r>
+            <a:r>
+              <a:rPr lang="en-US" sz="1600" i="1" dirty="0"/>
+              <a:t>p</a:t>
+            </a:r>
+            <a:r>
+              <a:rPr lang="en-US" sz="1600" dirty="0"/>
+              <a:t> from </a:t>
+            </a:r>
+            <a:r>
+              <a:rPr lang="en-US" sz="1600" i="1" dirty="0" err="1"/>
+              <a:t>k_paths</a:t>
+            </a:r>
+            <a:r>
+              <a:rPr lang="en-US" sz="1600" dirty="0"/>
+              <a:t>.</a:t>
+            </a:r>
+          </a:p>
+          <a:p>
+            <a:pPr marL="0" indent="0">
+              <a:buNone/>
+            </a:pPr>
+            <a:r>
+              <a:rPr lang="en-US" sz="1600" dirty="0"/>
               <a:t>	</a:t>
             </a:r>
             <a:r>
               <a:rPr lang="en-US" sz="1600" dirty="0" smtClean="0"/>
-              <a:t>		Check adding a path p, the maximum load of load[][] is not </a:t>
+              <a:t>		Check </a:t>
+            </a:r>
+            <a:r>
+              <a:rPr lang="en-US" sz="1600" dirty="0" smtClean="0"/>
+              <a:t>if adding </a:t>
+            </a:r>
+            <a:r>
+              <a:rPr lang="en-US" sz="1600" dirty="0" smtClean="0"/>
+              <a:t>a path </a:t>
+            </a:r>
+            <a:r>
+              <a:rPr lang="en-US" sz="1600" i="1" dirty="0" smtClean="0"/>
+              <a:t>p</a:t>
+            </a:r>
+            <a:r>
+              <a:rPr lang="en-US" sz="1600" dirty="0" smtClean="0"/>
+              <a:t>, the maximum load of load[][] is not </a:t>
             </a:r>
             <a:r>
               <a:rPr lang="en-US" sz="1600" dirty="0" smtClean="0"/>
@@ -4923,7 +5042,15 @@
             </a:r>
             <a:r>
               <a:rPr lang="en-US" sz="1600" dirty="0" smtClean="0"/>
-              <a:t>so, add to </a:t>
+              <a:t>so, add </a:t>
+            </a:r>
+            <a:r>
+              <a:rPr lang="en-US" sz="1600" i="1" dirty="0" smtClean="0"/>
+              <a:t>p</a:t>
+            </a:r>
+            <a:r>
+              <a:rPr lang="en-US" sz="1600" dirty="0" smtClean="0"/>
+              <a:t> to </a:t>
             </a:r>
             <a:r>
               <a:rPr lang="en-US" sz="1600" i="1" dirty="0" err="1" smtClean="0"/>
@@ -4931,11 +5058,7 @@
             </a:r>
             <a:r>
               <a:rPr lang="en-US" sz="1600" dirty="0" smtClean="0"/>
-              <a:t> </a:t>
-            </a:r>
-            <a:r>
-              <a:rPr lang="en-US" sz="1600" dirty="0" smtClean="0"/>
-              <a:t>and</a:t>
+              <a:t>.</a:t>
             </a:r>
           </a:p>
           <a:p>
@@ -4948,15 +5071,7 @@
             </a:r>
             <a:r>
               <a:rPr lang="en-US" sz="1600" dirty="0" smtClean="0"/>
-              <a:t>		Remove p from </a:t>
-            </a:r>
-            <a:r>
-              <a:rPr lang="en-US" sz="1600" i="1" dirty="0" err="1"/>
-              <a:t>k_paths</a:t>
-            </a:r>
-            <a:r>
-              <a:rPr lang="en-US" sz="1600" dirty="0" smtClean="0"/>
-              <a:t>.</a:t>
+              <a:t>			Go to next pair.</a:t>
             </a:r>
           </a:p>
           <a:p>
@@ -4992,7 +5107,15 @@
             </a:pPr>
             <a:r>
               <a:rPr lang="en-US" sz="1600" dirty="0" smtClean="0"/>
-              <a:t>	If (all pairs: </a:t>
+              <a:t>	If (all pairs in </a:t>
+            </a:r>
+            <a:r>
+              <a:rPr lang="en-US" sz="1600" i="1" dirty="0" smtClean="0"/>
+              <a:t>P</a:t>
+            </a:r>
+            <a:r>
+              <a:rPr lang="en-US" sz="1600" dirty="0" smtClean="0"/>
+              <a:t>: </a:t>
             </a:r>
             <a:r>
               <a:rPr lang="en-US" sz="1600" i="1" dirty="0" err="1" smtClean="0"/>

--- a/docs/Meeting_June_19.pptx
+++ b/docs/Meeting_June_19.pptx
@@ -5,25 +5,26 @@
     <p:sldMasterId id="2147483648" r:id="rId1"/>
   </p:sldMasterIdLst>
   <p:notesMasterIdLst>
-    <p:notesMasterId r:id="rId18"/>
+    <p:notesMasterId r:id="rId19"/>
   </p:notesMasterIdLst>
   <p:sldIdLst>
     <p:sldId id="256" r:id="rId2"/>
     <p:sldId id="257" r:id="rId3"/>
     <p:sldId id="258" r:id="rId4"/>
-    <p:sldId id="269" r:id="rId5"/>
-    <p:sldId id="270" r:id="rId6"/>
-    <p:sldId id="264" r:id="rId7"/>
-    <p:sldId id="271" r:id="rId8"/>
-    <p:sldId id="265" r:id="rId9"/>
-    <p:sldId id="260" r:id="rId10"/>
-    <p:sldId id="262" r:id="rId11"/>
-    <p:sldId id="267" r:id="rId12"/>
-    <p:sldId id="268" r:id="rId13"/>
-    <p:sldId id="261" r:id="rId14"/>
-    <p:sldId id="263" r:id="rId15"/>
-    <p:sldId id="259" r:id="rId16"/>
-    <p:sldId id="266" r:id="rId17"/>
+    <p:sldId id="272" r:id="rId5"/>
+    <p:sldId id="269" r:id="rId6"/>
+    <p:sldId id="270" r:id="rId7"/>
+    <p:sldId id="264" r:id="rId8"/>
+    <p:sldId id="271" r:id="rId9"/>
+    <p:sldId id="265" r:id="rId10"/>
+    <p:sldId id="260" r:id="rId11"/>
+    <p:sldId id="262" r:id="rId12"/>
+    <p:sldId id="267" r:id="rId13"/>
+    <p:sldId id="268" r:id="rId14"/>
+    <p:sldId id="261" r:id="rId15"/>
+    <p:sldId id="263" r:id="rId16"/>
+    <p:sldId id="259" r:id="rId17"/>
+    <p:sldId id="266" r:id="rId18"/>
   </p:sldIdLst>
   <p:sldSz cx="9144000" cy="6858000" type="screen4x3"/>
   <p:notesSz cx="6858000" cy="9144000"/>
@@ -540,7 +541,7 @@
           <a:p>
             <a:fld id="{E9D93DAA-1CD3-0747-9B41-F4764BE9B773}" type="slidenum">
               <a:rPr lang="en-US" smtClean="0"/>
-              <a:t>10</a:t>
+              <a:t>11</a:t>
             </a:fld>
             <a:endParaRPr lang="en-US"/>
           </a:p>
@@ -3642,8 +3643,8 @@
           <a:lstStyle/>
           <a:p>
             <a:r>
-              <a:rPr lang="en-US" dirty="0" smtClean="0"/>
-              <a:t>Results</a:t>
+              <a:rPr lang="en-US" dirty="0"/>
+              <a:t>Varying sources-destinations ratio</a:t>
             </a:r>
             <a:endParaRPr lang="en-US" dirty="0"/>
           </a:p>
@@ -3666,14 +3667,316 @@
           <a:p>
             <a:r>
               <a:rPr lang="en-US" dirty="0" smtClean="0"/>
+              <a:t>Setup:</a:t>
+            </a:r>
+            <a:endParaRPr lang="en-US" dirty="0" smtClean="0"/>
+          </a:p>
+          <a:p>
+            <a:pPr lvl="1"/>
+            <a:r>
+              <a:rPr lang="en-US" dirty="0" smtClean="0"/>
+              <a:t>Heuristic 1</a:t>
+            </a:r>
+          </a:p>
+          <a:p>
+            <a:pPr lvl="1"/>
+            <a:r>
+              <a:rPr lang="en-US" dirty="0" smtClean="0"/>
+              <a:t>2048 </a:t>
+            </a:r>
+            <a:r>
+              <a:rPr lang="en-US" dirty="0" smtClean="0"/>
+              <a:t>nodes totals, 64 sources.</a:t>
+            </a:r>
+          </a:p>
+          <a:p>
+            <a:pPr lvl="1"/>
+            <a:r>
+              <a:rPr lang="en-US" dirty="0" smtClean="0"/>
+              <a:t>1 Ranks/node, 8 MB/pair.</a:t>
+            </a:r>
+            <a:endParaRPr lang="en-US" dirty="0"/>
+          </a:p>
+        </p:txBody>
+      </p:sp>
+      <p:pic>
+        <p:nvPicPr>
+          <p:cNvPr id="4" name="Picture 3" descr="incrsize_disjoint.pdf"/>
+          <p:cNvPicPr>
+            <a:picLocks noChangeAspect="1"/>
+          </p:cNvPicPr>
+          <p:nvPr/>
+        </p:nvPicPr>
+        <p:blipFill>
+          <a:blip r:embed="rId2">
+            <a:extLst>
+              <a:ext uri="{28A0092B-C50C-407E-A947-70E740481C1C}">
+                <a14:useLocalDpi xmlns:a14="http://schemas.microsoft.com/office/drawing/2010/main" val="0"/>
+              </a:ext>
+            </a:extLst>
+          </a:blip>
+          <a:stretch>
+            <a:fillRect/>
+          </a:stretch>
+        </p:blipFill>
+        <p:spPr>
+          <a:xfrm>
+            <a:off x="-23961" y="3657425"/>
+            <a:ext cx="3433593" cy="2653231"/>
+          </a:xfrm>
+          <a:prstGeom prst="rect">
+            <a:avLst/>
+          </a:prstGeom>
+        </p:spPr>
+      </p:pic>
+      <p:pic>
+        <p:nvPicPr>
+          <p:cNvPr id="5" name="Picture 4" descr="incrsize_overlap.pdf"/>
+          <p:cNvPicPr>
+            <a:picLocks noChangeAspect="1"/>
+          </p:cNvPicPr>
+          <p:nvPr/>
+        </p:nvPicPr>
+        <p:blipFill>
+          <a:blip r:embed="rId3">
+            <a:extLst>
+              <a:ext uri="{28A0092B-C50C-407E-A947-70E740481C1C}">
+                <a14:useLocalDpi xmlns:a14="http://schemas.microsoft.com/office/drawing/2010/main" val="0"/>
+              </a:ext>
+            </a:extLst>
+          </a:blip>
+          <a:stretch>
+            <a:fillRect/>
+          </a:stretch>
+        </p:blipFill>
+        <p:spPr>
+          <a:xfrm>
+            <a:off x="2998960" y="3835264"/>
+            <a:ext cx="3392279" cy="2621306"/>
+          </a:xfrm>
+          <a:prstGeom prst="rect">
+            <a:avLst/>
+          </a:prstGeom>
+        </p:spPr>
+      </p:pic>
+      <p:pic>
+        <p:nvPicPr>
+          <p:cNvPr id="6" name="Picture 5" descr="incrsize_subset.pdf"/>
+          <p:cNvPicPr>
+            <a:picLocks noChangeAspect="1"/>
+          </p:cNvPicPr>
+          <p:nvPr/>
+        </p:nvPicPr>
+        <p:blipFill>
+          <a:blip r:embed="rId4">
+            <a:extLst>
+              <a:ext uri="{28A0092B-C50C-407E-A947-70E740481C1C}">
+                <a14:useLocalDpi xmlns:a14="http://schemas.microsoft.com/office/drawing/2010/main" val="0"/>
+              </a:ext>
+            </a:extLst>
+          </a:blip>
+          <a:stretch>
+            <a:fillRect/>
+          </a:stretch>
+        </p:blipFill>
+        <p:spPr>
+          <a:xfrm>
+            <a:off x="5986394" y="3851228"/>
+            <a:ext cx="3412935" cy="2637267"/>
+          </a:xfrm>
+          <a:prstGeom prst="rect">
+            <a:avLst/>
+          </a:prstGeom>
+        </p:spPr>
+      </p:pic>
+      <p:sp>
+        <p:nvSpPr>
+          <p:cNvPr id="7" name="TextBox 6"/>
+          <p:cNvSpPr txBox="1"/>
+          <p:nvPr/>
+        </p:nvSpPr>
+        <p:spPr>
+          <a:xfrm>
+            <a:off x="1078231" y="6488668"/>
+            <a:ext cx="902811" cy="369332"/>
+          </a:xfrm>
+          <a:prstGeom prst="rect">
+            <a:avLst/>
+          </a:prstGeom>
+          <a:noFill/>
+        </p:spPr>
+        <p:txBody>
+          <a:bodyPr wrap="none" rtlCol="0">
+            <a:spAutoFit/>
+          </a:bodyPr>
+          <a:lstStyle/>
+          <a:p>
+            <a:r>
+              <a:rPr lang="en-US" dirty="0" smtClean="0"/>
+              <a:t>Disjoint</a:t>
+            </a:r>
+            <a:endParaRPr lang="en-US" dirty="0"/>
+          </a:p>
+        </p:txBody>
+      </p:sp>
+      <p:sp>
+        <p:nvSpPr>
+          <p:cNvPr id="8" name="TextBox 7"/>
+          <p:cNvSpPr txBox="1"/>
+          <p:nvPr/>
+        </p:nvSpPr>
+        <p:spPr>
+          <a:xfrm>
+            <a:off x="4213737" y="6488668"/>
+            <a:ext cx="921910" cy="369332"/>
+          </a:xfrm>
+          <a:prstGeom prst="rect">
+            <a:avLst/>
+          </a:prstGeom>
+          <a:noFill/>
+        </p:spPr>
+        <p:txBody>
+          <a:bodyPr wrap="none" rtlCol="0">
+            <a:spAutoFit/>
+          </a:bodyPr>
+          <a:lstStyle/>
+          <a:p>
+            <a:r>
+              <a:rPr lang="en-US" dirty="0" smtClean="0"/>
+              <a:t>Overlap</a:t>
+            </a:r>
+            <a:endParaRPr lang="en-US" dirty="0"/>
+          </a:p>
+        </p:txBody>
+      </p:sp>
+      <p:sp>
+        <p:nvSpPr>
+          <p:cNvPr id="9" name="TextBox 8"/>
+          <p:cNvSpPr txBox="1"/>
+          <p:nvPr/>
+        </p:nvSpPr>
+        <p:spPr>
+          <a:xfrm>
+            <a:off x="7217460" y="6488668"/>
+            <a:ext cx="815736" cy="369332"/>
+          </a:xfrm>
+          <a:prstGeom prst="rect">
+            <a:avLst/>
+          </a:prstGeom>
+          <a:noFill/>
+        </p:spPr>
+        <p:txBody>
+          <a:bodyPr wrap="none" rtlCol="0">
+            <a:spAutoFit/>
+          </a:bodyPr>
+          <a:lstStyle/>
+          <a:p>
+            <a:r>
+              <a:rPr lang="en-US" dirty="0" smtClean="0"/>
+              <a:t>Subset</a:t>
+            </a:r>
+            <a:endParaRPr lang="en-US" dirty="0"/>
+          </a:p>
+        </p:txBody>
+      </p:sp>
+    </p:spTree>
+    <p:extLst>
+      <p:ext uri="{BB962C8B-B14F-4D97-AF65-F5344CB8AC3E}">
+        <p14:creationId xmlns:p14="http://schemas.microsoft.com/office/powerpoint/2010/main" val="735700975"/>
+      </p:ext>
+    </p:extLst>
+  </p:cSld>
+  <p:clrMapOvr>
+    <a:masterClrMapping/>
+  </p:clrMapOvr>
+  <p:timing>
+    <p:tnLst>
+      <p:par>
+        <p:cTn xmlns:p14="http://schemas.microsoft.com/office/powerpoint/2010/main" id="1" dur="indefinite" restart="never" nodeType="tmRoot"/>
+      </p:par>
+    </p:tnLst>
+  </p:timing>
+</p:sld>
+</file>
+
+<file path=ppt/slides/slide11.xml><?xml version="1.0" encoding="utf-8"?>
+<p:sld xmlns:a="http://schemas.openxmlformats.org/drawingml/2006/main" xmlns:r="http://schemas.openxmlformats.org/officeDocument/2006/relationships" xmlns:p="http://schemas.openxmlformats.org/presentationml/2006/main">
+  <p:cSld>
+    <p:spTree>
+      <p:nvGrpSpPr>
+        <p:cNvPr id="1" name=""/>
+        <p:cNvGrpSpPr/>
+        <p:nvPr/>
+      </p:nvGrpSpPr>
+      <p:grpSpPr>
+        <a:xfrm>
+          <a:off x="0" y="0"/>
+          <a:ext cx="0" cy="0"/>
+          <a:chOff x="0" y="0"/>
+          <a:chExt cx="0" cy="0"/>
+        </a:xfrm>
+      </p:grpSpPr>
+      <p:sp>
+        <p:nvSpPr>
+          <p:cNvPr id="2" name="Title 1"/>
+          <p:cNvSpPr>
+            <a:spLocks noGrp="1"/>
+          </p:cNvSpPr>
+          <p:nvPr>
+            <p:ph type="title"/>
+          </p:nvPr>
+        </p:nvSpPr>
+        <p:spPr/>
+        <p:txBody>
+          <a:bodyPr>
+            <a:normAutofit fontScale="90000"/>
+          </a:bodyPr>
+          <a:lstStyle/>
+          <a:p>
+            <a:r>
+              <a:rPr lang="en-US" dirty="0"/>
               <a:t>Varying sources-destinations distance</a:t>
             </a:r>
           </a:p>
+        </p:txBody>
+      </p:sp>
+      <p:sp>
+        <p:nvSpPr>
+          <p:cNvPr id="3" name="Content Placeholder 2"/>
+          <p:cNvSpPr>
+            <a:spLocks noGrp="1"/>
+          </p:cNvSpPr>
+          <p:nvPr>
+            <p:ph idx="1"/>
+          </p:nvPr>
+        </p:nvSpPr>
+        <p:spPr/>
+        <p:txBody>
+          <a:bodyPr/>
+          <a:lstStyle/>
+          <a:p>
+            <a:r>
+              <a:rPr lang="en-US" dirty="0" smtClean="0"/>
+              <a:t>Set up</a:t>
+            </a:r>
+          </a:p>
           <a:p>
             <a:pPr lvl="1"/>
             <a:r>
               <a:rPr lang="en-US" dirty="0" smtClean="0"/>
-              <a:t>2048 nodes totals, 256 sources.</a:t>
+              <a:t>Heuristic 1</a:t>
+            </a:r>
+            <a:endParaRPr lang="en-US" dirty="0" smtClean="0"/>
+          </a:p>
+          <a:p>
+            <a:pPr lvl="1"/>
+            <a:r>
+              <a:rPr lang="en-US" dirty="0" smtClean="0"/>
+              <a:t>2048 </a:t>
+            </a:r>
+            <a:r>
+              <a:rPr lang="en-US" dirty="0" smtClean="0"/>
+              <a:t>nodes totals, 256 sources.</a:t>
             </a:r>
           </a:p>
           <a:p>
@@ -3707,7 +4010,7 @@
         </p:blipFill>
         <p:spPr>
           <a:xfrm>
-            <a:off x="0" y="3633978"/>
+            <a:off x="0" y="3810348"/>
             <a:ext cx="3225181" cy="2492185"/>
           </a:xfrm>
           <a:prstGeom prst="rect">
@@ -3737,7 +4040,7 @@
         </p:blipFill>
         <p:spPr>
           <a:xfrm>
-            <a:off x="3093397" y="3633978"/>
+            <a:off x="3093397" y="3810348"/>
             <a:ext cx="3225180" cy="2492185"/>
           </a:xfrm>
           <a:prstGeom prst="rect">
@@ -3767,7 +4070,7 @@
         </p:blipFill>
         <p:spPr>
           <a:xfrm>
-            <a:off x="6135154" y="3633978"/>
+            <a:off x="6135154" y="3810348"/>
             <a:ext cx="3225181" cy="2492185"/>
           </a:xfrm>
           <a:prstGeom prst="rect">
@@ -3783,7 +4086,7 @@
         </p:nvSpPr>
         <p:spPr>
           <a:xfrm>
-            <a:off x="1054271" y="6222019"/>
+            <a:off x="1054271" y="6398389"/>
             <a:ext cx="902811" cy="369332"/>
           </a:xfrm>
           <a:prstGeom prst="rect">
@@ -3813,7 +4116,7 @@
         </p:nvSpPr>
         <p:spPr>
           <a:xfrm>
-            <a:off x="4309581" y="6222019"/>
+            <a:off x="4309581" y="6398389"/>
             <a:ext cx="921910" cy="369332"/>
           </a:xfrm>
           <a:prstGeom prst="rect">
@@ -3843,7 +4146,7 @@
         </p:nvSpPr>
         <p:spPr>
           <a:xfrm>
-            <a:off x="7313303" y="6222019"/>
+            <a:off x="7313303" y="6398389"/>
             <a:ext cx="815736" cy="369332"/>
           </a:xfrm>
           <a:prstGeom prst="rect">
@@ -3885,7 +4188,7 @@
 </p:sld>
 </file>
 
-<file path=ppt/slides/slide11.xml><?xml version="1.0" encoding="utf-8"?>
+<file path=ppt/slides/slide12.xml><?xml version="1.0" encoding="utf-8"?>
 <p:sld xmlns:a="http://schemas.openxmlformats.org/drawingml/2006/main" xmlns:r="http://schemas.openxmlformats.org/officeDocument/2006/relationships" xmlns:p="http://schemas.openxmlformats.org/presentationml/2006/main">
   <p:cSld>
     <p:spTree>
@@ -4028,7 +4331,7 @@
 </p:sld>
 </file>
 
-<file path=ppt/slides/slide12.xml><?xml version="1.0" encoding="utf-8"?>
+<file path=ppt/slides/slide13.xml><?xml version="1.0" encoding="utf-8"?>
 <p:sld xmlns:a="http://schemas.openxmlformats.org/drawingml/2006/main" xmlns:r="http://schemas.openxmlformats.org/officeDocument/2006/relationships" xmlns:p="http://schemas.openxmlformats.org/presentationml/2006/main">
   <p:cSld>
     <p:spTree>
@@ -4141,7 +4444,7 @@
 </p:sld>
 </file>
 
-<file path=ppt/slides/slide13.xml><?xml version="1.0" encoding="utf-8"?>
+<file path=ppt/slides/slide14.xml><?xml version="1.0" encoding="utf-8"?>
 <p:sld xmlns:a="http://schemas.openxmlformats.org/drawingml/2006/main" xmlns:r="http://schemas.openxmlformats.org/officeDocument/2006/relationships" xmlns:p="http://schemas.openxmlformats.org/presentationml/2006/main">
   <p:cSld>
     <p:spTree>
@@ -4284,7 +4587,7 @@
 </p:sld>
 </file>
 
-<file path=ppt/slides/slide14.xml><?xml version="1.0" encoding="utf-8"?>
+<file path=ppt/slides/slide15.xml><?xml version="1.0" encoding="utf-8"?>
 <p:sld xmlns:a="http://schemas.openxmlformats.org/drawingml/2006/main" xmlns:r="http://schemas.openxmlformats.org/officeDocument/2006/relationships" xmlns:p="http://schemas.openxmlformats.org/presentationml/2006/main">
   <p:cSld>
     <p:spTree>
@@ -4435,7 +4738,7 @@
 </p:sld>
 </file>
 
-<file path=ppt/slides/slide15.xml><?xml version="1.0" encoding="utf-8"?>
+<file path=ppt/slides/slide16.xml><?xml version="1.0" encoding="utf-8"?>
 <p:sld xmlns:a="http://schemas.openxmlformats.org/drawingml/2006/main" xmlns:r="http://schemas.openxmlformats.org/officeDocument/2006/relationships" xmlns:p="http://schemas.openxmlformats.org/presentationml/2006/main">
   <p:cSld>
     <p:spTree>
@@ -4578,7 +4881,7 @@
 </p:sld>
 </file>
 
-<file path=ppt/slides/slide16.xml><?xml version="1.0" encoding="utf-8"?>
+<file path=ppt/slides/slide17.xml><?xml version="1.0" encoding="utf-8"?>
 <p:sld xmlns:a="http://schemas.openxmlformats.org/drawingml/2006/main" xmlns:r="http://schemas.openxmlformats.org/officeDocument/2006/relationships" xmlns:p="http://schemas.openxmlformats.org/presentationml/2006/main">
   <p:cSld>
     <p:spTree>
@@ -4635,11 +4938,7 @@
           <a:p>
             <a:r>
               <a:rPr lang="en-US" dirty="0" smtClean="0"/>
-              <a:t>Community Earth System Model (CESM</a:t>
-            </a:r>
-            <a:r>
-              <a:rPr lang="en-US" dirty="0" smtClean="0"/>
-              <a:t>)</a:t>
+              <a:t>Community Earth System Model (CESM)</a:t>
             </a:r>
           </a:p>
           <a:p>
@@ -4769,15 +5068,7 @@
             </a:pPr>
             <a:r>
               <a:rPr lang="en-US" sz="1600" dirty="0" smtClean="0"/>
-              <a:t>load[][]: </a:t>
-            </a:r>
-            <a:r>
-              <a:rPr lang="en-US" sz="1600" dirty="0" smtClean="0"/>
-              <a:t>number of </a:t>
-            </a:r>
-            <a:r>
-              <a:rPr lang="en-US" sz="1600" dirty="0" smtClean="0"/>
-              <a:t>paths on all physical links.</a:t>
+              <a:t>load[][]: number of paths on all physical links.</a:t>
             </a:r>
           </a:p>
           <a:p>
@@ -4790,24 +5081,16 @@
             </a:r>
             <a:r>
               <a:rPr lang="en-US" sz="1600" dirty="0" smtClean="0"/>
-              <a:t> (of path): maximum value of loads allowed on </a:t>
-            </a:r>
+              <a:t> (of path): maximum value of loads allowed on links.</a:t>
+            </a:r>
+          </a:p>
+          <a:p>
+            <a:pPr marL="0" indent="0">
+              <a:buNone/>
+            </a:pPr>
             <a:r>
               <a:rPr lang="en-US" sz="1600" dirty="0" smtClean="0"/>
-              <a:t>links.</a:t>
-            </a:r>
-          </a:p>
-          <a:p>
-            <a:pPr marL="0" indent="0">
-              <a:buNone/>
-            </a:pPr>
-            <a:r>
-              <a:rPr lang="en-US" sz="1600" dirty="0" smtClean="0"/>
-              <a:t>Set </a:t>
-            </a:r>
-            <a:r>
-              <a:rPr lang="en-US" sz="1600" dirty="0" smtClean="0"/>
-              <a:t>of pairs: </a:t>
+              <a:t>Set of pairs: </a:t>
             </a:r>
             <a:r>
               <a:rPr lang="en-US" sz="1600" i="1" dirty="0" smtClean="0"/>
@@ -4823,19 +5106,7 @@
             </a:r>
             <a:r>
               <a:rPr lang="en-US" sz="1600" dirty="0" smtClean="0"/>
-              <a:t> has </a:t>
-            </a:r>
-            <a:r>
-              <a:rPr lang="en-US" sz="1600" dirty="0" smtClean="0"/>
-              <a:t>input:</a:t>
-            </a:r>
-            <a:r>
-              <a:rPr lang="en-US" sz="1600" dirty="0" smtClean="0"/>
-              <a:t> </a:t>
-            </a:r>
-            <a:r>
-              <a:rPr lang="en-US" sz="1600" dirty="0" smtClean="0"/>
-              <a:t>k shortest paths </a:t>
+              <a:t> has input: k shortest paths </a:t>
             </a:r>
             <a:r>
               <a:rPr lang="en-US" sz="1600" i="1" dirty="0" err="1" smtClean="0"/>
@@ -4847,11 +5118,7 @@
             </a:r>
             <a:r>
               <a:rPr lang="en-US" sz="1600" dirty="0" smtClean="0"/>
-              <a:t>and </a:t>
-            </a:r>
-            <a:r>
-              <a:rPr lang="en-US" sz="1600" dirty="0" smtClean="0"/>
-              <a:t>output: </a:t>
+              <a:t>and output: </a:t>
             </a:r>
             <a:r>
               <a:rPr lang="en-US" sz="1600" i="1" dirty="0" err="1" smtClean="0"/>
@@ -4859,12 +5126,202 @@
             </a:r>
             <a:r>
               <a:rPr lang="en-US" sz="1600" dirty="0" smtClean="0"/>
-              <a:t> as selected paths</a:t>
+              <a:t> as selected paths.</a:t>
+            </a:r>
+          </a:p>
+          <a:p>
+            <a:pPr marL="0" indent="0">
+              <a:buNone/>
+            </a:pPr>
+            <a:r>
+              <a:rPr lang="en-US" sz="1600" dirty="0" smtClean="0"/>
+              <a:t>While (exists pair in </a:t>
+            </a:r>
+            <a:r>
+              <a:rPr lang="en-US" sz="1600" i="1" dirty="0" smtClean="0"/>
+              <a:t>P</a:t>
+            </a:r>
+            <a:r>
+              <a:rPr lang="en-US" sz="1600" dirty="0" smtClean="0"/>
+              <a:t> with no paths) {</a:t>
+            </a:r>
+          </a:p>
+          <a:p>
+            <a:pPr marL="0" indent="0">
+              <a:buNone/>
+            </a:pPr>
+            <a:r>
+              <a:rPr lang="en-US" sz="1600" dirty="0" smtClean="0"/>
+              <a:t>	Iterate through all pairs in </a:t>
+            </a:r>
+            <a:r>
+              <a:rPr lang="en-US" sz="1600" i="1" dirty="0" smtClean="0"/>
+              <a:t>P</a:t>
             </a:r>
             <a:r>
               <a:rPr lang="en-US" sz="1600" dirty="0" smtClean="0"/>
               <a:t>.</a:t>
             </a:r>
+          </a:p>
+          <a:p>
+            <a:pPr marL="0" indent="0">
+              <a:buNone/>
+            </a:pPr>
+            <a:r>
+              <a:rPr lang="en-US" sz="1600" dirty="0"/>
+              <a:t>	</a:t>
+            </a:r>
+            <a:r>
+              <a:rPr lang="en-US" sz="1600" dirty="0" smtClean="0"/>
+              <a:t>For each pair </a:t>
+            </a:r>
+            <a:r>
+              <a:rPr lang="en-US" sz="1600" i="1" dirty="0" smtClean="0"/>
+              <a:t>SD</a:t>
+            </a:r>
+            <a:r>
+              <a:rPr lang="en-US" sz="1600" dirty="0" smtClean="0"/>
+              <a:t> {</a:t>
+            </a:r>
+          </a:p>
+          <a:p>
+            <a:pPr marL="0" indent="0">
+              <a:buNone/>
+            </a:pPr>
+            <a:r>
+              <a:rPr lang="en-US" sz="1600" dirty="0"/>
+              <a:t>	</a:t>
+            </a:r>
+            <a:r>
+              <a:rPr lang="en-US" sz="1600" dirty="0" smtClean="0"/>
+              <a:t>	Iterate through </a:t>
+            </a:r>
+            <a:r>
+              <a:rPr lang="en-US" sz="1600" i="1" dirty="0" err="1" smtClean="0"/>
+              <a:t>k_paths</a:t>
+            </a:r>
+            <a:r>
+              <a:rPr lang="en-US" sz="1600" i="1" dirty="0" smtClean="0"/>
+              <a:t> {</a:t>
+            </a:r>
+          </a:p>
+          <a:p>
+            <a:pPr marL="0" indent="0">
+              <a:buNone/>
+            </a:pPr>
+            <a:r>
+              <a:rPr lang="en-US" sz="1600" dirty="0"/>
+              <a:t>			Remove </a:t>
+            </a:r>
+            <a:r>
+              <a:rPr lang="en-US" sz="1600" i="1" dirty="0"/>
+              <a:t>p</a:t>
+            </a:r>
+            <a:r>
+              <a:rPr lang="en-US" sz="1600" dirty="0"/>
+              <a:t> from </a:t>
+            </a:r>
+            <a:r>
+              <a:rPr lang="en-US" sz="1600" i="1" dirty="0" err="1"/>
+              <a:t>k_paths</a:t>
+            </a:r>
+            <a:r>
+              <a:rPr lang="en-US" sz="1600" dirty="0"/>
+              <a:t>.</a:t>
+            </a:r>
+          </a:p>
+          <a:p>
+            <a:pPr marL="0" indent="0">
+              <a:buNone/>
+            </a:pPr>
+            <a:r>
+              <a:rPr lang="en-US" sz="1600" dirty="0"/>
+              <a:t>	</a:t>
+            </a:r>
+            <a:r>
+              <a:rPr lang="en-US" sz="1600" dirty="0" smtClean="0"/>
+              <a:t>		Check if adding a path </a:t>
+            </a:r>
+            <a:r>
+              <a:rPr lang="en-US" sz="1600" i="1" dirty="0" smtClean="0"/>
+              <a:t>p</a:t>
+            </a:r>
+            <a:r>
+              <a:rPr lang="en-US" sz="1600" dirty="0" smtClean="0"/>
+              <a:t>, the maximum load of load[][] is not over </a:t>
+            </a:r>
+            <a:r>
+              <a:rPr lang="en-US" sz="1600" i="1" dirty="0" err="1" smtClean="0"/>
+              <a:t>maxload</a:t>
+            </a:r>
+            <a:r>
+              <a:rPr lang="en-US" sz="1600" dirty="0" smtClean="0"/>
+              <a:t> value.</a:t>
+            </a:r>
+          </a:p>
+          <a:p>
+            <a:pPr marL="0" indent="0">
+              <a:buNone/>
+            </a:pPr>
+            <a:r>
+              <a:rPr lang="en-US" sz="1600" dirty="0"/>
+              <a:t>	</a:t>
+            </a:r>
+            <a:r>
+              <a:rPr lang="en-US" sz="1600" dirty="0" smtClean="0"/>
+              <a:t>			If so, add </a:t>
+            </a:r>
+            <a:r>
+              <a:rPr lang="en-US" sz="1600" i="1" dirty="0" smtClean="0"/>
+              <a:t>p</a:t>
+            </a:r>
+            <a:r>
+              <a:rPr lang="en-US" sz="1600" dirty="0" smtClean="0"/>
+              <a:t> to </a:t>
+            </a:r>
+            <a:r>
+              <a:rPr lang="en-US" sz="1600" i="1" dirty="0" err="1" smtClean="0"/>
+              <a:t>paths_out</a:t>
+            </a:r>
+            <a:r>
+              <a:rPr lang="en-US" sz="1600" dirty="0" smtClean="0"/>
+              <a:t>.</a:t>
+            </a:r>
+          </a:p>
+          <a:p>
+            <a:pPr marL="0" indent="0">
+              <a:buNone/>
+            </a:pPr>
+            <a:r>
+              <a:rPr lang="en-US" sz="1600" dirty="0"/>
+              <a:t>	</a:t>
+            </a:r>
+            <a:r>
+              <a:rPr lang="en-US" sz="1600" dirty="0" smtClean="0"/>
+              <a:t>			Go to next pair.</a:t>
+            </a:r>
+          </a:p>
+          <a:p>
+            <a:pPr marL="0" indent="0">
+              <a:buNone/>
+            </a:pPr>
+            <a:r>
+              <a:rPr lang="en-US" sz="1600" dirty="0"/>
+              <a:t>	</a:t>
+            </a:r>
+            <a:r>
+              <a:rPr lang="en-US" sz="1600" dirty="0" smtClean="0"/>
+              <a:t>	}</a:t>
+            </a:r>
+          </a:p>
+          <a:p>
+            <a:pPr marL="0" indent="0">
+              <a:buNone/>
+            </a:pPr>
+            <a:r>
+              <a:rPr lang="en-US" sz="1600" dirty="0"/>
+              <a:t>	}</a:t>
+            </a:r>
             <a:endParaRPr lang="en-US" sz="1600" dirty="0" smtClean="0"/>
           </a:p>
           <a:p>
@@ -4873,15 +5330,7 @@
             </a:pPr>
             <a:r>
               <a:rPr lang="en-US" sz="1600" dirty="0" smtClean="0"/>
-              <a:t>While (</a:t>
-            </a:r>
-            <a:r>
-              <a:rPr lang="en-US" sz="1600" dirty="0" smtClean="0"/>
-              <a:t>exists </a:t>
-            </a:r>
-            <a:r>
-              <a:rPr lang="en-US" sz="1600" dirty="0" smtClean="0"/>
-              <a:t>pair in </a:t>
+              <a:t>	If (all pairs in </a:t>
             </a:r>
             <a:r>
               <a:rPr lang="en-US" sz="1600" i="1" dirty="0" smtClean="0"/>
@@ -4889,29 +5338,15 @@
             </a:r>
             <a:r>
               <a:rPr lang="en-US" sz="1600" dirty="0" smtClean="0"/>
-              <a:t> with no paths</a:t>
+              <a:t>: </a:t>
+            </a:r>
+            <a:r>
+              <a:rPr lang="en-US" sz="1600" i="1" dirty="0" err="1" smtClean="0"/>
+              <a:t>k_paths</a:t>
             </a:r>
             <a:r>
               <a:rPr lang="en-US" sz="1600" dirty="0" smtClean="0"/>
-              <a:t>) {</a:t>
-            </a:r>
-            <a:endParaRPr lang="en-US" sz="1600" dirty="0" smtClean="0"/>
-          </a:p>
-          <a:p>
-            <a:pPr marL="0" indent="0">
-              <a:buNone/>
-            </a:pPr>
-            <a:r>
-              <a:rPr lang="en-US" sz="1600" dirty="0" smtClean="0"/>
-              <a:t>	Iterate through all pairs in </a:t>
-            </a:r>
-            <a:r>
-              <a:rPr lang="en-US" sz="1600" i="1" dirty="0" smtClean="0"/>
-              <a:t>P</a:t>
-            </a:r>
-            <a:r>
-              <a:rPr lang="en-US" sz="1600" dirty="0" smtClean="0"/>
-              <a:t>.</a:t>
+              <a:t> = empty) {</a:t>
             </a:r>
           </a:p>
           <a:p>
@@ -4924,17 +5359,8 @@
             </a:r>
             <a:r>
               <a:rPr lang="en-US" sz="1600" dirty="0" smtClean="0"/>
-              <a:t>For each pair </a:t>
-            </a:r>
-            <a:r>
-              <a:rPr lang="en-US" sz="1600" i="1" dirty="0" smtClean="0"/>
-              <a:t>SD</a:t>
-            </a:r>
-            <a:r>
-              <a:rPr lang="en-US" sz="1600" dirty="0" smtClean="0"/>
-              <a:t> {</a:t>
-            </a:r>
-            <a:endParaRPr lang="en-US" sz="1600" dirty="0" smtClean="0"/>
+              <a:t>	Remove pairs that have at at least 1 paths.</a:t>
+            </a:r>
           </a:p>
           <a:p>
             <a:pPr marL="0" indent="0">
@@ -4946,41 +5372,23 @@
             </a:r>
             <a:r>
               <a:rPr lang="en-US" sz="1600" dirty="0" smtClean="0"/>
-              <a:t>	Iterate through </a:t>
+              <a:t>	</a:t>
             </a:r>
             <a:r>
               <a:rPr lang="en-US" sz="1600" i="1" dirty="0" err="1" smtClean="0"/>
-              <a:t>k_paths</a:t>
-            </a:r>
-            <a:r>
-              <a:rPr lang="en-US" sz="1600" i="1" dirty="0" smtClean="0"/>
-              <a:t> {</a:t>
-            </a:r>
-            <a:endParaRPr lang="en-US" sz="1600" i="1" dirty="0" smtClean="0"/>
-          </a:p>
-          <a:p>
-            <a:pPr marL="0" indent="0">
-              <a:buNone/>
-            </a:pPr>
-            <a:r>
-              <a:rPr lang="en-US" sz="1600" dirty="0"/>
-              <a:t>			Remove </a:t>
-            </a:r>
-            <a:r>
-              <a:rPr lang="en-US" sz="1600" i="1" dirty="0"/>
-              <a:t>p</a:t>
-            </a:r>
-            <a:r>
-              <a:rPr lang="en-US" sz="1600" dirty="0"/>
-              <a:t> from </a:t>
-            </a:r>
-            <a:r>
-              <a:rPr lang="en-US" sz="1600" i="1" dirty="0" err="1"/>
-              <a:t>k_paths</a:t>
-            </a:r>
-            <a:r>
-              <a:rPr lang="en-US" sz="1600" dirty="0"/>
-              <a:t>.</a:t>
+              <a:t>maxload</a:t>
+            </a:r>
+            <a:r>
+              <a:rPr lang="en-US" sz="1600" dirty="0" smtClean="0"/>
+              <a:t> = </a:t>
+            </a:r>
+            <a:r>
+              <a:rPr lang="en-US" sz="1600" i="1" dirty="0" err="1" smtClean="0"/>
+              <a:t>maxload</a:t>
+            </a:r>
+            <a:r>
+              <a:rPr lang="en-US" sz="1600" dirty="0" smtClean="0"/>
+              <a:t> + 1</a:t>
             </a:r>
           </a:p>
           <a:p>
@@ -4993,208 +5401,17 @@
             </a:r>
             <a:r>
               <a:rPr lang="en-US" sz="1600" dirty="0" smtClean="0"/>
-              <a:t>		Check </a:t>
-            </a:r>
-            <a:r>
-              <a:rPr lang="en-US" sz="1600" dirty="0" smtClean="0"/>
-              <a:t>if adding </a:t>
-            </a:r>
-            <a:r>
-              <a:rPr lang="en-US" sz="1600" dirty="0" smtClean="0"/>
-              <a:t>a path </a:t>
-            </a:r>
-            <a:r>
-              <a:rPr lang="en-US" sz="1600" i="1" dirty="0" smtClean="0"/>
-              <a:t>p</a:t>
-            </a:r>
-            <a:r>
-              <a:rPr lang="en-US" sz="1600" dirty="0" smtClean="0"/>
-              <a:t>, the maximum load of load[][] is not </a:t>
-            </a:r>
-            <a:r>
-              <a:rPr lang="en-US" sz="1600" dirty="0" smtClean="0"/>
-              <a:t>over </a:t>
-            </a:r>
-            <a:r>
-              <a:rPr lang="en-US" sz="1600" i="1" dirty="0" err="1" smtClean="0"/>
-              <a:t>maxload</a:t>
-            </a:r>
-            <a:r>
-              <a:rPr lang="en-US" sz="1600" dirty="0" smtClean="0"/>
-              <a:t> value.</a:t>
+              <a:t>}</a:t>
             </a:r>
           </a:p>
           <a:p>
             <a:pPr marL="0" indent="0">
               <a:buNone/>
             </a:pPr>
-            <a:r>
-              <a:rPr lang="en-US" sz="1600" dirty="0"/>
-              <a:t>	</a:t>
-            </a:r>
-            <a:r>
-              <a:rPr lang="en-US" sz="1600" dirty="0" smtClean="0"/>
-              <a:t>		</a:t>
-            </a:r>
-            <a:r>
-              <a:rPr lang="en-US" sz="1600" dirty="0" smtClean="0"/>
-              <a:t>	If </a:t>
-            </a:r>
-            <a:r>
-              <a:rPr lang="en-US" sz="1600" dirty="0" smtClean="0"/>
-              <a:t>so, add </a:t>
-            </a:r>
-            <a:r>
-              <a:rPr lang="en-US" sz="1600" i="1" dirty="0" smtClean="0"/>
-              <a:t>p</a:t>
-            </a:r>
-            <a:r>
-              <a:rPr lang="en-US" sz="1600" dirty="0" smtClean="0"/>
-              <a:t> to </a:t>
-            </a:r>
-            <a:r>
-              <a:rPr lang="en-US" sz="1600" i="1" dirty="0" err="1" smtClean="0"/>
-              <a:t>paths_out</a:t>
-            </a:r>
-            <a:r>
-              <a:rPr lang="en-US" sz="1600" dirty="0" smtClean="0"/>
-              <a:t>.</a:t>
-            </a:r>
-          </a:p>
-          <a:p>
-            <a:pPr marL="0" indent="0">
-              <a:buNone/>
-            </a:pPr>
-            <a:r>
-              <a:rPr lang="en-US" sz="1600" dirty="0"/>
-              <a:t>	</a:t>
-            </a:r>
-            <a:r>
-              <a:rPr lang="en-US" sz="1600" dirty="0" smtClean="0"/>
-              <a:t>			Go to next pair.</a:t>
-            </a:r>
-          </a:p>
-          <a:p>
-            <a:pPr marL="0" indent="0">
-              <a:buNone/>
-            </a:pPr>
-            <a:r>
-              <a:rPr lang="en-US" sz="1600" dirty="0"/>
-              <a:t>	</a:t>
-            </a:r>
-            <a:r>
-              <a:rPr lang="en-US" sz="1600" dirty="0" smtClean="0"/>
-              <a:t>	}</a:t>
-            </a:r>
-          </a:p>
-          <a:p>
-            <a:pPr marL="0" indent="0">
-              <a:buNone/>
-            </a:pPr>
-            <a:r>
-              <a:rPr lang="en-US" sz="1600" dirty="0"/>
-              <a:t>	</a:t>
-            </a:r>
-            <a:r>
-              <a:rPr lang="en-US" sz="1600" dirty="0"/>
-              <a:t>}</a:t>
-            </a:r>
-            <a:endParaRPr lang="en-US" sz="1600" dirty="0" smtClean="0"/>
-          </a:p>
-          <a:p>
-            <a:pPr marL="0" indent="0">
-              <a:buNone/>
-            </a:pPr>
-            <a:r>
-              <a:rPr lang="en-US" sz="1600" dirty="0" smtClean="0"/>
-              <a:t>	If (all pairs in </a:t>
-            </a:r>
-            <a:r>
-              <a:rPr lang="en-US" sz="1600" i="1" dirty="0" smtClean="0"/>
-              <a:t>P</a:t>
-            </a:r>
-            <a:r>
-              <a:rPr lang="en-US" sz="1600" dirty="0" smtClean="0"/>
-              <a:t>: </a:t>
-            </a:r>
-            <a:r>
-              <a:rPr lang="en-US" sz="1600" i="1" dirty="0" err="1" smtClean="0"/>
-              <a:t>k_paths</a:t>
-            </a:r>
-            <a:r>
-              <a:rPr lang="en-US" sz="1600" dirty="0" smtClean="0"/>
-              <a:t> = empty) </a:t>
-            </a:r>
-            <a:r>
-              <a:rPr lang="en-US" sz="1600" dirty="0" smtClean="0"/>
-              <a:t>{</a:t>
-            </a:r>
-            <a:endParaRPr lang="en-US" sz="1600" dirty="0" smtClean="0"/>
-          </a:p>
-          <a:p>
-            <a:pPr marL="0" indent="0">
-              <a:buNone/>
-            </a:pPr>
-            <a:r>
-              <a:rPr lang="en-US" sz="1600" dirty="0"/>
-              <a:t>	</a:t>
-            </a:r>
-            <a:r>
-              <a:rPr lang="en-US" sz="1600" dirty="0" smtClean="0"/>
-              <a:t>	Remove pairs that have at at least 1 paths.</a:t>
-            </a:r>
-          </a:p>
-          <a:p>
-            <a:pPr marL="0" indent="0">
-              <a:buNone/>
-            </a:pPr>
-            <a:r>
-              <a:rPr lang="en-US" sz="1600" dirty="0"/>
-              <a:t>	</a:t>
-            </a:r>
-            <a:r>
-              <a:rPr lang="en-US" sz="1600" dirty="0" smtClean="0"/>
-              <a:t>	</a:t>
-            </a:r>
-            <a:r>
-              <a:rPr lang="en-US" sz="1600" i="1" dirty="0" err="1" smtClean="0"/>
-              <a:t>maxload</a:t>
-            </a:r>
-            <a:r>
-              <a:rPr lang="en-US" sz="1600" dirty="0" smtClean="0"/>
-              <a:t> = </a:t>
-            </a:r>
-            <a:r>
-              <a:rPr lang="en-US" sz="1600" i="1" dirty="0" err="1" smtClean="0"/>
-              <a:t>maxload</a:t>
-            </a:r>
-            <a:r>
-              <a:rPr lang="en-US" sz="1600" dirty="0" smtClean="0"/>
-              <a:t> + 1</a:t>
-            </a:r>
-          </a:p>
-          <a:p>
-            <a:pPr marL="0" indent="0">
-              <a:buNone/>
-            </a:pPr>
-            <a:r>
-              <a:rPr lang="en-US" sz="1600" dirty="0"/>
-              <a:t>	</a:t>
-            </a:r>
             <a:r>
               <a:rPr lang="en-US" sz="1600" dirty="0" smtClean="0"/>
               <a:t>}</a:t>
             </a:r>
-          </a:p>
-          <a:p>
-            <a:pPr marL="0" indent="0">
-              <a:buNone/>
-            </a:pPr>
-            <a:r>
-              <a:rPr lang="en-US" sz="1600" dirty="0" smtClean="0"/>
-              <a:t>}</a:t>
-            </a:r>
-            <a:endParaRPr lang="en-US" sz="1600" dirty="0" smtClean="0"/>
           </a:p>
         </p:txBody>
       </p:sp>
@@ -5276,7 +5493,7 @@
         </p:spPr>
         <p:txBody>
           <a:bodyPr>
-            <a:normAutofit fontScale="70000" lnSpcReduction="20000"/>
+            <a:normAutofit fontScale="55000" lnSpcReduction="20000"/>
           </a:bodyPr>
           <a:lstStyle/>
           <a:p>
@@ -5478,6 +5695,56 @@
             <a:r>
               <a:rPr lang="en-US" dirty="0" smtClean="0"/>
               <a:t>}</a:t>
+            </a:r>
+          </a:p>
+          <a:p>
+            <a:pPr>
+              <a:buFontTx/>
+              <a:buChar char="-"/>
+            </a:pPr>
+            <a:r>
+              <a:rPr lang="en-US" dirty="0" smtClean="0"/>
+              <a:t>Heu</a:t>
+            </a:r>
+            <a:r>
+              <a:rPr lang="en-US" dirty="0" smtClean="0"/>
+              <a:t>ristic 1 vs. Heuristic 2: </a:t>
+            </a:r>
+          </a:p>
+          <a:p>
+            <a:pPr lvl="1">
+              <a:buFontTx/>
+              <a:buChar char="-"/>
+            </a:pPr>
+            <a:r>
+              <a:rPr lang="en-US" dirty="0" smtClean="0"/>
+              <a:t>Load on Heuristic 1 is number of paths, Load on Heuristic 2 is amount of data.</a:t>
+            </a:r>
+          </a:p>
+          <a:p>
+            <a:pPr lvl="1">
+              <a:buFontTx/>
+              <a:buChar char="-"/>
+            </a:pPr>
+            <a:r>
+              <a:rPr lang="en-US" dirty="0" smtClean="0"/>
+              <a:t>In Heuristic 1, there is a given </a:t>
+            </a:r>
+            <a:r>
+              <a:rPr lang="en-US" i="1" dirty="0" err="1" smtClean="0"/>
+              <a:t>maxload</a:t>
+            </a:r>
+            <a:r>
+              <a:rPr lang="en-US" dirty="0" smtClean="0"/>
+              <a:t> values Maximum value of load on links is not over this value. No such </a:t>
+            </a:r>
+            <a:r>
+              <a:rPr lang="en-US" i="1" dirty="0" err="1" smtClean="0"/>
+              <a:t>maxload</a:t>
+            </a:r>
+            <a:r>
+              <a:rPr lang="en-US" dirty="0" smtClean="0"/>
+              <a:t> value is in Heuristic 2.</a:t>
             </a:r>
           </a:p>
         </p:txBody>
@@ -5536,23 +5803,58 @@
           <a:p>
             <a:r>
               <a:rPr lang="en-US" dirty="0" smtClean="0"/>
-              <a:t>Patterns</a:t>
+              <a:t>Optimization Model</a:t>
             </a:r>
             <a:endParaRPr lang="en-US" dirty="0"/>
+          </a:p>
+        </p:txBody>
+      </p:sp>
+      <p:sp>
+        <p:nvSpPr>
+          <p:cNvPr id="3" name="Content Placeholder 2"/>
+          <p:cNvSpPr>
+            <a:spLocks noGrp="1"/>
+          </p:cNvSpPr>
+          <p:nvPr>
+            <p:ph idx="1"/>
+          </p:nvPr>
+        </p:nvSpPr>
+        <p:spPr/>
+        <p:txBody>
+          <a:bodyPr/>
+          <a:lstStyle/>
+          <a:p>
+            <a:r>
+              <a:rPr lang="en-US" dirty="0" smtClean="0"/>
+              <a:t>Total flows of a job:</a:t>
+            </a:r>
+          </a:p>
+          <a:p>
+            <a:endParaRPr lang="en-US" dirty="0"/>
+          </a:p>
+          <a:p>
+            <a:endParaRPr lang="en-US" dirty="0" smtClean="0"/>
+          </a:p>
+          <a:p>
+            <a:endParaRPr lang="en-US" dirty="0"/>
+          </a:p>
+          <a:p>
+            <a:r>
+              <a:rPr lang="en-US" dirty="0" smtClean="0"/>
+              <a:t>Link capacity:</a:t>
+            </a:r>
           </a:p>
         </p:txBody>
       </p:sp>
       <p:pic>
         <p:nvPicPr>
-          <p:cNvPr id="4" name="Content Placeholder 3" descr="patterns.pdf"/>
+          <p:cNvPr id="4" name="Picture 3" descr="Screen Shot 2015-06-19 at 11.48.02 AM.png"/>
           <p:cNvPicPr>
-            <a:picLocks noGrp="1" noChangeAspect="1"/>
+            <a:picLocks noChangeAspect="1"/>
           </p:cNvPicPr>
-          <p:nvPr>
-            <p:ph idx="1"/>
-          </p:nvPr>
+          <p:nvPr/>
         </p:nvPicPr>
-        <p:blipFill rotWithShape="1">
+        <p:blipFill>
           <a:blip r:embed="rId2">
             <a:extLst>
               <a:ext uri="{28A0092B-C50C-407E-A947-70E740481C1C}">
@@ -5560,14 +5862,175 @@
               </a:ext>
             </a:extLst>
           </a:blip>
-          <a:srcRect l="-57058" t="-173148" r="-39773" b="-97579"/>
-          <a:stretch/>
+          <a:stretch>
+            <a:fillRect/>
+          </a:stretch>
         </p:blipFill>
         <p:spPr>
           <a:xfrm>
-            <a:off x="-2010752" y="-487850"/>
-            <a:ext cx="12026322" cy="6614014"/>
+            <a:off x="970540" y="4479048"/>
+            <a:ext cx="7502339" cy="1484729"/>
           </a:xfrm>
+          <a:prstGeom prst="rect">
+            <a:avLst/>
+          </a:prstGeom>
+        </p:spPr>
+      </p:pic>
+      <p:pic>
+        <p:nvPicPr>
+          <p:cNvPr id="5" name="Picture 4" descr="Screen Shot 2015-06-19 at 11.47.52 AM.png"/>
+          <p:cNvPicPr>
+            <a:picLocks noChangeAspect="1"/>
+          </p:cNvPicPr>
+          <p:nvPr/>
+        </p:nvPicPr>
+        <p:blipFill>
+          <a:blip r:embed="rId3">
+            <a:extLst>
+              <a:ext uri="{28A0092B-C50C-407E-A947-70E740481C1C}">
+                <a14:useLocalDpi xmlns:a14="http://schemas.microsoft.com/office/drawing/2010/main" val="0"/>
+              </a:ext>
+            </a:extLst>
+          </a:blip>
+          <a:stretch>
+            <a:fillRect/>
+          </a:stretch>
+        </p:blipFill>
+        <p:spPr>
+          <a:xfrm>
+            <a:off x="1104765" y="2281443"/>
+            <a:ext cx="7688187" cy="1503492"/>
+          </a:xfrm>
+          <a:prstGeom prst="rect">
+            <a:avLst/>
+          </a:prstGeom>
+        </p:spPr>
+      </p:pic>
+    </p:spTree>
+    <p:extLst>
+      <p:ext uri="{BB962C8B-B14F-4D97-AF65-F5344CB8AC3E}">
+        <p14:creationId xmlns:p14="http://schemas.microsoft.com/office/powerpoint/2010/main" val="127859053"/>
+      </p:ext>
+    </p:extLst>
+  </p:cSld>
+  <p:clrMapOvr>
+    <a:masterClrMapping/>
+  </p:clrMapOvr>
+</p:sld>
+</file>
+
+<file path=ppt/slides/slide5.xml><?xml version="1.0" encoding="utf-8"?>
+<p:sld xmlns:a="http://schemas.openxmlformats.org/drawingml/2006/main" xmlns:r="http://schemas.openxmlformats.org/officeDocument/2006/relationships" xmlns:p="http://schemas.openxmlformats.org/presentationml/2006/main">
+  <p:cSld>
+    <p:spTree>
+      <p:nvGrpSpPr>
+        <p:cNvPr id="1" name=""/>
+        <p:cNvGrpSpPr/>
+        <p:nvPr/>
+      </p:nvGrpSpPr>
+      <p:grpSpPr>
+        <a:xfrm>
+          <a:off x="0" y="0"/>
+          <a:ext cx="0" cy="0"/>
+          <a:chOff x="0" y="0"/>
+          <a:chExt cx="0" cy="0"/>
+        </a:xfrm>
+      </p:grpSpPr>
+      <p:sp>
+        <p:nvSpPr>
+          <p:cNvPr id="2" name="Title 1"/>
+          <p:cNvSpPr>
+            <a:spLocks noGrp="1"/>
+          </p:cNvSpPr>
+          <p:nvPr>
+            <p:ph type="title"/>
+          </p:nvPr>
+        </p:nvSpPr>
+        <p:spPr/>
+        <p:txBody>
+          <a:bodyPr/>
+          <a:lstStyle/>
+          <a:p>
+            <a:r>
+              <a:rPr lang="en-US" dirty="0" smtClean="0"/>
+              <a:t>Experiments and Results</a:t>
+            </a:r>
+            <a:endParaRPr lang="en-US" dirty="0"/>
+          </a:p>
+        </p:txBody>
+      </p:sp>
+      <p:sp>
+        <p:nvSpPr>
+          <p:cNvPr id="3" name="Content Placeholder 2"/>
+          <p:cNvSpPr>
+            <a:spLocks noGrp="1"/>
+          </p:cNvSpPr>
+          <p:nvPr>
+            <p:ph idx="1"/>
+          </p:nvPr>
+        </p:nvSpPr>
+        <p:spPr/>
+        <p:txBody>
+          <a:bodyPr/>
+          <a:lstStyle/>
+          <a:p>
+            <a:r>
+              <a:rPr lang="en-US" dirty="0" smtClean="0"/>
+              <a:t>Patterns</a:t>
+            </a:r>
+          </a:p>
+          <a:p>
+            <a:endParaRPr lang="en-US" dirty="0"/>
+          </a:p>
+          <a:p>
+            <a:endParaRPr lang="en-US" dirty="0" smtClean="0"/>
+          </a:p>
+          <a:p>
+            <a:endParaRPr lang="en-US" dirty="0"/>
+          </a:p>
+          <a:p>
+            <a:pPr marL="0" indent="0">
+              <a:buNone/>
+            </a:pPr>
+            <a:endParaRPr lang="en-US" dirty="0"/>
+          </a:p>
+          <a:p>
+            <a:r>
+              <a:rPr lang="en-US" dirty="0" smtClean="0"/>
+              <a:t>Most of the experiments used Heuristic 1.</a:t>
+            </a:r>
+            <a:endParaRPr lang="en-US" dirty="0"/>
+          </a:p>
+        </p:txBody>
+      </p:sp>
+      <p:pic>
+        <p:nvPicPr>
+          <p:cNvPr id="5" name="Picture 4" descr="patterns.pdf"/>
+          <p:cNvPicPr>
+            <a:picLocks noChangeAspect="1"/>
+          </p:cNvPicPr>
+          <p:nvPr/>
+        </p:nvPicPr>
+        <p:blipFill>
+          <a:blip r:embed="rId2">
+            <a:extLst>
+              <a:ext uri="{28A0092B-C50C-407E-A947-70E740481C1C}">
+                <a14:useLocalDpi xmlns:a14="http://schemas.microsoft.com/office/drawing/2010/main" val="0"/>
+              </a:ext>
+            </a:extLst>
+          </a:blip>
+          <a:stretch>
+            <a:fillRect/>
+          </a:stretch>
+        </p:blipFill>
+        <p:spPr>
+          <a:xfrm>
+            <a:off x="1465247" y="2312142"/>
+            <a:ext cx="5791200" cy="1917700"/>
+          </a:xfrm>
+          <a:prstGeom prst="rect">
+            <a:avLst/>
+          </a:prstGeom>
         </p:spPr>
       </p:pic>
     </p:spTree>
@@ -5590,7 +6053,7 @@
 </p:sld>
 </file>
 
-<file path=ppt/slides/slide5.xml><?xml version="1.0" encoding="utf-8"?>
+<file path=ppt/slides/slide6.xml><?xml version="1.0" encoding="utf-8"?>
 <p:sld xmlns:a="http://schemas.openxmlformats.org/drawingml/2006/main" xmlns:r="http://schemas.openxmlformats.org/officeDocument/2006/relationships" xmlns:p="http://schemas.openxmlformats.org/presentationml/2006/main">
   <p:cSld>
     <p:spTree>
@@ -5703,7 +6166,7 @@
 </p:sld>
 </file>
 
-<file path=ppt/slides/slide6.xml><?xml version="1.0" encoding="utf-8"?>
+<file path=ppt/slides/slide7.xml><?xml version="1.0" encoding="utf-8"?>
 <p:sld xmlns:a="http://schemas.openxmlformats.org/drawingml/2006/main" xmlns:r="http://schemas.openxmlformats.org/officeDocument/2006/relationships" xmlns:p="http://schemas.openxmlformats.org/presentationml/2006/main">
   <p:cSld>
     <p:spTree>
@@ -5732,12 +6195,14 @@
         </p:nvSpPr>
         <p:spPr/>
         <p:txBody>
-          <a:bodyPr/>
-          <a:lstStyle/>
-          <a:p>
-            <a:r>
-              <a:rPr lang="en-US" dirty="0" smtClean="0"/>
-              <a:t>Results</a:t>
+          <a:bodyPr>
+            <a:normAutofit fontScale="90000"/>
+          </a:bodyPr>
+          <a:lstStyle/>
+          <a:p>
+            <a:r>
+              <a:rPr lang="en-US" dirty="0"/>
+              <a:t>Varying partitions, number of sources, destinations, keeping constant sources-destinations ratio (1:8)</a:t>
             </a:r>
             <a:endParaRPr lang="en-US" dirty="0"/>
           </a:p>
@@ -5753,14 +6218,37 @@
             <p:ph idx="1"/>
           </p:nvPr>
         </p:nvSpPr>
-        <p:spPr/>
-        <p:txBody>
-          <a:bodyPr/>
-          <a:lstStyle/>
-          <a:p>
-            <a:r>
-              <a:rPr lang="en-US" dirty="0" smtClean="0"/>
-              <a:t>Varying partitions, number of sources, destinations, keeping constant sources-destinations ratio (1:8) – Heuristic 1 + same message sizes (8 MB/pair).</a:t>
+        <p:spPr>
+          <a:xfrm>
+            <a:off x="457200" y="1951870"/>
+            <a:ext cx="8229600" cy="4174293"/>
+          </a:xfrm>
+        </p:spPr>
+        <p:txBody>
+          <a:bodyPr/>
+          <a:lstStyle/>
+          <a:p>
+            <a:r>
+              <a:rPr lang="en-US" dirty="0" smtClean="0"/>
+              <a:t>Setup</a:t>
+            </a:r>
+          </a:p>
+          <a:p>
+            <a:pPr lvl="1"/>
+            <a:r>
+              <a:rPr lang="en-US" dirty="0" smtClean="0"/>
+              <a:t>Heuristic 1</a:t>
+            </a:r>
+          </a:p>
+          <a:p>
+            <a:pPr lvl="1"/>
+            <a:r>
+              <a:rPr lang="en-US" dirty="0" smtClean="0"/>
+              <a:t>Same </a:t>
+            </a:r>
+            <a:r>
+              <a:rPr lang="en-US" dirty="0" smtClean="0"/>
+              <a:t>message sizes (8 MB/pair).</a:t>
             </a:r>
             <a:endParaRPr lang="en-US" dirty="0"/>
           </a:p>
@@ -5966,7 +6454,7 @@
 </p:sld>
 </file>
 
-<file path=ppt/slides/slide7.xml><?xml version="1.0" encoding="utf-8"?>
+<file path=ppt/slides/slide8.xml><?xml version="1.0" encoding="utf-8"?>
 <p:sld xmlns:a="http://schemas.openxmlformats.org/drawingml/2006/main" xmlns:r="http://schemas.openxmlformats.org/officeDocument/2006/relationships" xmlns:p="http://schemas.openxmlformats.org/presentationml/2006/main">
   <p:cSld>
     <p:spTree>
@@ -6081,7 +6569,7 @@
 </p:sld>
 </file>
 
-<file path=ppt/slides/slide8.xml><?xml version="1.0" encoding="utf-8"?>
+<file path=ppt/slides/slide9.xml><?xml version="1.0" encoding="utf-8"?>
 <p:sld xmlns:a="http://schemas.openxmlformats.org/drawingml/2006/main" xmlns:r="http://schemas.openxmlformats.org/officeDocument/2006/relationships" xmlns:p="http://schemas.openxmlformats.org/presentationml/2006/main">
   <p:cSld>
     <p:spTree>
@@ -6110,12 +6598,14 @@
         </p:nvSpPr>
         <p:spPr/>
         <p:txBody>
-          <a:bodyPr/>
-          <a:lstStyle/>
-          <a:p>
-            <a:r>
-              <a:rPr lang="en-US" dirty="0" smtClean="0"/>
-              <a:t>Results</a:t>
+          <a:bodyPr>
+            <a:normAutofit fontScale="90000"/>
+          </a:bodyPr>
+          <a:lstStyle/>
+          <a:p>
+            <a:r>
+              <a:rPr lang="en-US" dirty="0"/>
+              <a:t>Varying partitions, number of sources, destinations, keeping constant sources-destinations ratio (1:8)</a:t>
             </a:r>
             <a:endParaRPr lang="en-US" dirty="0"/>
           </a:p>
@@ -6131,14 +6621,23 @@
             <p:ph idx="1"/>
           </p:nvPr>
         </p:nvSpPr>
-        <p:spPr/>
-        <p:txBody>
-          <a:bodyPr/>
-          <a:lstStyle/>
-          <a:p>
-            <a:r>
-              <a:rPr lang="en-US" dirty="0" smtClean="0"/>
-              <a:t>Varying partitions, number of sources, destinations, keeping constant sources-destinations ratio (1:8): Heuristic 2 + different message sizes (64 KB – 8 MB).</a:t>
+        <p:spPr>
+          <a:xfrm>
+            <a:off x="457200" y="1998903"/>
+            <a:ext cx="8229600" cy="4127260"/>
+          </a:xfrm>
+        </p:spPr>
+        <p:txBody>
+          <a:bodyPr/>
+          <a:lstStyle/>
+          <a:p>
+            <a:r>
+              <a:rPr lang="en-US" dirty="0" smtClean="0"/>
+              <a:t>Heuristic </a:t>
+            </a:r>
+            <a:r>
+              <a:rPr lang="en-US" dirty="0" smtClean="0"/>
+              <a:t>2 + different message sizes (64 KB – 8 MB).</a:t>
             </a:r>
             <a:endParaRPr lang="en-US" dirty="0"/>
           </a:p>
@@ -6166,7 +6665,7 @@
         </p:blipFill>
         <p:spPr>
           <a:xfrm>
-            <a:off x="-23961" y="3758125"/>
+            <a:off x="-23961" y="3204127"/>
             <a:ext cx="3210733" cy="2481021"/>
           </a:xfrm>
           <a:prstGeom prst="rect">
@@ -6196,7 +6695,7 @@
         </p:blipFill>
         <p:spPr>
           <a:xfrm>
-            <a:off x="2995089" y="3758126"/>
+            <a:off x="2995089" y="3204128"/>
             <a:ext cx="3234692" cy="2499534"/>
           </a:xfrm>
           <a:prstGeom prst="rect">
@@ -6226,7 +6725,7 @@
         </p:blipFill>
         <p:spPr>
           <a:xfrm>
-            <a:off x="6059609" y="3785625"/>
+            <a:off x="6059609" y="3231627"/>
             <a:ext cx="3165259" cy="2445882"/>
           </a:xfrm>
           <a:prstGeom prst="rect">
@@ -6242,7 +6741,7 @@
         </p:nvSpPr>
         <p:spPr>
           <a:xfrm>
-            <a:off x="1078231" y="6310829"/>
+            <a:off x="1078231" y="5756831"/>
             <a:ext cx="902811" cy="369332"/>
           </a:xfrm>
           <a:prstGeom prst="rect">
@@ -6272,7 +6771,7 @@
         </p:nvSpPr>
         <p:spPr>
           <a:xfrm>
-            <a:off x="4213737" y="6310829"/>
+            <a:off x="4213737" y="5756831"/>
             <a:ext cx="921910" cy="369332"/>
           </a:xfrm>
           <a:prstGeom prst="rect">
@@ -6302,7 +6801,7 @@
         </p:nvSpPr>
         <p:spPr>
           <a:xfrm>
-            <a:off x="7217460" y="6310829"/>
+            <a:off x="7217460" y="5756831"/>
             <a:ext cx="815736" cy="369332"/>
           </a:xfrm>
           <a:prstGeom prst="rect">
@@ -6328,283 +6827,6 @@
     <p:extLst>
       <p:ext uri="{BB962C8B-B14F-4D97-AF65-F5344CB8AC3E}">
         <p14:creationId xmlns:p14="http://schemas.microsoft.com/office/powerpoint/2010/main" val="4195511534"/>
-      </p:ext>
-    </p:extLst>
-  </p:cSld>
-  <p:clrMapOvr>
-    <a:masterClrMapping/>
-  </p:clrMapOvr>
-  <p:timing>
-    <p:tnLst>
-      <p:par>
-        <p:cTn xmlns:p14="http://schemas.microsoft.com/office/powerpoint/2010/main" id="1" dur="indefinite" restart="never" nodeType="tmRoot"/>
-      </p:par>
-    </p:tnLst>
-  </p:timing>
-</p:sld>
-</file>
-
-<file path=ppt/slides/slide9.xml><?xml version="1.0" encoding="utf-8"?>
-<p:sld xmlns:a="http://schemas.openxmlformats.org/drawingml/2006/main" xmlns:r="http://schemas.openxmlformats.org/officeDocument/2006/relationships" xmlns:p="http://schemas.openxmlformats.org/presentationml/2006/main">
-  <p:cSld>
-    <p:spTree>
-      <p:nvGrpSpPr>
-        <p:cNvPr id="1" name=""/>
-        <p:cNvGrpSpPr/>
-        <p:nvPr/>
-      </p:nvGrpSpPr>
-      <p:grpSpPr>
-        <a:xfrm>
-          <a:off x="0" y="0"/>
-          <a:ext cx="0" cy="0"/>
-          <a:chOff x="0" y="0"/>
-          <a:chExt cx="0" cy="0"/>
-        </a:xfrm>
-      </p:grpSpPr>
-      <p:sp>
-        <p:nvSpPr>
-          <p:cNvPr id="2" name="Title 1"/>
-          <p:cNvSpPr>
-            <a:spLocks noGrp="1"/>
-          </p:cNvSpPr>
-          <p:nvPr>
-            <p:ph type="title"/>
-          </p:nvPr>
-        </p:nvSpPr>
-        <p:spPr/>
-        <p:txBody>
-          <a:bodyPr/>
-          <a:lstStyle/>
-          <a:p>
-            <a:r>
-              <a:rPr lang="en-US" dirty="0" smtClean="0"/>
-              <a:t>Results</a:t>
-            </a:r>
-            <a:endParaRPr lang="en-US" dirty="0"/>
-          </a:p>
-        </p:txBody>
-      </p:sp>
-      <p:sp>
-        <p:nvSpPr>
-          <p:cNvPr id="3" name="Content Placeholder 2"/>
-          <p:cNvSpPr>
-            <a:spLocks noGrp="1"/>
-          </p:cNvSpPr>
-          <p:nvPr>
-            <p:ph idx="1"/>
-          </p:nvPr>
-        </p:nvSpPr>
-        <p:spPr/>
-        <p:txBody>
-          <a:bodyPr/>
-          <a:lstStyle/>
-          <a:p>
-            <a:r>
-              <a:rPr lang="en-US" dirty="0" smtClean="0"/>
-              <a:t>Varying sources-destinations ratio</a:t>
-            </a:r>
-          </a:p>
-          <a:p>
-            <a:pPr lvl="1"/>
-            <a:r>
-              <a:rPr lang="en-US" dirty="0" smtClean="0"/>
-              <a:t>2048 nodes totals, 64 sources.</a:t>
-            </a:r>
-          </a:p>
-          <a:p>
-            <a:pPr lvl="1"/>
-            <a:r>
-              <a:rPr lang="en-US" dirty="0" smtClean="0"/>
-              <a:t>1 Ranks/node, 8 MB/pair.</a:t>
-            </a:r>
-            <a:endParaRPr lang="en-US" dirty="0"/>
-          </a:p>
-        </p:txBody>
-      </p:sp>
-      <p:pic>
-        <p:nvPicPr>
-          <p:cNvPr id="4" name="Picture 3" descr="incrsize_disjoint.pdf"/>
-          <p:cNvPicPr>
-            <a:picLocks noChangeAspect="1"/>
-          </p:cNvPicPr>
-          <p:nvPr/>
-        </p:nvPicPr>
-        <p:blipFill>
-          <a:blip r:embed="rId2">
-            <a:extLst>
-              <a:ext uri="{28A0092B-C50C-407E-A947-70E740481C1C}">
-                <a14:useLocalDpi xmlns:a14="http://schemas.microsoft.com/office/drawing/2010/main" val="0"/>
-              </a:ext>
-            </a:extLst>
-          </a:blip>
-          <a:stretch>
-            <a:fillRect/>
-          </a:stretch>
-        </p:blipFill>
-        <p:spPr>
-          <a:xfrm>
-            <a:off x="-23961" y="3657425"/>
-            <a:ext cx="3433593" cy="2653231"/>
-          </a:xfrm>
-          <a:prstGeom prst="rect">
-            <a:avLst/>
-          </a:prstGeom>
-        </p:spPr>
-      </p:pic>
-      <p:pic>
-        <p:nvPicPr>
-          <p:cNvPr id="5" name="Picture 4" descr="incrsize_overlap.pdf"/>
-          <p:cNvPicPr>
-            <a:picLocks noChangeAspect="1"/>
-          </p:cNvPicPr>
-          <p:nvPr/>
-        </p:nvPicPr>
-        <p:blipFill>
-          <a:blip r:embed="rId3">
-            <a:extLst>
-              <a:ext uri="{28A0092B-C50C-407E-A947-70E740481C1C}">
-                <a14:useLocalDpi xmlns:a14="http://schemas.microsoft.com/office/drawing/2010/main" val="0"/>
-              </a:ext>
-            </a:extLst>
-          </a:blip>
-          <a:stretch>
-            <a:fillRect/>
-          </a:stretch>
-        </p:blipFill>
-        <p:spPr>
-          <a:xfrm>
-            <a:off x="2998960" y="3657425"/>
-            <a:ext cx="3392279" cy="2621306"/>
-          </a:xfrm>
-          <a:prstGeom prst="rect">
-            <a:avLst/>
-          </a:prstGeom>
-        </p:spPr>
-      </p:pic>
-      <p:pic>
-        <p:nvPicPr>
-          <p:cNvPr id="6" name="Picture 5" descr="incrsize_subset.pdf"/>
-          <p:cNvPicPr>
-            <a:picLocks noChangeAspect="1"/>
-          </p:cNvPicPr>
-          <p:nvPr/>
-        </p:nvPicPr>
-        <p:blipFill>
-          <a:blip r:embed="rId4">
-            <a:extLst>
-              <a:ext uri="{28A0092B-C50C-407E-A947-70E740481C1C}">
-                <a14:useLocalDpi xmlns:a14="http://schemas.microsoft.com/office/drawing/2010/main" val="0"/>
-              </a:ext>
-            </a:extLst>
-          </a:blip>
-          <a:stretch>
-            <a:fillRect/>
-          </a:stretch>
-        </p:blipFill>
-        <p:spPr>
-          <a:xfrm>
-            <a:off x="5986394" y="3673389"/>
-            <a:ext cx="3412935" cy="2637267"/>
-          </a:xfrm>
-          <a:prstGeom prst="rect">
-            <a:avLst/>
-          </a:prstGeom>
-        </p:spPr>
-      </p:pic>
-      <p:sp>
-        <p:nvSpPr>
-          <p:cNvPr id="7" name="TextBox 6"/>
-          <p:cNvSpPr txBox="1"/>
-          <p:nvPr/>
-        </p:nvSpPr>
-        <p:spPr>
-          <a:xfrm>
-            <a:off x="1078231" y="6310829"/>
-            <a:ext cx="902811" cy="369332"/>
-          </a:xfrm>
-          <a:prstGeom prst="rect">
-            <a:avLst/>
-          </a:prstGeom>
-          <a:noFill/>
-        </p:spPr>
-        <p:txBody>
-          <a:bodyPr wrap="none" rtlCol="0">
-            <a:spAutoFit/>
-          </a:bodyPr>
-          <a:lstStyle/>
-          <a:p>
-            <a:r>
-              <a:rPr lang="en-US" dirty="0" smtClean="0"/>
-              <a:t>Disjoint</a:t>
-            </a:r>
-            <a:endParaRPr lang="en-US" dirty="0"/>
-          </a:p>
-        </p:txBody>
-      </p:sp>
-      <p:sp>
-        <p:nvSpPr>
-          <p:cNvPr id="8" name="TextBox 7"/>
-          <p:cNvSpPr txBox="1"/>
-          <p:nvPr/>
-        </p:nvSpPr>
-        <p:spPr>
-          <a:xfrm>
-            <a:off x="4213737" y="6310829"/>
-            <a:ext cx="921910" cy="369332"/>
-          </a:xfrm>
-          <a:prstGeom prst="rect">
-            <a:avLst/>
-          </a:prstGeom>
-          <a:noFill/>
-        </p:spPr>
-        <p:txBody>
-          <a:bodyPr wrap="none" rtlCol="0">
-            <a:spAutoFit/>
-          </a:bodyPr>
-          <a:lstStyle/>
-          <a:p>
-            <a:r>
-              <a:rPr lang="en-US" dirty="0" smtClean="0"/>
-              <a:t>Overlap</a:t>
-            </a:r>
-            <a:endParaRPr lang="en-US" dirty="0"/>
-          </a:p>
-        </p:txBody>
-      </p:sp>
-      <p:sp>
-        <p:nvSpPr>
-          <p:cNvPr id="9" name="TextBox 8"/>
-          <p:cNvSpPr txBox="1"/>
-          <p:nvPr/>
-        </p:nvSpPr>
-        <p:spPr>
-          <a:xfrm>
-            <a:off x="7217460" y="6310829"/>
-            <a:ext cx="815736" cy="369332"/>
-          </a:xfrm>
-          <a:prstGeom prst="rect">
-            <a:avLst/>
-          </a:prstGeom>
-          <a:noFill/>
-        </p:spPr>
-        <p:txBody>
-          <a:bodyPr wrap="none" rtlCol="0">
-            <a:spAutoFit/>
-          </a:bodyPr>
-          <a:lstStyle/>
-          <a:p>
-            <a:r>
-              <a:rPr lang="en-US" dirty="0" smtClean="0"/>
-              <a:t>Subset</a:t>
-            </a:r>
-            <a:endParaRPr lang="en-US" dirty="0"/>
-          </a:p>
-        </p:txBody>
-      </p:sp>
-    </p:spTree>
-    <p:extLst>
-      <p:ext uri="{BB962C8B-B14F-4D97-AF65-F5344CB8AC3E}">
-        <p14:creationId xmlns:p14="http://schemas.microsoft.com/office/powerpoint/2010/main" val="735700975"/>
       </p:ext>
     </p:extLst>
   </p:cSld>

--- a/docs/Meeting_June_19.pptx
+++ b/docs/Meeting_June_19.pptx
@@ -5736,7 +5736,7 @@
             </a:r>
             <a:r>
               <a:rPr lang="en-US" dirty="0" smtClean="0"/>
-              <a:t> values Maximum value of load on links is not over this value. No such </a:t>
+              <a:t> values. Maximum value of load on links is not over this value. No such </a:t>
             </a:r>
             <a:r>
               <a:rPr lang="en-US" i="1" dirty="0" err="1" smtClean="0"/>
@@ -5916,6 +5916,13 @@
   <p:clrMapOvr>
     <a:masterClrMapping/>
   </p:clrMapOvr>
+  <p:timing>
+    <p:tnLst>
+      <p:par>
+        <p:cTn xmlns:p14="http://schemas.microsoft.com/office/powerpoint/2010/main" id="1" dur="indefinite" restart="never" nodeType="tmRoot"/>
+      </p:par>
+    </p:tnLst>
+  </p:timing>
 </p:sld>
 </file>
 
@@ -5971,7 +5978,9 @@
         </p:nvSpPr>
         <p:spPr/>
         <p:txBody>
-          <a:bodyPr/>
+          <a:bodyPr>
+            <a:normAutofit lnSpcReduction="10000"/>
+          </a:bodyPr>
           <a:lstStyle/>
           <a:p>
             <a:r>
@@ -5993,6 +6002,18 @@
               <a:buNone/>
             </a:pPr>
             <a:endParaRPr lang="en-US" dirty="0"/>
+          </a:p>
+          <a:p>
+            <a:r>
+              <a:rPr lang="en-US" dirty="0" smtClean="0"/>
+              <a:t>Number of nodes: 512 – 4096 nodes.</a:t>
+            </a:r>
+          </a:p>
+          <a:p>
+            <a:r>
+              <a:rPr lang="en-US" dirty="0" smtClean="0"/>
+              <a:t>1 MPI/PAMI rank per node.</a:t>
+            </a:r>
           </a:p>
           <a:p>
             <a:r>
@@ -6633,11 +6654,29 @@
           <a:p>
             <a:r>
               <a:rPr lang="en-US" dirty="0" smtClean="0"/>
-              <a:t>Heuristic </a:t>
-            </a:r>
-            <a:r>
-              <a:rPr lang="en-US" dirty="0" smtClean="0"/>
-              <a:t>2 + different message sizes (64 KB – 8 MB).</a:t>
+              <a:t>Set up:</a:t>
+            </a:r>
+          </a:p>
+          <a:p>
+            <a:pPr lvl="1"/>
+            <a:r>
+              <a:rPr lang="en-US" dirty="0" smtClean="0"/>
+              <a:t>Heuristic 2</a:t>
+            </a:r>
+          </a:p>
+          <a:p>
+            <a:pPr lvl="1"/>
+            <a:r>
+              <a:rPr lang="en-US" dirty="0" smtClean="0"/>
+              <a:t>D</a:t>
+            </a:r>
+            <a:r>
+              <a:rPr lang="en-US" dirty="0" smtClean="0"/>
+              <a:t>ifferent </a:t>
+            </a:r>
+            <a:r>
+              <a:rPr lang="en-US" dirty="0" smtClean="0"/>
+              <a:t>message sizes (64 KB – 8 MB).</a:t>
             </a:r>
             <a:endParaRPr lang="en-US" dirty="0"/>
           </a:p>
@@ -6665,7 +6704,7 @@
         </p:blipFill>
         <p:spPr>
           <a:xfrm>
-            <a:off x="-23961" y="3204127"/>
+            <a:off x="-23961" y="3652781"/>
             <a:ext cx="3210733" cy="2481021"/>
           </a:xfrm>
           <a:prstGeom prst="rect">
@@ -6695,7 +6734,7 @@
         </p:blipFill>
         <p:spPr>
           <a:xfrm>
-            <a:off x="2995089" y="3204128"/>
+            <a:off x="2995089" y="3652782"/>
             <a:ext cx="3234692" cy="2499534"/>
           </a:xfrm>
           <a:prstGeom prst="rect">
@@ -6725,7 +6764,7 @@
         </p:blipFill>
         <p:spPr>
           <a:xfrm>
-            <a:off x="6059609" y="3231627"/>
+            <a:off x="6059609" y="3680281"/>
             <a:ext cx="3165259" cy="2445882"/>
           </a:xfrm>
           <a:prstGeom prst="rect">
@@ -6741,7 +6780,7 @@
         </p:nvSpPr>
         <p:spPr>
           <a:xfrm>
-            <a:off x="1078231" y="5756831"/>
+            <a:off x="1078231" y="6205485"/>
             <a:ext cx="902811" cy="369332"/>
           </a:xfrm>
           <a:prstGeom prst="rect">
@@ -6771,7 +6810,7 @@
         </p:nvSpPr>
         <p:spPr>
           <a:xfrm>
-            <a:off x="4213737" y="5756831"/>
+            <a:off x="4213737" y="6205485"/>
             <a:ext cx="921910" cy="369332"/>
           </a:xfrm>
           <a:prstGeom prst="rect">
@@ -6801,7 +6840,7 @@
         </p:nvSpPr>
         <p:spPr>
           <a:xfrm>
-            <a:off x="7217460" y="5756831"/>
+            <a:off x="7217460" y="6205485"/>
             <a:ext cx="815736" cy="369332"/>
           </a:xfrm>
           <a:prstGeom prst="rect">

--- a/docs/Meeting_June_19.pptx
+++ b/docs/Meeting_June_19.pptx
@@ -5826,6 +5826,23 @@
           <a:p>
             <a:r>
               <a:rPr lang="en-US" dirty="0" smtClean="0"/>
+              <a:t>Minimize transfer time: </a:t>
+            </a:r>
+            <a:r>
+              <a:rPr lang="en-US" i="1" dirty="0" smtClean="0"/>
+              <a:t>t</a:t>
+            </a:r>
+          </a:p>
+          <a:p>
+            <a:r>
+              <a:rPr lang="en-US" dirty="0" smtClean="0"/>
+              <a:t>Subject to:</a:t>
+            </a:r>
+          </a:p>
+          <a:p>
+            <a:pPr lvl="1"/>
+            <a:r>
+              <a:rPr lang="en-US" dirty="0" smtClean="0"/>
               <a:t>Total flows of a job:</a:t>
             </a:r>
           </a:p>
@@ -5833,12 +5850,13 @@
             <a:endParaRPr lang="en-US" dirty="0"/>
           </a:p>
           <a:p>
-            <a:endParaRPr lang="en-US" dirty="0" smtClean="0"/>
-          </a:p>
-          <a:p>
+            <a:pPr marL="0" indent="0">
+              <a:buNone/>
+            </a:pPr>
             <a:endParaRPr lang="en-US" dirty="0"/>
           </a:p>
           <a:p>
+            <a:pPr lvl="1"/>
             <a:r>
               <a:rPr lang="en-US" dirty="0" smtClean="0"/>
               <a:t>Link capacity:</a:t>
@@ -5868,8 +5886,8 @@
         </p:blipFill>
         <p:spPr>
           <a:xfrm>
-            <a:off x="970540" y="4479048"/>
-            <a:ext cx="7502339" cy="1484729"/>
+            <a:off x="2159000" y="4957452"/>
+            <a:ext cx="5905499" cy="1168711"/>
           </a:xfrm>
           <a:prstGeom prst="rect">
             <a:avLst/>
@@ -5898,8 +5916,8 @@
         </p:blipFill>
         <p:spPr>
           <a:xfrm>
-            <a:off x="1104765" y="2281443"/>
-            <a:ext cx="7688187" cy="1503492"/>
+            <a:off x="1822449" y="3255094"/>
+            <a:ext cx="6242050" cy="1220688"/>
           </a:xfrm>
           <a:prstGeom prst="rect">
             <a:avLst/>
@@ -6131,7 +6149,15 @@
           <a:p>
             <a:r>
               <a:rPr lang="en-US" dirty="0" smtClean="0"/>
-              <a:t>1K nodes, 8 MB/s per pairs, 91 experiments, 3 patterns.</a:t>
+              <a:t>1K nodes, 8 </a:t>
+            </a:r>
+            <a:r>
+              <a:rPr lang="en-US" dirty="0" smtClean="0"/>
+              <a:t>MB </a:t>
+            </a:r>
+            <a:r>
+              <a:rPr lang="en-US" dirty="0" smtClean="0"/>
+              <a:t>per pairs, 91 experiments, 3 patterns.</a:t>
             </a:r>
             <a:endParaRPr lang="en-US" dirty="0"/>
           </a:p>
